--- a/Modul_08_Modules/Modules.pptx
+++ b/Modul_08_Modules/Modules.pptx
@@ -5,10 +5,12 @@
     <p:sldMasterId id="2147483648" r:id="rId1"/>
   </p:sldMasterIdLst>
   <p:notesMasterIdLst>
-    <p:notesMasterId r:id="rId3"/>
+    <p:notesMasterId r:id="rId5"/>
   </p:notesMasterIdLst>
   <p:sldIdLst>
     <p:sldId id="257" r:id="rId2"/>
+    <p:sldId id="258" r:id="rId3"/>
+    <p:sldId id="259" r:id="rId4"/>
   </p:sldIdLst>
   <p:sldSz cx="12192000" cy="6858000"/>
   <p:notesSz cx="6858000" cy="9144000"/>
@@ -197,7 +199,7 @@
           <a:p>
             <a:fld id="{E9DAB8B5-B9A3-426D-91D9-D7966B0F2B79}" type="datetimeFigureOut">
               <a:rPr lang="de-DE" smtClean="0"/>
-              <a:t>13.11.2021</a:t>
+              <a:t>14.11.2021</a:t>
             </a:fld>
             <a:endParaRPr lang="de-DE"/>
           </a:p>
@@ -549,6 +551,174 @@
 </p:notes>
 </file>
 
+<file path=ppt/notesSlides/notesSlide2.xml><?xml version="1.0" encoding="utf-8"?>
+<p:notes xmlns:a="http://schemas.openxmlformats.org/drawingml/2006/main" xmlns:r="http://schemas.openxmlformats.org/officeDocument/2006/relationships" xmlns:p="http://schemas.openxmlformats.org/presentationml/2006/main">
+  <p:cSld>
+    <p:spTree>
+      <p:nvGrpSpPr>
+        <p:cNvPr id="1" name=""/>
+        <p:cNvGrpSpPr/>
+        <p:nvPr/>
+      </p:nvGrpSpPr>
+      <p:grpSpPr>
+        <a:xfrm>
+          <a:off x="0" y="0"/>
+          <a:ext cx="0" cy="0"/>
+          <a:chOff x="0" y="0"/>
+          <a:chExt cx="0" cy="0"/>
+        </a:xfrm>
+      </p:grpSpPr>
+      <p:sp>
+        <p:nvSpPr>
+          <p:cNvPr id="2" name="Folienbildplatzhalter 1"/>
+          <p:cNvSpPr>
+            <a:spLocks noGrp="1" noRot="1" noChangeAspect="1"/>
+          </p:cNvSpPr>
+          <p:nvPr>
+            <p:ph type="sldImg"/>
+          </p:nvPr>
+        </p:nvSpPr>
+        <p:spPr/>
+      </p:sp>
+      <p:sp>
+        <p:nvSpPr>
+          <p:cNvPr id="3" name="Notizenplatzhalter 2"/>
+          <p:cNvSpPr>
+            <a:spLocks noGrp="1"/>
+          </p:cNvSpPr>
+          <p:nvPr>
+            <p:ph type="body" idx="1"/>
+          </p:nvPr>
+        </p:nvSpPr>
+        <p:spPr/>
+        <p:txBody>
+          <a:bodyPr/>
+          <a:lstStyle/>
+          <a:p>
+            <a:endParaRPr lang="de-DE" dirty="0"/>
+          </a:p>
+        </p:txBody>
+      </p:sp>
+      <p:sp>
+        <p:nvSpPr>
+          <p:cNvPr id="4" name="Foliennummernplatzhalter 3"/>
+          <p:cNvSpPr>
+            <a:spLocks noGrp="1"/>
+          </p:cNvSpPr>
+          <p:nvPr>
+            <p:ph type="sldNum" sz="quarter" idx="10"/>
+          </p:nvPr>
+        </p:nvSpPr>
+        <p:spPr/>
+        <p:txBody>
+          <a:bodyPr/>
+          <a:lstStyle/>
+          <a:p>
+            <a:fld id="{E58C7EAB-645A-4FBB-B6AF-831236EEB6FB}" type="slidenum">
+              <a:rPr lang="de-DE" smtClean="0"/>
+              <a:t>2</a:t>
+            </a:fld>
+            <a:endParaRPr lang="de-DE"/>
+          </a:p>
+        </p:txBody>
+      </p:sp>
+    </p:spTree>
+    <p:extLst>
+      <p:ext uri="{BB962C8B-B14F-4D97-AF65-F5344CB8AC3E}">
+        <p14:creationId xmlns:p14="http://schemas.microsoft.com/office/powerpoint/2010/main" val="358908489"/>
+      </p:ext>
+    </p:extLst>
+  </p:cSld>
+  <p:clrMapOvr>
+    <a:masterClrMapping/>
+  </p:clrMapOvr>
+</p:notes>
+</file>
+
+<file path=ppt/notesSlides/notesSlide3.xml><?xml version="1.0" encoding="utf-8"?>
+<p:notes xmlns:a="http://schemas.openxmlformats.org/drawingml/2006/main" xmlns:r="http://schemas.openxmlformats.org/officeDocument/2006/relationships" xmlns:p="http://schemas.openxmlformats.org/presentationml/2006/main">
+  <p:cSld>
+    <p:spTree>
+      <p:nvGrpSpPr>
+        <p:cNvPr id="1" name=""/>
+        <p:cNvGrpSpPr/>
+        <p:nvPr/>
+      </p:nvGrpSpPr>
+      <p:grpSpPr>
+        <a:xfrm>
+          <a:off x="0" y="0"/>
+          <a:ext cx="0" cy="0"/>
+          <a:chOff x="0" y="0"/>
+          <a:chExt cx="0" cy="0"/>
+        </a:xfrm>
+      </p:grpSpPr>
+      <p:sp>
+        <p:nvSpPr>
+          <p:cNvPr id="2" name="Folienbildplatzhalter 1"/>
+          <p:cNvSpPr>
+            <a:spLocks noGrp="1" noRot="1" noChangeAspect="1"/>
+          </p:cNvSpPr>
+          <p:nvPr>
+            <p:ph type="sldImg"/>
+          </p:nvPr>
+        </p:nvSpPr>
+        <p:spPr/>
+      </p:sp>
+      <p:sp>
+        <p:nvSpPr>
+          <p:cNvPr id="3" name="Notizenplatzhalter 2"/>
+          <p:cNvSpPr>
+            <a:spLocks noGrp="1"/>
+          </p:cNvSpPr>
+          <p:nvPr>
+            <p:ph type="body" idx="1"/>
+          </p:nvPr>
+        </p:nvSpPr>
+        <p:spPr/>
+        <p:txBody>
+          <a:bodyPr/>
+          <a:lstStyle/>
+          <a:p>
+            <a:endParaRPr lang="de-DE" dirty="0"/>
+          </a:p>
+        </p:txBody>
+      </p:sp>
+      <p:sp>
+        <p:nvSpPr>
+          <p:cNvPr id="4" name="Foliennummernplatzhalter 3"/>
+          <p:cNvSpPr>
+            <a:spLocks noGrp="1"/>
+          </p:cNvSpPr>
+          <p:nvPr>
+            <p:ph type="sldNum" sz="quarter" idx="10"/>
+          </p:nvPr>
+        </p:nvSpPr>
+        <p:spPr/>
+        <p:txBody>
+          <a:bodyPr/>
+          <a:lstStyle/>
+          <a:p>
+            <a:fld id="{E58C7EAB-645A-4FBB-B6AF-831236EEB6FB}" type="slidenum">
+              <a:rPr lang="de-DE" smtClean="0"/>
+              <a:t>3</a:t>
+            </a:fld>
+            <a:endParaRPr lang="de-DE"/>
+          </a:p>
+        </p:txBody>
+      </p:sp>
+    </p:spTree>
+    <p:extLst>
+      <p:ext uri="{BB962C8B-B14F-4D97-AF65-F5344CB8AC3E}">
+        <p14:creationId xmlns:p14="http://schemas.microsoft.com/office/powerpoint/2010/main" val="1380042306"/>
+      </p:ext>
+    </p:extLst>
+  </p:cSld>
+  <p:clrMapOvr>
+    <a:masterClrMapping/>
+  </p:clrMapOvr>
+</p:notes>
+</file>
+
 <file path=ppt/slideLayouts/slideLayout1.xml><?xml version="1.0" encoding="utf-8"?>
 <p:sldLayout xmlns:a="http://schemas.openxmlformats.org/drawingml/2006/main" xmlns:r="http://schemas.openxmlformats.org/officeDocument/2006/relationships" xmlns:p="http://schemas.openxmlformats.org/presentationml/2006/main" type="title" preserve="1">
   <p:cSld name="Titelfolie">
@@ -680,7 +850,7 @@
           <a:p>
             <a:fld id="{6CBA03CC-73C5-46A8-8DFB-B5DC4577D8E2}" type="datetimeFigureOut">
               <a:rPr lang="de-DE" smtClean="0"/>
-              <a:t>13.11.2021</a:t>
+              <a:t>14.11.2021</a:t>
             </a:fld>
             <a:endParaRPr lang="de-DE"/>
           </a:p>
@@ -850,7 +1020,7 @@
           <a:p>
             <a:fld id="{6CBA03CC-73C5-46A8-8DFB-B5DC4577D8E2}" type="datetimeFigureOut">
               <a:rPr lang="de-DE" smtClean="0"/>
-              <a:t>13.11.2021</a:t>
+              <a:t>14.11.2021</a:t>
             </a:fld>
             <a:endParaRPr lang="de-DE"/>
           </a:p>
@@ -1030,7 +1200,7 @@
           <a:p>
             <a:fld id="{6CBA03CC-73C5-46A8-8DFB-B5DC4577D8E2}" type="datetimeFigureOut">
               <a:rPr lang="de-DE" smtClean="0"/>
-              <a:t>13.11.2021</a:t>
+              <a:t>14.11.2021</a:t>
             </a:fld>
             <a:endParaRPr lang="de-DE"/>
           </a:p>
@@ -1200,7 +1370,7 @@
           <a:p>
             <a:fld id="{6CBA03CC-73C5-46A8-8DFB-B5DC4577D8E2}" type="datetimeFigureOut">
               <a:rPr lang="de-DE" smtClean="0"/>
-              <a:t>13.11.2021</a:t>
+              <a:t>14.11.2021</a:t>
             </a:fld>
             <a:endParaRPr lang="de-DE"/>
           </a:p>
@@ -1446,7 +1616,7 @@
           <a:p>
             <a:fld id="{6CBA03CC-73C5-46A8-8DFB-B5DC4577D8E2}" type="datetimeFigureOut">
               <a:rPr lang="de-DE" smtClean="0"/>
-              <a:t>13.11.2021</a:t>
+              <a:t>14.11.2021</a:t>
             </a:fld>
             <a:endParaRPr lang="de-DE"/>
           </a:p>
@@ -1678,7 +1848,7 @@
           <a:p>
             <a:fld id="{6CBA03CC-73C5-46A8-8DFB-B5DC4577D8E2}" type="datetimeFigureOut">
               <a:rPr lang="de-DE" smtClean="0"/>
-              <a:t>13.11.2021</a:t>
+              <a:t>14.11.2021</a:t>
             </a:fld>
             <a:endParaRPr lang="de-DE"/>
           </a:p>
@@ -2045,7 +2215,7 @@
           <a:p>
             <a:fld id="{6CBA03CC-73C5-46A8-8DFB-B5DC4577D8E2}" type="datetimeFigureOut">
               <a:rPr lang="de-DE" smtClean="0"/>
-              <a:t>13.11.2021</a:t>
+              <a:t>14.11.2021</a:t>
             </a:fld>
             <a:endParaRPr lang="de-DE"/>
           </a:p>
@@ -2163,7 +2333,7 @@
           <a:p>
             <a:fld id="{6CBA03CC-73C5-46A8-8DFB-B5DC4577D8E2}" type="datetimeFigureOut">
               <a:rPr lang="de-DE" smtClean="0"/>
-              <a:t>13.11.2021</a:t>
+              <a:t>14.11.2021</a:t>
             </a:fld>
             <a:endParaRPr lang="de-DE"/>
           </a:p>
@@ -2258,7 +2428,7 @@
           <a:p>
             <a:fld id="{6CBA03CC-73C5-46A8-8DFB-B5DC4577D8E2}" type="datetimeFigureOut">
               <a:rPr lang="de-DE" smtClean="0"/>
-              <a:t>13.11.2021</a:t>
+              <a:t>14.11.2021</a:t>
             </a:fld>
             <a:endParaRPr lang="de-DE"/>
           </a:p>
@@ -2535,7 +2705,7 @@
           <a:p>
             <a:fld id="{6CBA03CC-73C5-46A8-8DFB-B5DC4577D8E2}" type="datetimeFigureOut">
               <a:rPr lang="de-DE" smtClean="0"/>
-              <a:t>13.11.2021</a:t>
+              <a:t>14.11.2021</a:t>
             </a:fld>
             <a:endParaRPr lang="de-DE"/>
           </a:p>
@@ -2788,7 +2958,7 @@
           <a:p>
             <a:fld id="{6CBA03CC-73C5-46A8-8DFB-B5DC4577D8E2}" type="datetimeFigureOut">
               <a:rPr lang="de-DE" smtClean="0"/>
-              <a:t>13.11.2021</a:t>
+              <a:t>14.11.2021</a:t>
             </a:fld>
             <a:endParaRPr lang="de-DE"/>
           </a:p>
@@ -3001,7 +3171,7 @@
           <a:p>
             <a:fld id="{6CBA03CC-73C5-46A8-8DFB-B5DC4577D8E2}" type="datetimeFigureOut">
               <a:rPr lang="de-DE" smtClean="0"/>
-              <a:t>13.11.2021</a:t>
+              <a:t>14.11.2021</a:t>
             </a:fld>
             <a:endParaRPr lang="de-DE"/>
           </a:p>
@@ -3449,17 +3619,2479 @@
           <a:bodyPr/>
           <a:lstStyle/>
           <a:p>
-            <a:pPr marL="0" indent="0">
-              <a:buNone/>
-            </a:pPr>
-            <a:endParaRPr lang="de-DE" dirty="0" smtClean="0"/>
-          </a:p>
-        </p:txBody>
-      </p:sp>
+            <a:r>
+              <a:rPr lang="de-DE" dirty="0" smtClean="0"/>
+              <a:t>Module fassen gemeinsam genutzte Ressourcen zusammen</a:t>
+            </a:r>
+          </a:p>
+          <a:p>
+            <a:r>
+              <a:rPr lang="de-DE" dirty="0" smtClean="0"/>
+              <a:t>Jede Terraform Konfiguration besteht aus dem Root-Modul und kann weitere Child-Module umfassen</a:t>
+            </a:r>
+          </a:p>
+          <a:p>
+            <a:r>
+              <a:rPr lang="de-DE" dirty="0" smtClean="0"/>
+              <a:t>Root-Modul umfasst alle Ressourcen </a:t>
+            </a:r>
+            <a:r>
+              <a:rPr lang="de-DE" dirty="0" smtClean="0"/>
+              <a:t>welche in den .</a:t>
+            </a:r>
+            <a:r>
+              <a:rPr lang="de-DE" dirty="0" err="1" smtClean="0"/>
+              <a:t>tf</a:t>
+            </a:r>
+            <a:r>
+              <a:rPr lang="de-DE" dirty="0" smtClean="0"/>
+              <a:t>-Dateien des Hauptverzeichnis definiert werden</a:t>
+            </a:r>
+          </a:p>
+          <a:p>
+            <a:r>
+              <a:rPr lang="de-DE" dirty="0" smtClean="0"/>
+              <a:t>Child-Module können lokal definiert oder aus</a:t>
+            </a:r>
+            <a:br>
+              <a:rPr lang="de-DE" dirty="0" smtClean="0"/>
+            </a:br>
+            <a:r>
+              <a:rPr lang="de-DE" dirty="0" smtClean="0"/>
+              <a:t>einer externen Registry geladen werden</a:t>
+            </a:r>
+          </a:p>
+        </p:txBody>
+      </p:sp>
+      <p:pic>
+        <p:nvPicPr>
+          <p:cNvPr id="5" name="Grafik 4"/>
+          <p:cNvPicPr>
+            <a:picLocks noChangeAspect="1"/>
+          </p:cNvPicPr>
+          <p:nvPr/>
+        </p:nvPicPr>
+        <p:blipFill>
+          <a:blip r:embed="rId3">
+            <a:extLst>
+              <a:ext uri="{28A0092B-C50C-407E-A947-70E740481C1C}">
+                <a14:useLocalDpi xmlns:a14="http://schemas.microsoft.com/office/drawing/2010/main" val="0"/>
+              </a:ext>
+            </a:extLst>
+          </a:blip>
+          <a:stretch>
+            <a:fillRect/>
+          </a:stretch>
+        </p:blipFill>
+        <p:spPr>
+          <a:xfrm>
+            <a:off x="7797800" y="4083050"/>
+            <a:ext cx="3962400" cy="2228850"/>
+          </a:xfrm>
+          <a:prstGeom prst="rect">
+            <a:avLst/>
+          </a:prstGeom>
+        </p:spPr>
+      </p:pic>
     </p:spTree>
     <p:extLst>
       <p:ext uri="{BB962C8B-B14F-4D97-AF65-F5344CB8AC3E}">
         <p14:creationId xmlns:p14="http://schemas.microsoft.com/office/powerpoint/2010/main" val="2162453654"/>
+      </p:ext>
+    </p:extLst>
+  </p:cSld>
+  <p:clrMapOvr>
+    <a:masterClrMapping/>
+  </p:clrMapOvr>
+  <p:timing>
+    <p:tnLst>
+      <p:par>
+        <p:cTn id="1" dur="indefinite" restart="never" nodeType="tmRoot"/>
+      </p:par>
+    </p:tnLst>
+  </p:timing>
+</p:sld>
+</file>
+
+<file path=ppt/slides/slide2.xml><?xml version="1.0" encoding="utf-8"?>
+<p:sld xmlns:a="http://schemas.openxmlformats.org/drawingml/2006/main" xmlns:r="http://schemas.openxmlformats.org/officeDocument/2006/relationships" xmlns:p="http://schemas.openxmlformats.org/presentationml/2006/main">
+  <p:cSld>
+    <p:spTree>
+      <p:nvGrpSpPr>
+        <p:cNvPr id="1" name=""/>
+        <p:cNvGrpSpPr/>
+        <p:nvPr/>
+      </p:nvGrpSpPr>
+      <p:grpSpPr>
+        <a:xfrm>
+          <a:off x="0" y="0"/>
+          <a:ext cx="0" cy="0"/>
+          <a:chOff x="0" y="0"/>
+          <a:chExt cx="0" cy="0"/>
+        </a:xfrm>
+      </p:grpSpPr>
+      <p:sp>
+        <p:nvSpPr>
+          <p:cNvPr id="2" name="Titel 1"/>
+          <p:cNvSpPr>
+            <a:spLocks noGrp="1"/>
+          </p:cNvSpPr>
+          <p:nvPr>
+            <p:ph type="title"/>
+          </p:nvPr>
+        </p:nvSpPr>
+        <p:spPr/>
+        <p:txBody>
+          <a:bodyPr/>
+          <a:lstStyle/>
+          <a:p>
+            <a:r>
+              <a:rPr lang="de-DE" dirty="0" smtClean="0"/>
+              <a:t>Module Definition</a:t>
+            </a:r>
+            <a:endParaRPr lang="de-DE" dirty="0"/>
+          </a:p>
+        </p:txBody>
+      </p:sp>
+      <p:sp>
+        <p:nvSpPr>
+          <p:cNvPr id="4" name="Rectangle 1"/>
+          <p:cNvSpPr>
+            <a:spLocks noChangeArrowheads="1"/>
+          </p:cNvSpPr>
+          <p:nvPr/>
+        </p:nvSpPr>
+        <p:spPr bwMode="auto">
+          <a:xfrm>
+            <a:off x="2459567" y="1843088"/>
+            <a:ext cx="7272866" cy="4708981"/>
+          </a:xfrm>
+          <a:prstGeom prst="rect">
+            <a:avLst/>
+          </a:prstGeom>
+          <a:solidFill>
+            <a:srgbClr val="282C34"/>
+          </a:solidFill>
+          <a:ln>
+            <a:noFill/>
+          </a:ln>
+          <a:effectLst/>
+          <a:extLst>
+            <a:ext uri="{91240B29-F687-4F45-9708-019B960494DF}">
+              <a14:hiddenLine xmlns:a14="http://schemas.microsoft.com/office/drawing/2010/main" w="9525">
+                <a:solidFill>
+                  <a:schemeClr val="tx1"/>
+                </a:solidFill>
+                <a:miter lim="800000"/>
+                <a:headEnd/>
+                <a:tailEnd/>
+              </a14:hiddenLine>
+            </a:ext>
+            <a:ext uri="{AF507438-7753-43E0-B8FC-AC1667EBCBE1}">
+              <a14:hiddenEffects xmlns:a14="http://schemas.microsoft.com/office/drawing/2010/main">
+                <a:effectLst>
+                  <a:outerShdw dist="35921" dir="2700000" algn="ctr" rotWithShape="0">
+                    <a:schemeClr val="bg2"/>
+                  </a:outerShdw>
+                </a:effectLst>
+              </a14:hiddenEffects>
+            </a:ext>
+          </a:extLst>
+        </p:spPr>
+        <p:txBody>
+          <a:bodyPr vert="horz" wrap="square" lIns="91440" tIns="45720" rIns="91440" bIns="45720" numCol="1" anchor="ctr" anchorCtr="0" compatLnSpc="1">
+            <a:prstTxWarp prst="textNoShape">
+              <a:avLst/>
+            </a:prstTxWarp>
+            <a:spAutoFit/>
+          </a:bodyPr>
+          <a:lstStyle/>
+          <a:p>
+            <a:pPr marL="0" marR="0" lvl="0" indent="0" algn="l" defTabSz="914400" rtl="0" eaLnBrk="0" fontAlgn="base" latinLnBrk="0" hangingPunct="0">
+              <a:lnSpc>
+                <a:spcPct val="100000"/>
+              </a:lnSpc>
+              <a:spcBef>
+                <a:spcPct val="0"/>
+              </a:spcBef>
+              <a:spcAft>
+                <a:spcPct val="0"/>
+              </a:spcAft>
+              <a:buClrTx/>
+              <a:buSzTx/>
+              <a:buFontTx/>
+              <a:buNone/>
+              <a:tabLst/>
+            </a:pPr>
+            <a:r>
+              <a:rPr kumimoji="0" lang="de-DE" altLang="de-DE" sz="2000" b="0" i="1" u="none" strike="noStrike" cap="none" normalizeH="0" baseline="0" dirty="0" err="1" smtClean="0">
+                <a:ln>
+                  <a:noFill/>
+                </a:ln>
+                <a:solidFill>
+                  <a:srgbClr val="D55FDE"/>
+                </a:solidFill>
+                <a:effectLst/>
+                <a:latin typeface="JetBrains Mono"/>
+              </a:rPr>
+              <a:t>module</a:t>
+            </a:r>
+            <a:r>
+              <a:rPr kumimoji="0" lang="de-DE" altLang="de-DE" sz="2000" b="0" i="1" u="none" strike="noStrike" cap="none" normalizeH="0" baseline="0" dirty="0" smtClean="0">
+                <a:ln>
+                  <a:noFill/>
+                </a:ln>
+                <a:solidFill>
+                  <a:srgbClr val="D55FDE"/>
+                </a:solidFill>
+                <a:effectLst/>
+                <a:latin typeface="JetBrains Mono"/>
+              </a:rPr>
+              <a:t> </a:t>
+            </a:r>
+            <a:r>
+              <a:rPr kumimoji="0" lang="de-DE" altLang="de-DE" sz="2000" b="0" i="0" u="none" strike="noStrike" cap="none" normalizeH="0" baseline="0" dirty="0" smtClean="0">
+                <a:ln>
+                  <a:noFill/>
+                </a:ln>
+                <a:solidFill>
+                  <a:srgbClr val="E5C07B"/>
+                </a:solidFill>
+                <a:effectLst/>
+                <a:latin typeface="JetBrains Mono"/>
+              </a:rPr>
+              <a:t>"</a:t>
+            </a:r>
+            <a:r>
+              <a:rPr kumimoji="0" lang="de-DE" altLang="de-DE" sz="2000" b="0" i="0" u="none" strike="noStrike" cap="none" normalizeH="0" baseline="0" dirty="0" err="1" smtClean="0">
+                <a:ln>
+                  <a:noFill/>
+                </a:ln>
+                <a:solidFill>
+                  <a:srgbClr val="E5C07B"/>
+                </a:solidFill>
+                <a:effectLst/>
+                <a:latin typeface="JetBrains Mono"/>
+              </a:rPr>
+              <a:t>documentdb</a:t>
+            </a:r>
+            <a:r>
+              <a:rPr kumimoji="0" lang="de-DE" altLang="de-DE" sz="2000" b="0" i="0" u="none" strike="noStrike" cap="none" normalizeH="0" baseline="0" dirty="0" smtClean="0">
+                <a:ln>
+                  <a:noFill/>
+                </a:ln>
+                <a:solidFill>
+                  <a:srgbClr val="E5C07B"/>
+                </a:solidFill>
+                <a:effectLst/>
+                <a:latin typeface="JetBrains Mono"/>
+              </a:rPr>
+              <a:t>" </a:t>
+            </a:r>
+            <a:r>
+              <a:rPr kumimoji="0" lang="de-DE" altLang="de-DE" sz="2000" b="0" i="0" u="none" strike="noStrike" cap="none" normalizeH="0" baseline="0" dirty="0" smtClean="0">
+                <a:ln>
+                  <a:noFill/>
+                </a:ln>
+                <a:solidFill>
+                  <a:srgbClr val="BBBBBB"/>
+                </a:solidFill>
+                <a:effectLst/>
+                <a:latin typeface="JetBrains Mono"/>
+              </a:rPr>
+              <a:t>{</a:t>
+            </a:r>
+            <a:br>
+              <a:rPr kumimoji="0" lang="de-DE" altLang="de-DE" sz="2000" b="0" i="0" u="none" strike="noStrike" cap="none" normalizeH="0" baseline="0" dirty="0" smtClean="0">
+                <a:ln>
+                  <a:noFill/>
+                </a:ln>
+                <a:solidFill>
+                  <a:srgbClr val="BBBBBB"/>
+                </a:solidFill>
+                <a:effectLst/>
+                <a:latin typeface="JetBrains Mono"/>
+              </a:rPr>
+            </a:br>
+            <a:r>
+              <a:rPr kumimoji="0" lang="de-DE" altLang="de-DE" sz="2000" b="0" i="0" u="none" strike="noStrike" cap="none" normalizeH="0" baseline="0" dirty="0" smtClean="0">
+                <a:ln>
+                  <a:noFill/>
+                </a:ln>
+                <a:solidFill>
+                  <a:srgbClr val="BBBBBB"/>
+                </a:solidFill>
+                <a:effectLst/>
+                <a:latin typeface="JetBrains Mono"/>
+              </a:rPr>
+              <a:t>  </a:t>
+            </a:r>
+            <a:r>
+              <a:rPr kumimoji="0" lang="de-DE" altLang="de-DE" sz="2000" b="0" i="0" u="none" strike="noStrike" cap="none" normalizeH="0" baseline="0" dirty="0" err="1" smtClean="0">
+                <a:ln>
+                  <a:noFill/>
+                </a:ln>
+                <a:solidFill>
+                  <a:srgbClr val="EF596F"/>
+                </a:solidFill>
+                <a:effectLst/>
+                <a:latin typeface="JetBrains Mono"/>
+              </a:rPr>
+              <a:t>source</a:t>
+            </a:r>
+            <a:r>
+              <a:rPr kumimoji="0" lang="de-DE" altLang="de-DE" sz="2000" b="0" i="0" u="none" strike="noStrike" cap="none" normalizeH="0" baseline="0" dirty="0" smtClean="0">
+                <a:ln>
+                  <a:noFill/>
+                </a:ln>
+                <a:solidFill>
+                  <a:srgbClr val="EF596F"/>
+                </a:solidFill>
+                <a:effectLst/>
+                <a:latin typeface="JetBrains Mono"/>
+              </a:rPr>
+              <a:t> </a:t>
+            </a:r>
+            <a:r>
+              <a:rPr kumimoji="0" lang="de-DE" altLang="de-DE" sz="2000" b="0" i="0" u="none" strike="noStrike" cap="none" normalizeH="0" baseline="0" dirty="0" smtClean="0">
+                <a:ln>
+                  <a:noFill/>
+                </a:ln>
+                <a:solidFill>
+                  <a:srgbClr val="BBBBBB"/>
+                </a:solidFill>
+                <a:effectLst/>
+                <a:latin typeface="JetBrains Mono"/>
+              </a:rPr>
+              <a:t>= </a:t>
+            </a:r>
+            <a:r>
+              <a:rPr kumimoji="0" lang="de-DE" altLang="de-DE" sz="2000" b="0" i="0" u="none" strike="noStrike" cap="none" normalizeH="0" baseline="0" dirty="0" smtClean="0">
+                <a:ln>
+                  <a:noFill/>
+                </a:ln>
+                <a:solidFill>
+                  <a:srgbClr val="89CA78"/>
+                </a:solidFill>
+                <a:effectLst/>
+                <a:latin typeface="JetBrains Mono"/>
+              </a:rPr>
+              <a:t>"./</a:t>
+            </a:r>
+            <a:r>
+              <a:rPr kumimoji="0" lang="de-DE" altLang="de-DE" sz="2000" b="0" i="0" u="none" strike="noStrike" cap="none" normalizeH="0" baseline="0" dirty="0" err="1" smtClean="0">
+                <a:ln>
+                  <a:noFill/>
+                </a:ln>
+                <a:solidFill>
+                  <a:srgbClr val="89CA78"/>
+                </a:solidFill>
+                <a:effectLst/>
+                <a:latin typeface="JetBrains Mono"/>
+              </a:rPr>
+              <a:t>documentdb</a:t>
+            </a:r>
+            <a:r>
+              <a:rPr kumimoji="0" lang="de-DE" altLang="de-DE" sz="2000" b="0" i="0" u="none" strike="noStrike" cap="none" normalizeH="0" baseline="0" dirty="0" smtClean="0">
+                <a:ln>
+                  <a:noFill/>
+                </a:ln>
+                <a:solidFill>
+                  <a:srgbClr val="89CA78"/>
+                </a:solidFill>
+                <a:effectLst/>
+                <a:latin typeface="JetBrains Mono"/>
+              </a:rPr>
+              <a:t>"</a:t>
+            </a:r>
+            <a:br>
+              <a:rPr kumimoji="0" lang="de-DE" altLang="de-DE" sz="2000" b="0" i="0" u="none" strike="noStrike" cap="none" normalizeH="0" baseline="0" dirty="0" smtClean="0">
+                <a:ln>
+                  <a:noFill/>
+                </a:ln>
+                <a:solidFill>
+                  <a:srgbClr val="89CA78"/>
+                </a:solidFill>
+                <a:effectLst/>
+                <a:latin typeface="JetBrains Mono"/>
+              </a:rPr>
+            </a:br>
+            <a:r>
+              <a:rPr kumimoji="0" lang="de-DE" altLang="de-DE" sz="2000" b="0" i="0" u="none" strike="noStrike" cap="none" normalizeH="0" baseline="0" dirty="0" smtClean="0">
+                <a:ln>
+                  <a:noFill/>
+                </a:ln>
+                <a:solidFill>
+                  <a:srgbClr val="89CA78"/>
+                </a:solidFill>
+                <a:effectLst/>
+                <a:latin typeface="JetBrains Mono"/>
+              </a:rPr>
+              <a:t>  </a:t>
+            </a:r>
+            <a:r>
+              <a:rPr kumimoji="0" lang="de-DE" altLang="de-DE" sz="2000" b="0" i="0" u="none" strike="noStrike" cap="none" normalizeH="0" baseline="0" dirty="0" err="1" smtClean="0">
+                <a:ln>
+                  <a:noFill/>
+                </a:ln>
+                <a:solidFill>
+                  <a:srgbClr val="EF596F"/>
+                </a:solidFill>
+                <a:effectLst/>
+                <a:latin typeface="JetBrains Mono"/>
+              </a:rPr>
+              <a:t>project</a:t>
+            </a:r>
+            <a:r>
+              <a:rPr kumimoji="0" lang="de-DE" altLang="de-DE" sz="2000" b="0" i="0" u="none" strike="noStrike" cap="none" normalizeH="0" baseline="0" dirty="0" smtClean="0">
+                <a:ln>
+                  <a:noFill/>
+                </a:ln>
+                <a:solidFill>
+                  <a:srgbClr val="EF596F"/>
+                </a:solidFill>
+                <a:effectLst/>
+                <a:latin typeface="JetBrains Mono"/>
+              </a:rPr>
+              <a:t> </a:t>
+            </a:r>
+            <a:r>
+              <a:rPr kumimoji="0" lang="de-DE" altLang="de-DE" sz="2000" b="0" i="0" u="none" strike="noStrike" cap="none" normalizeH="0" baseline="0" dirty="0" smtClean="0">
+                <a:ln>
+                  <a:noFill/>
+                </a:ln>
+                <a:solidFill>
+                  <a:srgbClr val="BBBBBB"/>
+                </a:solidFill>
+                <a:effectLst/>
+                <a:latin typeface="JetBrains Mono"/>
+              </a:rPr>
+              <a:t>= </a:t>
+            </a:r>
+            <a:r>
+              <a:rPr kumimoji="0" lang="de-DE" altLang="de-DE" sz="2000" b="0" i="0" u="none" strike="noStrike" cap="none" normalizeH="0" baseline="0" dirty="0" err="1" smtClean="0">
+                <a:ln>
+                  <a:noFill/>
+                </a:ln>
+                <a:solidFill>
+                  <a:srgbClr val="BBBBBB"/>
+                </a:solidFill>
+                <a:effectLst/>
+                <a:latin typeface="JetBrains Mono"/>
+              </a:rPr>
+              <a:t>local.</a:t>
+            </a:r>
+            <a:r>
+              <a:rPr kumimoji="0" lang="de-DE" altLang="de-DE" sz="2000" b="0" i="0" u="none" strike="noStrike" cap="none" normalizeH="0" baseline="0" dirty="0" err="1" smtClean="0">
+                <a:ln>
+                  <a:noFill/>
+                </a:ln>
+                <a:solidFill>
+                  <a:srgbClr val="EF596F"/>
+                </a:solidFill>
+                <a:effectLst/>
+                <a:latin typeface="JetBrains Mono"/>
+              </a:rPr>
+              <a:t>project</a:t>
+            </a:r>
+            <a:r>
+              <a:rPr kumimoji="0" lang="de-DE" altLang="de-DE" sz="2000" b="0" i="0" u="none" strike="noStrike" cap="none" normalizeH="0" baseline="0" dirty="0" smtClean="0">
+                <a:ln>
+                  <a:noFill/>
+                </a:ln>
+                <a:solidFill>
+                  <a:srgbClr val="EF596F"/>
+                </a:solidFill>
+                <a:effectLst/>
+                <a:latin typeface="JetBrains Mono"/>
+              </a:rPr>
+              <a:t/>
+            </a:r>
+            <a:br>
+              <a:rPr kumimoji="0" lang="de-DE" altLang="de-DE" sz="2000" b="0" i="0" u="none" strike="noStrike" cap="none" normalizeH="0" baseline="0" dirty="0" smtClean="0">
+                <a:ln>
+                  <a:noFill/>
+                </a:ln>
+                <a:solidFill>
+                  <a:srgbClr val="EF596F"/>
+                </a:solidFill>
+                <a:effectLst/>
+                <a:latin typeface="JetBrains Mono"/>
+              </a:rPr>
+            </a:br>
+            <a:r>
+              <a:rPr kumimoji="0" lang="de-DE" altLang="de-DE" sz="2000" b="0" i="0" u="none" strike="noStrike" cap="none" normalizeH="0" baseline="0" dirty="0" smtClean="0">
+                <a:ln>
+                  <a:noFill/>
+                </a:ln>
+                <a:solidFill>
+                  <a:srgbClr val="EF596F"/>
+                </a:solidFill>
+                <a:effectLst/>
+                <a:latin typeface="JetBrains Mono"/>
+              </a:rPr>
+              <a:t>  </a:t>
+            </a:r>
+            <a:r>
+              <a:rPr kumimoji="0" lang="de-DE" altLang="de-DE" sz="2000" b="0" i="0" u="none" strike="noStrike" cap="none" normalizeH="0" baseline="0" dirty="0" err="1" smtClean="0">
+                <a:ln>
+                  <a:noFill/>
+                </a:ln>
+                <a:solidFill>
+                  <a:srgbClr val="EF596F"/>
+                </a:solidFill>
+                <a:effectLst/>
+                <a:latin typeface="JetBrains Mono"/>
+              </a:rPr>
+              <a:t>env</a:t>
+            </a:r>
+            <a:r>
+              <a:rPr kumimoji="0" lang="de-DE" altLang="de-DE" sz="2000" b="0" i="0" u="none" strike="noStrike" cap="none" normalizeH="0" baseline="0" dirty="0" smtClean="0">
+                <a:ln>
+                  <a:noFill/>
+                </a:ln>
+                <a:solidFill>
+                  <a:srgbClr val="EF596F"/>
+                </a:solidFill>
+                <a:effectLst/>
+                <a:latin typeface="JetBrains Mono"/>
+              </a:rPr>
+              <a:t>     </a:t>
+            </a:r>
+            <a:r>
+              <a:rPr kumimoji="0" lang="de-DE" altLang="de-DE" sz="2000" b="0" i="0" u="none" strike="noStrike" cap="none" normalizeH="0" baseline="0" dirty="0" smtClean="0">
+                <a:ln>
+                  <a:noFill/>
+                </a:ln>
+                <a:solidFill>
+                  <a:srgbClr val="BBBBBB"/>
+                </a:solidFill>
+                <a:effectLst/>
+                <a:latin typeface="JetBrains Mono"/>
+              </a:rPr>
+              <a:t>= </a:t>
+            </a:r>
+            <a:r>
+              <a:rPr kumimoji="0" lang="de-DE" altLang="de-DE" sz="2000" b="0" i="0" u="none" strike="noStrike" cap="none" normalizeH="0" baseline="0" dirty="0" err="1" smtClean="0">
+                <a:ln>
+                  <a:noFill/>
+                </a:ln>
+                <a:solidFill>
+                  <a:srgbClr val="BBBBBB"/>
+                </a:solidFill>
+                <a:effectLst/>
+                <a:latin typeface="JetBrains Mono"/>
+              </a:rPr>
+              <a:t>local.</a:t>
+            </a:r>
+            <a:r>
+              <a:rPr kumimoji="0" lang="de-DE" altLang="de-DE" sz="2000" b="0" i="0" u="none" strike="noStrike" cap="none" normalizeH="0" baseline="0" dirty="0" err="1" smtClean="0">
+                <a:ln>
+                  <a:noFill/>
+                </a:ln>
+                <a:solidFill>
+                  <a:srgbClr val="EF596F"/>
+                </a:solidFill>
+                <a:effectLst/>
+                <a:latin typeface="JetBrains Mono"/>
+              </a:rPr>
+              <a:t>env</a:t>
+            </a:r>
+            <a:r>
+              <a:rPr kumimoji="0" lang="de-DE" altLang="de-DE" sz="2000" b="0" i="0" u="none" strike="noStrike" cap="none" normalizeH="0" baseline="0" dirty="0" smtClean="0">
+                <a:ln>
+                  <a:noFill/>
+                </a:ln>
+                <a:solidFill>
+                  <a:srgbClr val="EF596F"/>
+                </a:solidFill>
+                <a:effectLst/>
+                <a:latin typeface="JetBrains Mono"/>
+              </a:rPr>
+              <a:t/>
+            </a:r>
+            <a:br>
+              <a:rPr kumimoji="0" lang="de-DE" altLang="de-DE" sz="2000" b="0" i="0" u="none" strike="noStrike" cap="none" normalizeH="0" baseline="0" dirty="0" smtClean="0">
+                <a:ln>
+                  <a:noFill/>
+                </a:ln>
+                <a:solidFill>
+                  <a:srgbClr val="EF596F"/>
+                </a:solidFill>
+                <a:effectLst/>
+                <a:latin typeface="JetBrains Mono"/>
+              </a:rPr>
+            </a:br>
+            <a:r>
+              <a:rPr kumimoji="0" lang="de-DE" altLang="de-DE" sz="2000" b="0" i="0" u="none" strike="noStrike" cap="none" normalizeH="0" baseline="0" dirty="0" smtClean="0">
+                <a:ln>
+                  <a:noFill/>
+                </a:ln>
+                <a:solidFill>
+                  <a:srgbClr val="EF596F"/>
+                </a:solidFill>
+                <a:effectLst/>
+                <a:latin typeface="JetBrains Mono"/>
+              </a:rPr>
+              <a:t>  tags    </a:t>
+            </a:r>
+            <a:r>
+              <a:rPr kumimoji="0" lang="de-DE" altLang="de-DE" sz="2000" b="0" i="0" u="none" strike="noStrike" cap="none" normalizeH="0" baseline="0" dirty="0" smtClean="0">
+                <a:ln>
+                  <a:noFill/>
+                </a:ln>
+                <a:solidFill>
+                  <a:srgbClr val="BBBBBB"/>
+                </a:solidFill>
+                <a:effectLst/>
+                <a:latin typeface="JetBrains Mono"/>
+              </a:rPr>
+              <a:t>= </a:t>
+            </a:r>
+            <a:r>
+              <a:rPr kumimoji="0" lang="de-DE" altLang="de-DE" sz="2000" b="0" i="0" u="none" strike="noStrike" cap="none" normalizeH="0" baseline="0" dirty="0" err="1" smtClean="0">
+                <a:ln>
+                  <a:noFill/>
+                </a:ln>
+                <a:solidFill>
+                  <a:srgbClr val="BBBBBB"/>
+                </a:solidFill>
+                <a:effectLst/>
+                <a:latin typeface="JetBrains Mono"/>
+              </a:rPr>
+              <a:t>local.</a:t>
+            </a:r>
+            <a:r>
+              <a:rPr kumimoji="0" lang="de-DE" altLang="de-DE" sz="2000" b="0" i="0" u="none" strike="noStrike" cap="none" normalizeH="0" baseline="0" dirty="0" err="1" smtClean="0">
+                <a:ln>
+                  <a:noFill/>
+                </a:ln>
+                <a:solidFill>
+                  <a:srgbClr val="EF596F"/>
+                </a:solidFill>
+                <a:effectLst/>
+                <a:latin typeface="JetBrains Mono"/>
+              </a:rPr>
+              <a:t>tags</a:t>
+            </a:r>
+            <a:r>
+              <a:rPr kumimoji="0" lang="de-DE" altLang="de-DE" sz="2000" b="0" i="0" u="none" strike="noStrike" cap="none" normalizeH="0" baseline="0" dirty="0" smtClean="0">
+                <a:ln>
+                  <a:noFill/>
+                </a:ln>
+                <a:solidFill>
+                  <a:srgbClr val="EF596F"/>
+                </a:solidFill>
+                <a:effectLst/>
+                <a:latin typeface="JetBrains Mono"/>
+              </a:rPr>
+              <a:t/>
+            </a:r>
+            <a:br>
+              <a:rPr kumimoji="0" lang="de-DE" altLang="de-DE" sz="2000" b="0" i="0" u="none" strike="noStrike" cap="none" normalizeH="0" baseline="0" dirty="0" smtClean="0">
+                <a:ln>
+                  <a:noFill/>
+                </a:ln>
+                <a:solidFill>
+                  <a:srgbClr val="EF596F"/>
+                </a:solidFill>
+                <a:effectLst/>
+                <a:latin typeface="JetBrains Mono"/>
+              </a:rPr>
+            </a:br>
+            <a:r>
+              <a:rPr kumimoji="0" lang="de-DE" altLang="de-DE" sz="2000" b="0" i="0" u="none" strike="noStrike" cap="none" normalizeH="0" baseline="0" dirty="0" smtClean="0">
+                <a:ln>
+                  <a:noFill/>
+                </a:ln>
+                <a:solidFill>
+                  <a:srgbClr val="EF596F"/>
+                </a:solidFill>
+                <a:effectLst/>
+                <a:latin typeface="JetBrains Mono"/>
+              </a:rPr>
+              <a:t>  </a:t>
+            </a:r>
+            <a:r>
+              <a:rPr kumimoji="0" lang="de-DE" altLang="de-DE" sz="2000" b="0" i="0" u="none" strike="noStrike" cap="none" normalizeH="0" baseline="0" dirty="0" err="1" smtClean="0">
+                <a:ln>
+                  <a:noFill/>
+                </a:ln>
+                <a:solidFill>
+                  <a:srgbClr val="EF596F"/>
+                </a:solidFill>
+                <a:effectLst/>
+                <a:latin typeface="JetBrains Mono"/>
+              </a:rPr>
+              <a:t>region</a:t>
+            </a:r>
+            <a:r>
+              <a:rPr kumimoji="0" lang="de-DE" altLang="de-DE" sz="2000" b="0" i="0" u="none" strike="noStrike" cap="none" normalizeH="0" baseline="0" dirty="0" smtClean="0">
+                <a:ln>
+                  <a:noFill/>
+                </a:ln>
+                <a:solidFill>
+                  <a:srgbClr val="EF596F"/>
+                </a:solidFill>
+                <a:effectLst/>
+                <a:latin typeface="JetBrains Mono"/>
+              </a:rPr>
+              <a:t> </a:t>
+            </a:r>
+            <a:r>
+              <a:rPr kumimoji="0" lang="de-DE" altLang="de-DE" sz="2000" b="0" i="0" u="none" strike="noStrike" cap="none" normalizeH="0" baseline="0" dirty="0" smtClean="0">
+                <a:ln>
+                  <a:noFill/>
+                </a:ln>
+                <a:solidFill>
+                  <a:srgbClr val="BBBBBB"/>
+                </a:solidFill>
+                <a:effectLst/>
+                <a:latin typeface="JetBrains Mono"/>
+              </a:rPr>
+              <a:t>= </a:t>
+            </a:r>
+            <a:r>
+              <a:rPr kumimoji="0" lang="de-DE" altLang="de-DE" sz="2000" b="0" i="0" u="none" strike="noStrike" cap="none" normalizeH="0" baseline="0" dirty="0" err="1" smtClean="0">
+                <a:ln>
+                  <a:noFill/>
+                </a:ln>
+                <a:solidFill>
+                  <a:srgbClr val="BBBBBB"/>
+                </a:solidFill>
+                <a:effectLst/>
+                <a:latin typeface="JetBrains Mono"/>
+              </a:rPr>
+              <a:t>local.</a:t>
+            </a:r>
+            <a:r>
+              <a:rPr kumimoji="0" lang="de-DE" altLang="de-DE" sz="2000" b="0" i="0" u="none" strike="noStrike" cap="none" normalizeH="0" baseline="0" dirty="0" err="1" smtClean="0">
+                <a:ln>
+                  <a:noFill/>
+                </a:ln>
+                <a:solidFill>
+                  <a:srgbClr val="EF596F"/>
+                </a:solidFill>
+                <a:effectLst/>
+                <a:latin typeface="JetBrains Mono"/>
+              </a:rPr>
+              <a:t>region</a:t>
+            </a:r>
+            <a:r>
+              <a:rPr kumimoji="0" lang="de-DE" altLang="de-DE" sz="2000" b="0" i="0" u="none" strike="noStrike" cap="none" normalizeH="0" baseline="0" dirty="0" smtClean="0">
+                <a:ln>
+                  <a:noFill/>
+                </a:ln>
+                <a:solidFill>
+                  <a:srgbClr val="EF596F"/>
+                </a:solidFill>
+                <a:effectLst/>
+                <a:latin typeface="JetBrains Mono"/>
+              </a:rPr>
+              <a:t/>
+            </a:r>
+            <a:br>
+              <a:rPr kumimoji="0" lang="de-DE" altLang="de-DE" sz="2000" b="0" i="0" u="none" strike="noStrike" cap="none" normalizeH="0" baseline="0" dirty="0" smtClean="0">
+                <a:ln>
+                  <a:noFill/>
+                </a:ln>
+                <a:solidFill>
+                  <a:srgbClr val="EF596F"/>
+                </a:solidFill>
+                <a:effectLst/>
+                <a:latin typeface="JetBrains Mono"/>
+              </a:rPr>
+            </a:br>
+            <a:r>
+              <a:rPr kumimoji="0" lang="de-DE" altLang="de-DE" sz="2000" b="0" i="0" u="none" strike="noStrike" cap="none" normalizeH="0" baseline="0" dirty="0" smtClean="0">
+                <a:ln>
+                  <a:noFill/>
+                </a:ln>
+                <a:solidFill>
+                  <a:srgbClr val="EF596F"/>
+                </a:solidFill>
+                <a:effectLst/>
+                <a:latin typeface="JetBrains Mono"/>
+              </a:rPr>
+              <a:t>  </a:t>
+            </a:r>
+            <a:r>
+              <a:rPr kumimoji="0" lang="de-DE" altLang="de-DE" sz="2000" b="0" i="0" u="none" strike="noStrike" cap="none" normalizeH="0" baseline="0" dirty="0" err="1" smtClean="0">
+                <a:ln>
+                  <a:noFill/>
+                </a:ln>
+                <a:solidFill>
+                  <a:srgbClr val="EF596F"/>
+                </a:solidFill>
+                <a:effectLst/>
+                <a:latin typeface="JetBrains Mono"/>
+              </a:rPr>
+              <a:t>instance_config</a:t>
+            </a:r>
+            <a:r>
+              <a:rPr kumimoji="0" lang="de-DE" altLang="de-DE" sz="2000" b="0" i="0" u="none" strike="noStrike" cap="none" normalizeH="0" baseline="0" dirty="0" smtClean="0">
+                <a:ln>
+                  <a:noFill/>
+                </a:ln>
+                <a:solidFill>
+                  <a:srgbClr val="EF596F"/>
+                </a:solidFill>
+                <a:effectLst/>
+                <a:latin typeface="JetBrains Mono"/>
+              </a:rPr>
+              <a:t>  </a:t>
+            </a:r>
+            <a:r>
+              <a:rPr kumimoji="0" lang="de-DE" altLang="de-DE" sz="2000" b="0" i="0" u="none" strike="noStrike" cap="none" normalizeH="0" baseline="0" dirty="0" smtClean="0">
+                <a:ln>
+                  <a:noFill/>
+                </a:ln>
+                <a:solidFill>
+                  <a:srgbClr val="BBBBBB"/>
+                </a:solidFill>
+                <a:effectLst/>
+                <a:latin typeface="JetBrains Mono"/>
+              </a:rPr>
+              <a:t>= {</a:t>
+            </a:r>
+            <a:br>
+              <a:rPr kumimoji="0" lang="de-DE" altLang="de-DE" sz="2000" b="0" i="0" u="none" strike="noStrike" cap="none" normalizeH="0" baseline="0" dirty="0" smtClean="0">
+                <a:ln>
+                  <a:noFill/>
+                </a:ln>
+                <a:solidFill>
+                  <a:srgbClr val="BBBBBB"/>
+                </a:solidFill>
+                <a:effectLst/>
+                <a:latin typeface="JetBrains Mono"/>
+              </a:rPr>
+            </a:br>
+            <a:r>
+              <a:rPr kumimoji="0" lang="de-DE" altLang="de-DE" sz="2000" b="0" i="0" u="none" strike="noStrike" cap="none" normalizeH="0" baseline="0" dirty="0" smtClean="0">
+                <a:ln>
+                  <a:noFill/>
+                </a:ln>
+                <a:solidFill>
+                  <a:srgbClr val="BBBBBB"/>
+                </a:solidFill>
+                <a:effectLst/>
+                <a:latin typeface="JetBrains Mono"/>
+              </a:rPr>
+              <a:t>    </a:t>
+            </a:r>
+            <a:r>
+              <a:rPr kumimoji="0" lang="de-DE" altLang="de-DE" sz="2000" b="0" i="0" u="none" strike="noStrike" cap="none" normalizeH="0" baseline="0" dirty="0" err="1" smtClean="0">
+                <a:ln>
+                  <a:noFill/>
+                </a:ln>
+                <a:solidFill>
+                  <a:srgbClr val="EF596F"/>
+                </a:solidFill>
+                <a:effectLst/>
+                <a:latin typeface="JetBrains Mono"/>
+              </a:rPr>
+              <a:t>docdb_instance_class</a:t>
+            </a:r>
+            <a:r>
+              <a:rPr kumimoji="0" lang="de-DE" altLang="de-DE" sz="2000" b="0" i="0" u="none" strike="noStrike" cap="none" normalizeH="0" baseline="0" dirty="0" smtClean="0">
+                <a:ln>
+                  <a:noFill/>
+                </a:ln>
+                <a:solidFill>
+                  <a:srgbClr val="EF596F"/>
+                </a:solidFill>
+                <a:effectLst/>
+                <a:latin typeface="JetBrains Mono"/>
+              </a:rPr>
+              <a:t> </a:t>
+            </a:r>
+            <a:r>
+              <a:rPr kumimoji="0" lang="de-DE" altLang="de-DE" sz="2000" b="0" i="0" u="none" strike="noStrike" cap="none" normalizeH="0" baseline="0" dirty="0" smtClean="0">
+                <a:ln>
+                  <a:noFill/>
+                </a:ln>
+                <a:solidFill>
+                  <a:srgbClr val="BBBBBB"/>
+                </a:solidFill>
+                <a:effectLst/>
+                <a:latin typeface="JetBrains Mono"/>
+              </a:rPr>
+              <a:t>= </a:t>
+            </a:r>
+            <a:r>
+              <a:rPr kumimoji="0" lang="de-DE" altLang="de-DE" sz="2000" b="0" i="0" u="none" strike="noStrike" cap="none" normalizeH="0" baseline="0" dirty="0" err="1" smtClean="0">
+                <a:ln>
+                  <a:noFill/>
+                </a:ln>
+                <a:solidFill>
+                  <a:srgbClr val="BBBBBB"/>
+                </a:solidFill>
+                <a:effectLst/>
+                <a:latin typeface="JetBrains Mono"/>
+              </a:rPr>
+              <a:t>var.</a:t>
+            </a:r>
+            <a:r>
+              <a:rPr kumimoji="0" lang="de-DE" altLang="de-DE" sz="2000" b="0" i="0" u="none" strike="noStrike" cap="none" normalizeH="0" baseline="0" dirty="0" err="1" smtClean="0">
+                <a:ln>
+                  <a:noFill/>
+                </a:ln>
+                <a:solidFill>
+                  <a:srgbClr val="EF596F"/>
+                </a:solidFill>
+                <a:effectLst/>
+                <a:latin typeface="JetBrains Mono"/>
+              </a:rPr>
+              <a:t>docdb_instance_class</a:t>
+            </a:r>
+            <a:r>
+              <a:rPr kumimoji="0" lang="de-DE" altLang="de-DE" sz="2000" b="0" i="0" u="none" strike="noStrike" cap="none" normalizeH="0" baseline="0" dirty="0" smtClean="0">
+                <a:ln>
+                  <a:noFill/>
+                </a:ln>
+                <a:solidFill>
+                  <a:srgbClr val="BBBBBB"/>
+                </a:solidFill>
+                <a:effectLst/>
+                <a:latin typeface="JetBrains Mono"/>
+              </a:rPr>
+              <a:t>,</a:t>
+            </a:r>
+            <a:br>
+              <a:rPr kumimoji="0" lang="de-DE" altLang="de-DE" sz="2000" b="0" i="0" u="none" strike="noStrike" cap="none" normalizeH="0" baseline="0" dirty="0" smtClean="0">
+                <a:ln>
+                  <a:noFill/>
+                </a:ln>
+                <a:solidFill>
+                  <a:srgbClr val="BBBBBB"/>
+                </a:solidFill>
+                <a:effectLst/>
+                <a:latin typeface="JetBrains Mono"/>
+              </a:rPr>
+            </a:br>
+            <a:r>
+              <a:rPr kumimoji="0" lang="de-DE" altLang="de-DE" sz="2000" b="0" i="0" u="none" strike="noStrike" cap="none" normalizeH="0" baseline="0" dirty="0" smtClean="0">
+                <a:ln>
+                  <a:noFill/>
+                </a:ln>
+                <a:solidFill>
+                  <a:srgbClr val="BBBBBB"/>
+                </a:solidFill>
+                <a:effectLst/>
+                <a:latin typeface="JetBrains Mono"/>
+              </a:rPr>
+              <a:t>    </a:t>
+            </a:r>
+            <a:r>
+              <a:rPr kumimoji="0" lang="de-DE" altLang="de-DE" sz="2000" b="0" i="0" u="none" strike="noStrike" cap="none" normalizeH="0" baseline="0" dirty="0" err="1" smtClean="0">
+                <a:ln>
+                  <a:noFill/>
+                </a:ln>
+                <a:solidFill>
+                  <a:srgbClr val="EF596F"/>
+                </a:solidFill>
+                <a:effectLst/>
+                <a:latin typeface="JetBrains Mono"/>
+              </a:rPr>
+              <a:t>docdb_username</a:t>
+            </a:r>
+            <a:r>
+              <a:rPr kumimoji="0" lang="de-DE" altLang="de-DE" sz="2000" b="0" i="0" u="none" strike="noStrike" cap="none" normalizeH="0" baseline="0" dirty="0" smtClean="0">
+                <a:ln>
+                  <a:noFill/>
+                </a:ln>
+                <a:solidFill>
+                  <a:srgbClr val="EF596F"/>
+                </a:solidFill>
+                <a:effectLst/>
+                <a:latin typeface="JetBrains Mono"/>
+              </a:rPr>
+              <a:t>      </a:t>
+            </a:r>
+            <a:r>
+              <a:rPr kumimoji="0" lang="de-DE" altLang="de-DE" sz="2000" b="0" i="0" u="none" strike="noStrike" cap="none" normalizeH="0" baseline="0" dirty="0" smtClean="0">
+                <a:ln>
+                  <a:noFill/>
+                </a:ln>
+                <a:solidFill>
+                  <a:srgbClr val="BBBBBB"/>
+                </a:solidFill>
+                <a:effectLst/>
+                <a:latin typeface="JetBrains Mono"/>
+              </a:rPr>
+              <a:t>= </a:t>
+            </a:r>
+            <a:r>
+              <a:rPr kumimoji="0" lang="de-DE" altLang="de-DE" sz="2000" b="0" i="0" u="none" strike="noStrike" cap="none" normalizeH="0" baseline="0" dirty="0" err="1" smtClean="0">
+                <a:ln>
+                  <a:noFill/>
+                </a:ln>
+                <a:solidFill>
+                  <a:srgbClr val="BBBBBB"/>
+                </a:solidFill>
+                <a:effectLst/>
+                <a:latin typeface="JetBrains Mono"/>
+              </a:rPr>
+              <a:t>var.</a:t>
+            </a:r>
+            <a:r>
+              <a:rPr kumimoji="0" lang="de-DE" altLang="de-DE" sz="2000" b="0" i="0" u="none" strike="noStrike" cap="none" normalizeH="0" baseline="0" dirty="0" err="1" smtClean="0">
+                <a:ln>
+                  <a:noFill/>
+                </a:ln>
+                <a:solidFill>
+                  <a:srgbClr val="EF596F"/>
+                </a:solidFill>
+                <a:effectLst/>
+                <a:latin typeface="JetBrains Mono"/>
+              </a:rPr>
+              <a:t>docdb_username</a:t>
+            </a:r>
+            <a:r>
+              <a:rPr kumimoji="0" lang="de-DE" altLang="de-DE" sz="2000" b="0" i="0" u="none" strike="noStrike" cap="none" normalizeH="0" baseline="0" dirty="0" smtClean="0">
+                <a:ln>
+                  <a:noFill/>
+                </a:ln>
+                <a:solidFill>
+                  <a:srgbClr val="BBBBBB"/>
+                </a:solidFill>
+                <a:effectLst/>
+                <a:latin typeface="JetBrains Mono"/>
+              </a:rPr>
+              <a:t>,</a:t>
+            </a:r>
+            <a:br>
+              <a:rPr kumimoji="0" lang="de-DE" altLang="de-DE" sz="2000" b="0" i="0" u="none" strike="noStrike" cap="none" normalizeH="0" baseline="0" dirty="0" smtClean="0">
+                <a:ln>
+                  <a:noFill/>
+                </a:ln>
+                <a:solidFill>
+                  <a:srgbClr val="BBBBBB"/>
+                </a:solidFill>
+                <a:effectLst/>
+                <a:latin typeface="JetBrains Mono"/>
+              </a:rPr>
+            </a:br>
+            <a:r>
+              <a:rPr kumimoji="0" lang="de-DE" altLang="de-DE" sz="2000" b="0" i="0" u="none" strike="noStrike" cap="none" normalizeH="0" baseline="0" dirty="0" smtClean="0">
+                <a:ln>
+                  <a:noFill/>
+                </a:ln>
+                <a:solidFill>
+                  <a:srgbClr val="BBBBBB"/>
+                </a:solidFill>
+                <a:effectLst/>
+                <a:latin typeface="JetBrains Mono"/>
+              </a:rPr>
+              <a:t>    </a:t>
+            </a:r>
+            <a:r>
+              <a:rPr kumimoji="0" lang="de-DE" altLang="de-DE" sz="2000" b="0" i="0" u="none" strike="noStrike" cap="none" normalizeH="0" baseline="0" dirty="0" err="1" smtClean="0">
+                <a:ln>
+                  <a:noFill/>
+                </a:ln>
+                <a:solidFill>
+                  <a:srgbClr val="EF596F"/>
+                </a:solidFill>
+                <a:effectLst/>
+                <a:latin typeface="JetBrains Mono"/>
+              </a:rPr>
+              <a:t>docdb_password</a:t>
+            </a:r>
+            <a:r>
+              <a:rPr kumimoji="0" lang="de-DE" altLang="de-DE" sz="2000" b="0" i="0" u="none" strike="noStrike" cap="none" normalizeH="0" baseline="0" dirty="0" smtClean="0">
+                <a:ln>
+                  <a:noFill/>
+                </a:ln>
+                <a:solidFill>
+                  <a:srgbClr val="EF596F"/>
+                </a:solidFill>
+                <a:effectLst/>
+                <a:latin typeface="JetBrains Mono"/>
+              </a:rPr>
+              <a:t>      </a:t>
+            </a:r>
+            <a:r>
+              <a:rPr kumimoji="0" lang="de-DE" altLang="de-DE" sz="2000" b="0" i="0" u="none" strike="noStrike" cap="none" normalizeH="0" baseline="0" dirty="0" smtClean="0">
+                <a:ln>
+                  <a:noFill/>
+                </a:ln>
+                <a:solidFill>
+                  <a:srgbClr val="BBBBBB"/>
+                </a:solidFill>
+                <a:effectLst/>
+                <a:latin typeface="JetBrains Mono"/>
+              </a:rPr>
+              <a:t>= </a:t>
+            </a:r>
+            <a:r>
+              <a:rPr kumimoji="0" lang="de-DE" altLang="de-DE" sz="2000" b="0" i="0" u="none" strike="noStrike" cap="none" normalizeH="0" baseline="0" dirty="0" err="1" smtClean="0">
+                <a:ln>
+                  <a:noFill/>
+                </a:ln>
+                <a:solidFill>
+                  <a:srgbClr val="BBBBBB"/>
+                </a:solidFill>
+                <a:effectLst/>
+                <a:latin typeface="JetBrains Mono"/>
+              </a:rPr>
+              <a:t>var.</a:t>
+            </a:r>
+            <a:r>
+              <a:rPr kumimoji="0" lang="de-DE" altLang="de-DE" sz="2000" b="0" i="0" u="none" strike="noStrike" cap="none" normalizeH="0" baseline="0" dirty="0" err="1" smtClean="0">
+                <a:ln>
+                  <a:noFill/>
+                </a:ln>
+                <a:solidFill>
+                  <a:srgbClr val="EF596F"/>
+                </a:solidFill>
+                <a:effectLst/>
+                <a:latin typeface="JetBrains Mono"/>
+              </a:rPr>
+              <a:t>docdb_password</a:t>
+            </a:r>
+            <a:r>
+              <a:rPr kumimoji="0" lang="de-DE" altLang="de-DE" sz="2000" b="0" i="0" u="none" strike="noStrike" cap="none" normalizeH="0" baseline="0" dirty="0" smtClean="0">
+                <a:ln>
+                  <a:noFill/>
+                </a:ln>
+                <a:solidFill>
+                  <a:srgbClr val="BBBBBB"/>
+                </a:solidFill>
+                <a:effectLst/>
+                <a:latin typeface="JetBrains Mono"/>
+              </a:rPr>
+              <a:t>,</a:t>
+            </a:r>
+            <a:br>
+              <a:rPr kumimoji="0" lang="de-DE" altLang="de-DE" sz="2000" b="0" i="0" u="none" strike="noStrike" cap="none" normalizeH="0" baseline="0" dirty="0" smtClean="0">
+                <a:ln>
+                  <a:noFill/>
+                </a:ln>
+                <a:solidFill>
+                  <a:srgbClr val="BBBBBB"/>
+                </a:solidFill>
+                <a:effectLst/>
+                <a:latin typeface="JetBrains Mono"/>
+              </a:rPr>
+            </a:br>
+            <a:r>
+              <a:rPr kumimoji="0" lang="de-DE" altLang="de-DE" sz="2000" b="0" i="0" u="none" strike="noStrike" cap="none" normalizeH="0" baseline="0" dirty="0" smtClean="0">
+                <a:ln>
+                  <a:noFill/>
+                </a:ln>
+                <a:solidFill>
+                  <a:srgbClr val="BBBBBB"/>
+                </a:solidFill>
+                <a:effectLst/>
+                <a:latin typeface="JetBrains Mono"/>
+              </a:rPr>
+              <a:t>  }</a:t>
+            </a:r>
+            <a:br>
+              <a:rPr kumimoji="0" lang="de-DE" altLang="de-DE" sz="2000" b="0" i="0" u="none" strike="noStrike" cap="none" normalizeH="0" baseline="0" dirty="0" smtClean="0">
+                <a:ln>
+                  <a:noFill/>
+                </a:ln>
+                <a:solidFill>
+                  <a:srgbClr val="BBBBBB"/>
+                </a:solidFill>
+                <a:effectLst/>
+                <a:latin typeface="JetBrains Mono"/>
+              </a:rPr>
+            </a:br>
+            <a:r>
+              <a:rPr kumimoji="0" lang="de-DE" altLang="de-DE" sz="2000" b="0" i="0" u="none" strike="noStrike" cap="none" normalizeH="0" baseline="0" dirty="0" smtClean="0">
+                <a:ln>
+                  <a:noFill/>
+                </a:ln>
+                <a:solidFill>
+                  <a:srgbClr val="BBBBBB"/>
+                </a:solidFill>
+                <a:effectLst/>
+                <a:latin typeface="JetBrains Mono"/>
+              </a:rPr>
+              <a:t>  </a:t>
+            </a:r>
+            <a:r>
+              <a:rPr kumimoji="0" lang="de-DE" altLang="de-DE" sz="2000" b="0" i="0" u="none" strike="noStrike" cap="none" normalizeH="0" baseline="0" dirty="0" err="1" smtClean="0">
+                <a:ln>
+                  <a:noFill/>
+                </a:ln>
+                <a:solidFill>
+                  <a:srgbClr val="EF596F"/>
+                </a:solidFill>
+                <a:effectLst/>
+                <a:latin typeface="JetBrains Mono"/>
+              </a:rPr>
+              <a:t>private_subnets</a:t>
+            </a:r>
+            <a:r>
+              <a:rPr kumimoji="0" lang="de-DE" altLang="de-DE" sz="2000" b="0" i="0" u="none" strike="noStrike" cap="none" normalizeH="0" baseline="0" dirty="0" smtClean="0">
+                <a:ln>
+                  <a:noFill/>
+                </a:ln>
+                <a:solidFill>
+                  <a:srgbClr val="EF596F"/>
+                </a:solidFill>
+                <a:effectLst/>
+                <a:latin typeface="JetBrains Mono"/>
+              </a:rPr>
+              <a:t> </a:t>
+            </a:r>
+            <a:r>
+              <a:rPr kumimoji="0" lang="de-DE" altLang="de-DE" sz="2000" b="0" i="0" u="none" strike="noStrike" cap="none" normalizeH="0" baseline="0" dirty="0" smtClean="0">
+                <a:ln>
+                  <a:noFill/>
+                </a:ln>
+                <a:solidFill>
+                  <a:srgbClr val="BBBBBB"/>
+                </a:solidFill>
+                <a:effectLst/>
+                <a:latin typeface="JetBrains Mono"/>
+              </a:rPr>
+              <a:t>= module.</a:t>
+            </a:r>
+            <a:r>
+              <a:rPr kumimoji="0" lang="de-DE" altLang="de-DE" sz="2000" b="0" i="0" u="none" strike="noStrike" cap="none" normalizeH="0" baseline="0" dirty="0" smtClean="0">
+                <a:ln>
+                  <a:noFill/>
+                </a:ln>
+                <a:solidFill>
+                  <a:srgbClr val="EF596F"/>
+                </a:solidFill>
+                <a:effectLst/>
+                <a:latin typeface="JetBrains Mono"/>
+              </a:rPr>
+              <a:t>subnets4docdb</a:t>
+            </a:r>
+            <a:r>
+              <a:rPr kumimoji="0" lang="de-DE" altLang="de-DE" sz="2000" b="0" i="0" u="none" strike="noStrike" cap="none" normalizeH="0" baseline="0" dirty="0" smtClean="0">
+                <a:ln>
+                  <a:noFill/>
+                </a:ln>
+                <a:solidFill>
+                  <a:srgbClr val="BBBBBB"/>
+                </a:solidFill>
+                <a:effectLst/>
+                <a:latin typeface="JetBrains Mono"/>
+              </a:rPr>
+              <a:t>.</a:t>
+            </a:r>
+            <a:r>
+              <a:rPr kumimoji="0" lang="de-DE" altLang="de-DE" sz="2000" b="0" i="0" u="none" strike="noStrike" cap="none" normalizeH="0" baseline="0" dirty="0" smtClean="0">
+                <a:ln>
+                  <a:noFill/>
+                </a:ln>
+                <a:solidFill>
+                  <a:srgbClr val="EF596F"/>
+                </a:solidFill>
+                <a:effectLst/>
+                <a:latin typeface="JetBrains Mono"/>
+              </a:rPr>
+              <a:t>private_subnet_ids</a:t>
+            </a:r>
+            <a:br>
+              <a:rPr kumimoji="0" lang="de-DE" altLang="de-DE" sz="2000" b="0" i="0" u="none" strike="noStrike" cap="none" normalizeH="0" baseline="0" dirty="0" smtClean="0">
+                <a:ln>
+                  <a:noFill/>
+                </a:ln>
+                <a:solidFill>
+                  <a:srgbClr val="EF596F"/>
+                </a:solidFill>
+                <a:effectLst/>
+                <a:latin typeface="JetBrains Mono"/>
+              </a:rPr>
+            </a:br>
+            <a:r>
+              <a:rPr kumimoji="0" lang="de-DE" altLang="de-DE" sz="2000" b="0" i="0" u="none" strike="noStrike" cap="none" normalizeH="0" baseline="0" dirty="0" smtClean="0">
+                <a:ln>
+                  <a:noFill/>
+                </a:ln>
+                <a:solidFill>
+                  <a:srgbClr val="EF596F"/>
+                </a:solidFill>
+                <a:effectLst/>
+                <a:latin typeface="JetBrains Mono"/>
+              </a:rPr>
+              <a:t>  </a:t>
+            </a:r>
+            <a:r>
+              <a:rPr kumimoji="0" lang="de-DE" altLang="de-DE" sz="2000" b="0" i="0" u="none" strike="noStrike" cap="none" normalizeH="0" baseline="0" dirty="0" err="1" smtClean="0">
+                <a:ln>
+                  <a:noFill/>
+                </a:ln>
+                <a:solidFill>
+                  <a:srgbClr val="EF596F"/>
+                </a:solidFill>
+                <a:effectLst/>
+                <a:latin typeface="JetBrains Mono"/>
+              </a:rPr>
+              <a:t>vpc_id</a:t>
+            </a:r>
+            <a:r>
+              <a:rPr kumimoji="0" lang="de-DE" altLang="de-DE" sz="2000" b="0" i="0" u="none" strike="noStrike" cap="none" normalizeH="0" baseline="0" dirty="0" smtClean="0">
+                <a:ln>
+                  <a:noFill/>
+                </a:ln>
+                <a:solidFill>
+                  <a:srgbClr val="EF596F"/>
+                </a:solidFill>
+                <a:effectLst/>
+                <a:latin typeface="JetBrains Mono"/>
+              </a:rPr>
+              <a:t> </a:t>
+            </a:r>
+            <a:r>
+              <a:rPr kumimoji="0" lang="de-DE" altLang="de-DE" sz="2000" b="0" i="0" u="none" strike="noStrike" cap="none" normalizeH="0" baseline="0" dirty="0" smtClean="0">
+                <a:ln>
+                  <a:noFill/>
+                </a:ln>
+                <a:solidFill>
+                  <a:srgbClr val="BBBBBB"/>
+                </a:solidFill>
+                <a:effectLst/>
+                <a:latin typeface="JetBrains Mono"/>
+              </a:rPr>
+              <a:t>= </a:t>
+            </a:r>
+            <a:r>
+              <a:rPr kumimoji="0" lang="de-DE" altLang="de-DE" sz="2000" b="0" i="0" u="none" strike="noStrike" cap="none" normalizeH="0" baseline="0" dirty="0" err="1" smtClean="0">
+                <a:ln>
+                  <a:noFill/>
+                </a:ln>
+                <a:solidFill>
+                  <a:srgbClr val="BBBBBB"/>
+                </a:solidFill>
+                <a:effectLst/>
+                <a:latin typeface="JetBrains Mono"/>
+              </a:rPr>
+              <a:t>module.</a:t>
+            </a:r>
+            <a:r>
+              <a:rPr kumimoji="0" lang="de-DE" altLang="de-DE" sz="2000" b="0" i="0" u="none" strike="noStrike" cap="none" normalizeH="0" baseline="0" dirty="0" err="1" smtClean="0">
+                <a:ln>
+                  <a:noFill/>
+                </a:ln>
+                <a:solidFill>
+                  <a:srgbClr val="EF596F"/>
+                </a:solidFill>
+                <a:effectLst/>
+                <a:latin typeface="JetBrains Mono"/>
+              </a:rPr>
+              <a:t>commonVpc</a:t>
+            </a:r>
+            <a:r>
+              <a:rPr kumimoji="0" lang="de-DE" altLang="de-DE" sz="2000" b="0" i="0" u="none" strike="noStrike" cap="none" normalizeH="0" baseline="0" dirty="0" err="1" smtClean="0">
+                <a:ln>
+                  <a:noFill/>
+                </a:ln>
+                <a:solidFill>
+                  <a:srgbClr val="BBBBBB"/>
+                </a:solidFill>
+                <a:effectLst/>
+                <a:latin typeface="JetBrains Mono"/>
+              </a:rPr>
+              <a:t>.</a:t>
+            </a:r>
+            <a:r>
+              <a:rPr kumimoji="0" lang="de-DE" altLang="de-DE" sz="2000" b="0" i="0" u="none" strike="noStrike" cap="none" normalizeH="0" baseline="0" dirty="0" err="1" smtClean="0">
+                <a:ln>
+                  <a:noFill/>
+                </a:ln>
+                <a:solidFill>
+                  <a:srgbClr val="EF596F"/>
+                </a:solidFill>
+                <a:effectLst/>
+                <a:latin typeface="JetBrains Mono"/>
+              </a:rPr>
+              <a:t>vpc_id</a:t>
+            </a:r>
+            <a:r>
+              <a:rPr kumimoji="0" lang="de-DE" altLang="de-DE" sz="2000" b="0" i="0" u="none" strike="noStrike" cap="none" normalizeH="0" baseline="0" dirty="0" smtClean="0">
+                <a:ln>
+                  <a:noFill/>
+                </a:ln>
+                <a:solidFill>
+                  <a:srgbClr val="EF596F"/>
+                </a:solidFill>
+                <a:effectLst/>
+                <a:latin typeface="JetBrains Mono"/>
+              </a:rPr>
+              <a:t/>
+            </a:r>
+            <a:br>
+              <a:rPr kumimoji="0" lang="de-DE" altLang="de-DE" sz="2000" b="0" i="0" u="none" strike="noStrike" cap="none" normalizeH="0" baseline="0" dirty="0" smtClean="0">
+                <a:ln>
+                  <a:noFill/>
+                </a:ln>
+                <a:solidFill>
+                  <a:srgbClr val="EF596F"/>
+                </a:solidFill>
+                <a:effectLst/>
+                <a:latin typeface="JetBrains Mono"/>
+              </a:rPr>
+            </a:br>
+            <a:r>
+              <a:rPr kumimoji="0" lang="de-DE" altLang="de-DE" sz="2000" b="0" i="0" u="none" strike="noStrike" cap="none" normalizeH="0" baseline="0" dirty="0" smtClean="0">
+                <a:ln>
+                  <a:noFill/>
+                </a:ln>
+                <a:solidFill>
+                  <a:srgbClr val="EF596F"/>
+                </a:solidFill>
+                <a:effectLst/>
+                <a:latin typeface="JetBrains Mono"/>
+              </a:rPr>
+              <a:t>  </a:t>
+            </a:r>
+            <a:r>
+              <a:rPr kumimoji="0" lang="de-DE" altLang="de-DE" sz="2000" b="0" i="0" u="none" strike="noStrike" cap="none" normalizeH="0" baseline="0" dirty="0" err="1" smtClean="0">
+                <a:ln>
+                  <a:noFill/>
+                </a:ln>
+                <a:solidFill>
+                  <a:srgbClr val="EF596F"/>
+                </a:solidFill>
+                <a:effectLst/>
+                <a:latin typeface="JetBrains Mono"/>
+              </a:rPr>
+              <a:t>ipNet</a:t>
+            </a:r>
+            <a:r>
+              <a:rPr kumimoji="0" lang="de-DE" altLang="de-DE" sz="2000" b="0" i="0" u="none" strike="noStrike" cap="none" normalizeH="0" baseline="0" dirty="0" smtClean="0">
+                <a:ln>
+                  <a:noFill/>
+                </a:ln>
+                <a:solidFill>
+                  <a:srgbClr val="EF596F"/>
+                </a:solidFill>
+                <a:effectLst/>
+                <a:latin typeface="JetBrains Mono"/>
+              </a:rPr>
+              <a:t> </a:t>
+            </a:r>
+            <a:r>
+              <a:rPr kumimoji="0" lang="de-DE" altLang="de-DE" sz="2000" b="0" i="0" u="none" strike="noStrike" cap="none" normalizeH="0" baseline="0" dirty="0" smtClean="0">
+                <a:ln>
+                  <a:noFill/>
+                </a:ln>
+                <a:solidFill>
+                  <a:srgbClr val="BBBBBB"/>
+                </a:solidFill>
+                <a:effectLst/>
+                <a:latin typeface="JetBrains Mono"/>
+              </a:rPr>
+              <a:t>= </a:t>
+            </a:r>
+            <a:r>
+              <a:rPr kumimoji="0" lang="de-DE" altLang="de-DE" sz="2000" b="0" i="0" u="none" strike="noStrike" cap="none" normalizeH="0" baseline="0" dirty="0" err="1" smtClean="0">
+                <a:ln>
+                  <a:noFill/>
+                </a:ln>
+                <a:solidFill>
+                  <a:srgbClr val="BBBBBB"/>
+                </a:solidFill>
+                <a:effectLst/>
+                <a:latin typeface="JetBrains Mono"/>
+              </a:rPr>
+              <a:t>var.</a:t>
+            </a:r>
+            <a:r>
+              <a:rPr kumimoji="0" lang="de-DE" altLang="de-DE" sz="2000" b="0" i="0" u="none" strike="noStrike" cap="none" normalizeH="0" baseline="0" dirty="0" err="1" smtClean="0">
+                <a:ln>
+                  <a:noFill/>
+                </a:ln>
+                <a:solidFill>
+                  <a:srgbClr val="EF596F"/>
+                </a:solidFill>
+                <a:effectLst/>
+                <a:latin typeface="JetBrains Mono"/>
+              </a:rPr>
+              <a:t>ipNet</a:t>
+            </a:r>
+            <a:r>
+              <a:rPr kumimoji="0" lang="de-DE" altLang="de-DE" sz="2000" b="0" i="0" u="none" strike="noStrike" cap="none" normalizeH="0" baseline="0" dirty="0" smtClean="0">
+                <a:ln>
+                  <a:noFill/>
+                </a:ln>
+                <a:solidFill>
+                  <a:srgbClr val="EF596F"/>
+                </a:solidFill>
+                <a:effectLst/>
+                <a:latin typeface="JetBrains Mono"/>
+              </a:rPr>
+              <a:t/>
+            </a:r>
+            <a:br>
+              <a:rPr kumimoji="0" lang="de-DE" altLang="de-DE" sz="2000" b="0" i="0" u="none" strike="noStrike" cap="none" normalizeH="0" baseline="0" dirty="0" smtClean="0">
+                <a:ln>
+                  <a:noFill/>
+                </a:ln>
+                <a:solidFill>
+                  <a:srgbClr val="EF596F"/>
+                </a:solidFill>
+                <a:effectLst/>
+                <a:latin typeface="JetBrains Mono"/>
+              </a:rPr>
+            </a:br>
+            <a:r>
+              <a:rPr kumimoji="0" lang="de-DE" altLang="de-DE" sz="2000" b="0" i="0" u="none" strike="noStrike" cap="none" normalizeH="0" baseline="0" dirty="0" smtClean="0">
+                <a:ln>
+                  <a:noFill/>
+                </a:ln>
+                <a:solidFill>
+                  <a:srgbClr val="BBBBBB"/>
+                </a:solidFill>
+                <a:effectLst/>
+                <a:latin typeface="JetBrains Mono"/>
+              </a:rPr>
+              <a:t>}</a:t>
+            </a:r>
+            <a:endParaRPr kumimoji="0" lang="de-DE" altLang="de-DE" sz="4400" b="0" i="0" u="none" strike="noStrike" cap="none" normalizeH="0" baseline="0" dirty="0" smtClean="0">
+              <a:ln>
+                <a:noFill/>
+              </a:ln>
+              <a:solidFill>
+                <a:schemeClr val="tx1"/>
+              </a:solidFill>
+              <a:effectLst/>
+              <a:latin typeface="Arial" panose="020B0604020202020204" pitchFamily="34" charset="0"/>
+            </a:endParaRPr>
+          </a:p>
+        </p:txBody>
+      </p:sp>
+    </p:spTree>
+    <p:extLst>
+      <p:ext uri="{BB962C8B-B14F-4D97-AF65-F5344CB8AC3E}">
+        <p14:creationId xmlns:p14="http://schemas.microsoft.com/office/powerpoint/2010/main" val="3569864209"/>
+      </p:ext>
+    </p:extLst>
+  </p:cSld>
+  <p:clrMapOvr>
+    <a:masterClrMapping/>
+  </p:clrMapOvr>
+  <p:timing>
+    <p:tnLst>
+      <p:par>
+        <p:cTn id="1" dur="indefinite" restart="never" nodeType="tmRoot"/>
+      </p:par>
+    </p:tnLst>
+  </p:timing>
+</p:sld>
+</file>
+
+<file path=ppt/slides/slide3.xml><?xml version="1.0" encoding="utf-8"?>
+<p:sld xmlns:a="http://schemas.openxmlformats.org/drawingml/2006/main" xmlns:r="http://schemas.openxmlformats.org/officeDocument/2006/relationships" xmlns:p="http://schemas.openxmlformats.org/presentationml/2006/main">
+  <p:cSld>
+    <p:spTree>
+      <p:nvGrpSpPr>
+        <p:cNvPr id="1" name=""/>
+        <p:cNvGrpSpPr/>
+        <p:nvPr/>
+      </p:nvGrpSpPr>
+      <p:grpSpPr>
+        <a:xfrm>
+          <a:off x="0" y="0"/>
+          <a:ext cx="0" cy="0"/>
+          <a:chOff x="0" y="0"/>
+          <a:chExt cx="0" cy="0"/>
+        </a:xfrm>
+      </p:grpSpPr>
+      <p:sp>
+        <p:nvSpPr>
+          <p:cNvPr id="2" name="Titel 1"/>
+          <p:cNvSpPr>
+            <a:spLocks noGrp="1"/>
+          </p:cNvSpPr>
+          <p:nvPr>
+            <p:ph type="title"/>
+          </p:nvPr>
+        </p:nvSpPr>
+        <p:spPr/>
+        <p:txBody>
+          <a:bodyPr/>
+          <a:lstStyle/>
+          <a:p>
+            <a:r>
+              <a:rPr lang="de-DE" dirty="0" smtClean="0"/>
+              <a:t>Module Registry</a:t>
+            </a:r>
+            <a:endParaRPr lang="de-DE" dirty="0"/>
+          </a:p>
+        </p:txBody>
+      </p:sp>
+      <p:sp>
+        <p:nvSpPr>
+          <p:cNvPr id="3" name="Inhaltsplatzhalter 2"/>
+          <p:cNvSpPr>
+            <a:spLocks noGrp="1"/>
+          </p:cNvSpPr>
+          <p:nvPr>
+            <p:ph idx="1"/>
+          </p:nvPr>
+        </p:nvSpPr>
+        <p:spPr>
+          <a:xfrm>
+            <a:off x="838200" y="1825625"/>
+            <a:ext cx="10515600" cy="4351338"/>
+          </a:xfrm>
+        </p:spPr>
+        <p:txBody>
+          <a:bodyPr/>
+          <a:lstStyle/>
+          <a:p>
+            <a:r>
+              <a:rPr lang="de-DE" dirty="0" smtClean="0"/>
+              <a:t>Aktuell &gt;7300 Module</a:t>
+            </a:r>
+          </a:p>
+          <a:p>
+            <a:pPr lvl="1"/>
+            <a:r>
+              <a:rPr lang="de-DE" dirty="0" smtClean="0">
+                <a:hlinkClick r:id="rId3"/>
+              </a:rPr>
+              <a:t>https</a:t>
+            </a:r>
+            <a:r>
+              <a:rPr lang="de-DE" dirty="0">
+                <a:hlinkClick r:id="rId3"/>
+              </a:rPr>
+              <a:t>://</a:t>
+            </a:r>
+            <a:r>
+              <a:rPr lang="de-DE" dirty="0" smtClean="0">
+                <a:hlinkClick r:id="rId3"/>
+              </a:rPr>
+              <a:t>registry.terraform.io/browse/modules</a:t>
+            </a:r>
+            <a:endParaRPr lang="de-DE" dirty="0" smtClean="0"/>
+          </a:p>
+        </p:txBody>
+      </p:sp>
+      <p:sp>
+        <p:nvSpPr>
+          <p:cNvPr id="4" name="Rectangle 1"/>
+          <p:cNvSpPr>
+            <a:spLocks noChangeArrowheads="1"/>
+          </p:cNvSpPr>
+          <p:nvPr/>
+        </p:nvSpPr>
+        <p:spPr bwMode="auto">
+          <a:xfrm>
+            <a:off x="198439" y="2873512"/>
+            <a:ext cx="5910592" cy="3170099"/>
+          </a:xfrm>
+          <a:prstGeom prst="rect">
+            <a:avLst/>
+          </a:prstGeom>
+          <a:solidFill>
+            <a:srgbClr val="282C34"/>
+          </a:solidFill>
+          <a:ln>
+            <a:noFill/>
+          </a:ln>
+          <a:effectLst/>
+          <a:extLst>
+            <a:ext uri="{91240B29-F687-4F45-9708-019B960494DF}">
+              <a14:hiddenLine xmlns:a14="http://schemas.microsoft.com/office/drawing/2010/main" w="9525">
+                <a:solidFill>
+                  <a:schemeClr val="tx1"/>
+                </a:solidFill>
+                <a:miter lim="800000"/>
+                <a:headEnd/>
+                <a:tailEnd/>
+              </a14:hiddenLine>
+            </a:ext>
+            <a:ext uri="{AF507438-7753-43E0-B8FC-AC1667EBCBE1}">
+              <a14:hiddenEffects xmlns:a14="http://schemas.microsoft.com/office/drawing/2010/main">
+                <a:effectLst>
+                  <a:outerShdw dist="35921" dir="2700000" algn="ctr" rotWithShape="0">
+                    <a:schemeClr val="bg2"/>
+                  </a:outerShdw>
+                </a:effectLst>
+              </a14:hiddenEffects>
+            </a:ext>
+          </a:extLst>
+        </p:spPr>
+        <p:txBody>
+          <a:bodyPr vert="horz" wrap="none" lIns="91440" tIns="45720" rIns="91440" bIns="45720" numCol="1" anchor="ctr" anchorCtr="0" compatLnSpc="1">
+            <a:prstTxWarp prst="textNoShape">
+              <a:avLst/>
+            </a:prstTxWarp>
+            <a:spAutoFit/>
+          </a:bodyPr>
+          <a:lstStyle/>
+          <a:p>
+            <a:pPr marL="0" marR="0" lvl="0" indent="0" algn="l" defTabSz="914400" rtl="0" eaLnBrk="0" fontAlgn="base" latinLnBrk="0" hangingPunct="0">
+              <a:lnSpc>
+                <a:spcPct val="100000"/>
+              </a:lnSpc>
+              <a:spcBef>
+                <a:spcPct val="0"/>
+              </a:spcBef>
+              <a:spcAft>
+                <a:spcPct val="0"/>
+              </a:spcAft>
+              <a:buClrTx/>
+              <a:buSzTx/>
+              <a:buFontTx/>
+              <a:buNone/>
+              <a:tabLst/>
+            </a:pPr>
+            <a:r>
+              <a:rPr kumimoji="0" lang="de-DE" altLang="de-DE" sz="2000" b="0" i="1" u="none" strike="noStrike" cap="none" normalizeH="0" baseline="0" dirty="0" err="1" smtClean="0">
+                <a:ln>
+                  <a:noFill/>
+                </a:ln>
+                <a:solidFill>
+                  <a:srgbClr val="D55FDE"/>
+                </a:solidFill>
+                <a:effectLst/>
+                <a:latin typeface="JetBrains Mono"/>
+              </a:rPr>
+              <a:t>module</a:t>
+            </a:r>
+            <a:r>
+              <a:rPr kumimoji="0" lang="de-DE" altLang="de-DE" sz="2000" b="0" i="1" u="none" strike="noStrike" cap="none" normalizeH="0" baseline="0" dirty="0" smtClean="0">
+                <a:ln>
+                  <a:noFill/>
+                </a:ln>
+                <a:solidFill>
+                  <a:srgbClr val="D55FDE"/>
+                </a:solidFill>
+                <a:effectLst/>
+                <a:latin typeface="JetBrains Mono"/>
+              </a:rPr>
+              <a:t> </a:t>
+            </a:r>
+            <a:r>
+              <a:rPr kumimoji="0" lang="de-DE" altLang="de-DE" sz="2000" b="0" i="0" u="none" strike="noStrike" cap="none" normalizeH="0" baseline="0" dirty="0" smtClean="0">
+                <a:ln>
+                  <a:noFill/>
+                </a:ln>
+                <a:solidFill>
+                  <a:srgbClr val="E5C07B"/>
+                </a:solidFill>
+                <a:effectLst/>
+                <a:latin typeface="JetBrains Mono"/>
+              </a:rPr>
+              <a:t>"s3_bucket" </a:t>
+            </a:r>
+            <a:r>
+              <a:rPr kumimoji="0" lang="de-DE" altLang="de-DE" sz="2000" b="0" i="0" u="none" strike="noStrike" cap="none" normalizeH="0" baseline="0" dirty="0" smtClean="0">
+                <a:ln>
+                  <a:noFill/>
+                </a:ln>
+                <a:solidFill>
+                  <a:srgbClr val="BBBBBB"/>
+                </a:solidFill>
+                <a:effectLst/>
+                <a:latin typeface="JetBrains Mono"/>
+              </a:rPr>
+              <a:t>{</a:t>
+            </a:r>
+            <a:br>
+              <a:rPr kumimoji="0" lang="de-DE" altLang="de-DE" sz="2000" b="0" i="0" u="none" strike="noStrike" cap="none" normalizeH="0" baseline="0" dirty="0" smtClean="0">
+                <a:ln>
+                  <a:noFill/>
+                </a:ln>
+                <a:solidFill>
+                  <a:srgbClr val="BBBBBB"/>
+                </a:solidFill>
+                <a:effectLst/>
+                <a:latin typeface="JetBrains Mono"/>
+              </a:rPr>
+            </a:br>
+            <a:r>
+              <a:rPr kumimoji="0" lang="de-DE" altLang="de-DE" sz="2000" b="0" i="0" u="none" strike="noStrike" cap="none" normalizeH="0" baseline="0" dirty="0" smtClean="0">
+                <a:ln>
+                  <a:noFill/>
+                </a:ln>
+                <a:solidFill>
+                  <a:srgbClr val="BBBBBB"/>
+                </a:solidFill>
+                <a:effectLst/>
+                <a:latin typeface="JetBrains Mono"/>
+              </a:rPr>
+              <a:t>  </a:t>
+            </a:r>
+            <a:r>
+              <a:rPr kumimoji="0" lang="de-DE" altLang="de-DE" sz="2000" b="0" i="0" u="none" strike="noStrike" cap="none" normalizeH="0" baseline="0" dirty="0" err="1" smtClean="0">
+                <a:ln>
+                  <a:noFill/>
+                </a:ln>
+                <a:solidFill>
+                  <a:srgbClr val="EF596F"/>
+                </a:solidFill>
+                <a:effectLst/>
+                <a:latin typeface="JetBrains Mono"/>
+              </a:rPr>
+              <a:t>source</a:t>
+            </a:r>
+            <a:r>
+              <a:rPr kumimoji="0" lang="de-DE" altLang="de-DE" sz="2000" b="0" i="0" u="none" strike="noStrike" cap="none" normalizeH="0" baseline="0" dirty="0" smtClean="0">
+                <a:ln>
+                  <a:noFill/>
+                </a:ln>
+                <a:solidFill>
+                  <a:srgbClr val="EF596F"/>
+                </a:solidFill>
+                <a:effectLst/>
+                <a:latin typeface="JetBrains Mono"/>
+              </a:rPr>
+              <a:t> </a:t>
+            </a:r>
+            <a:r>
+              <a:rPr kumimoji="0" lang="de-DE" altLang="de-DE" sz="2000" b="0" i="0" u="none" strike="noStrike" cap="none" normalizeH="0" baseline="0" dirty="0" smtClean="0">
+                <a:ln>
+                  <a:noFill/>
+                </a:ln>
+                <a:solidFill>
+                  <a:srgbClr val="BBBBBB"/>
+                </a:solidFill>
+                <a:effectLst/>
+                <a:latin typeface="JetBrains Mono"/>
+              </a:rPr>
+              <a:t>= </a:t>
+            </a:r>
+            <a:r>
+              <a:rPr kumimoji="0" lang="de-DE" altLang="de-DE" sz="2000" b="0" i="0" u="none" strike="noStrike" cap="none" normalizeH="0" baseline="0" dirty="0" smtClean="0">
+                <a:ln>
+                  <a:noFill/>
+                </a:ln>
+                <a:solidFill>
+                  <a:srgbClr val="89CA78"/>
+                </a:solidFill>
+                <a:effectLst/>
+                <a:latin typeface="JetBrains Mono"/>
+              </a:rPr>
+              <a:t>"</a:t>
+            </a:r>
+            <a:r>
+              <a:rPr kumimoji="0" lang="de-DE" altLang="de-DE" sz="2000" b="0" i="0" u="none" strike="noStrike" cap="none" normalizeH="0" baseline="0" dirty="0" err="1" smtClean="0">
+                <a:ln>
+                  <a:noFill/>
+                </a:ln>
+                <a:solidFill>
+                  <a:srgbClr val="89CA78"/>
+                </a:solidFill>
+                <a:effectLst/>
+                <a:latin typeface="JetBrains Mono"/>
+              </a:rPr>
+              <a:t>terraform</a:t>
+            </a:r>
+            <a:r>
+              <a:rPr kumimoji="0" lang="de-DE" altLang="de-DE" sz="2000" b="0" i="0" u="none" strike="noStrike" cap="none" normalizeH="0" baseline="0" dirty="0" smtClean="0">
+                <a:ln>
+                  <a:noFill/>
+                </a:ln>
+                <a:solidFill>
+                  <a:srgbClr val="89CA78"/>
+                </a:solidFill>
+                <a:effectLst/>
+                <a:latin typeface="JetBrains Mono"/>
+              </a:rPr>
+              <a:t>-</a:t>
+            </a:r>
+            <a:r>
+              <a:rPr kumimoji="0" lang="de-DE" altLang="de-DE" sz="2000" b="0" i="0" u="none" strike="noStrike" cap="none" normalizeH="0" baseline="0" dirty="0" err="1" smtClean="0">
+                <a:ln>
+                  <a:noFill/>
+                </a:ln>
+                <a:solidFill>
+                  <a:srgbClr val="89CA78"/>
+                </a:solidFill>
+                <a:effectLst/>
+                <a:latin typeface="JetBrains Mono"/>
+              </a:rPr>
+              <a:t>aws</a:t>
+            </a:r>
+            <a:r>
+              <a:rPr kumimoji="0" lang="de-DE" altLang="de-DE" sz="2000" b="0" i="0" u="none" strike="noStrike" cap="none" normalizeH="0" baseline="0" dirty="0" smtClean="0">
+                <a:ln>
+                  <a:noFill/>
+                </a:ln>
+                <a:solidFill>
+                  <a:srgbClr val="89CA78"/>
+                </a:solidFill>
+                <a:effectLst/>
+                <a:latin typeface="JetBrains Mono"/>
+              </a:rPr>
+              <a:t>-modules/s3-bucket/</a:t>
+            </a:r>
+            <a:r>
+              <a:rPr kumimoji="0" lang="de-DE" altLang="de-DE" sz="2000" b="0" i="0" u="none" strike="noStrike" cap="none" normalizeH="0" baseline="0" dirty="0" err="1" smtClean="0">
+                <a:ln>
+                  <a:noFill/>
+                </a:ln>
+                <a:solidFill>
+                  <a:srgbClr val="89CA78"/>
+                </a:solidFill>
+                <a:effectLst/>
+                <a:latin typeface="JetBrains Mono"/>
+              </a:rPr>
+              <a:t>aws</a:t>
+            </a:r>
+            <a:r>
+              <a:rPr kumimoji="0" lang="de-DE" altLang="de-DE" sz="2000" b="0" i="0" u="none" strike="noStrike" cap="none" normalizeH="0" baseline="0" dirty="0" smtClean="0">
+                <a:ln>
+                  <a:noFill/>
+                </a:ln>
+                <a:solidFill>
+                  <a:srgbClr val="89CA78"/>
+                </a:solidFill>
+                <a:effectLst/>
+                <a:latin typeface="JetBrains Mono"/>
+              </a:rPr>
+              <a:t>"</a:t>
+            </a:r>
+            <a:br>
+              <a:rPr kumimoji="0" lang="de-DE" altLang="de-DE" sz="2000" b="0" i="0" u="none" strike="noStrike" cap="none" normalizeH="0" baseline="0" dirty="0" smtClean="0">
+                <a:ln>
+                  <a:noFill/>
+                </a:ln>
+                <a:solidFill>
+                  <a:srgbClr val="89CA78"/>
+                </a:solidFill>
+                <a:effectLst/>
+                <a:latin typeface="JetBrains Mono"/>
+              </a:rPr>
+            </a:br>
+            <a:r>
+              <a:rPr kumimoji="0" lang="de-DE" altLang="de-DE" sz="2000" b="0" i="0" u="none" strike="noStrike" cap="none" normalizeH="0" baseline="0" dirty="0" smtClean="0">
+                <a:ln>
+                  <a:noFill/>
+                </a:ln>
+                <a:solidFill>
+                  <a:srgbClr val="89CA78"/>
+                </a:solidFill>
+                <a:effectLst/>
+                <a:latin typeface="JetBrains Mono"/>
+              </a:rPr>
+              <a:t>  </a:t>
+            </a:r>
+            <a:r>
+              <a:rPr kumimoji="0" lang="de-DE" altLang="de-DE" sz="2000" b="0" i="0" u="none" strike="noStrike" cap="none" normalizeH="0" baseline="0" dirty="0" err="1" smtClean="0">
+                <a:ln>
+                  <a:noFill/>
+                </a:ln>
+                <a:solidFill>
+                  <a:srgbClr val="EF596F"/>
+                </a:solidFill>
+                <a:effectLst/>
+                <a:latin typeface="JetBrains Mono"/>
+              </a:rPr>
+              <a:t>version</a:t>
+            </a:r>
+            <a:r>
+              <a:rPr kumimoji="0" lang="de-DE" altLang="de-DE" sz="2000" b="0" i="0" u="none" strike="noStrike" cap="none" normalizeH="0" baseline="0" dirty="0" smtClean="0">
+                <a:ln>
+                  <a:noFill/>
+                </a:ln>
+                <a:solidFill>
+                  <a:srgbClr val="EF596F"/>
+                </a:solidFill>
+                <a:effectLst/>
+                <a:latin typeface="JetBrains Mono"/>
+              </a:rPr>
+              <a:t> </a:t>
+            </a:r>
+            <a:r>
+              <a:rPr kumimoji="0" lang="de-DE" altLang="de-DE" sz="2000" b="0" i="0" u="none" strike="noStrike" cap="none" normalizeH="0" baseline="0" dirty="0" smtClean="0">
+                <a:ln>
+                  <a:noFill/>
+                </a:ln>
+                <a:solidFill>
+                  <a:srgbClr val="BBBBBB"/>
+                </a:solidFill>
+                <a:effectLst/>
+                <a:latin typeface="JetBrains Mono"/>
+              </a:rPr>
+              <a:t>= </a:t>
+            </a:r>
+            <a:r>
+              <a:rPr kumimoji="0" lang="de-DE" altLang="de-DE" sz="2000" b="0" i="0" u="none" strike="noStrike" cap="none" normalizeH="0" baseline="0" dirty="0" smtClean="0">
+                <a:ln>
+                  <a:noFill/>
+                </a:ln>
+                <a:solidFill>
+                  <a:srgbClr val="89CA78"/>
+                </a:solidFill>
+                <a:effectLst/>
+                <a:latin typeface="JetBrains Mono"/>
+              </a:rPr>
+              <a:t>"~&gt; 2.11.1"</a:t>
+            </a:r>
+            <a:br>
+              <a:rPr kumimoji="0" lang="de-DE" altLang="de-DE" sz="2000" b="0" i="0" u="none" strike="noStrike" cap="none" normalizeH="0" baseline="0" dirty="0" smtClean="0">
+                <a:ln>
+                  <a:noFill/>
+                </a:ln>
+                <a:solidFill>
+                  <a:srgbClr val="89CA78"/>
+                </a:solidFill>
+                <a:effectLst/>
+                <a:latin typeface="JetBrains Mono"/>
+              </a:rPr>
+            </a:br>
+            <a:r>
+              <a:rPr kumimoji="0" lang="de-DE" altLang="de-DE" sz="2000" b="0" i="0" u="none" strike="noStrike" cap="none" normalizeH="0" baseline="0" dirty="0" smtClean="0">
+                <a:ln>
+                  <a:noFill/>
+                </a:ln>
+                <a:solidFill>
+                  <a:srgbClr val="89CA78"/>
+                </a:solidFill>
+                <a:effectLst/>
+                <a:latin typeface="JetBrains Mono"/>
+              </a:rPr>
+              <a:t/>
+            </a:r>
+            <a:br>
+              <a:rPr kumimoji="0" lang="de-DE" altLang="de-DE" sz="2000" b="0" i="0" u="none" strike="noStrike" cap="none" normalizeH="0" baseline="0" dirty="0" smtClean="0">
+                <a:ln>
+                  <a:noFill/>
+                </a:ln>
+                <a:solidFill>
+                  <a:srgbClr val="89CA78"/>
+                </a:solidFill>
+                <a:effectLst/>
+                <a:latin typeface="JetBrains Mono"/>
+              </a:rPr>
+            </a:br>
+            <a:r>
+              <a:rPr kumimoji="0" lang="de-DE" altLang="de-DE" sz="2000" b="0" i="0" u="none" strike="noStrike" cap="none" normalizeH="0" baseline="0" dirty="0" smtClean="0">
+                <a:ln>
+                  <a:noFill/>
+                </a:ln>
+                <a:solidFill>
+                  <a:srgbClr val="89CA78"/>
+                </a:solidFill>
+                <a:effectLst/>
+                <a:latin typeface="JetBrains Mono"/>
+              </a:rPr>
+              <a:t>  </a:t>
+            </a:r>
+            <a:r>
+              <a:rPr kumimoji="0" lang="de-DE" altLang="de-DE" sz="2000" b="0" i="0" u="none" strike="noStrike" cap="none" normalizeH="0" baseline="0" dirty="0" err="1" smtClean="0">
+                <a:ln>
+                  <a:noFill/>
+                </a:ln>
+                <a:solidFill>
+                  <a:srgbClr val="EF596F"/>
+                </a:solidFill>
+                <a:effectLst/>
+                <a:latin typeface="JetBrains Mono"/>
+              </a:rPr>
+              <a:t>bucket</a:t>
+            </a:r>
+            <a:r>
+              <a:rPr kumimoji="0" lang="de-DE" altLang="de-DE" sz="2000" b="0" i="0" u="none" strike="noStrike" cap="none" normalizeH="0" baseline="0" dirty="0" smtClean="0">
+                <a:ln>
+                  <a:noFill/>
+                </a:ln>
+                <a:solidFill>
+                  <a:srgbClr val="EF596F"/>
+                </a:solidFill>
+                <a:effectLst/>
+                <a:latin typeface="JetBrains Mono"/>
+              </a:rPr>
+              <a:t> </a:t>
+            </a:r>
+            <a:r>
+              <a:rPr kumimoji="0" lang="de-DE" altLang="de-DE" sz="2000" b="0" i="0" u="none" strike="noStrike" cap="none" normalizeH="0" baseline="0" dirty="0" smtClean="0">
+                <a:ln>
+                  <a:noFill/>
+                </a:ln>
+                <a:solidFill>
+                  <a:srgbClr val="BBBBBB"/>
+                </a:solidFill>
+                <a:effectLst/>
+                <a:latin typeface="JetBrains Mono"/>
+              </a:rPr>
+              <a:t>= </a:t>
+            </a:r>
+            <a:r>
+              <a:rPr kumimoji="0" lang="de-DE" altLang="de-DE" sz="2000" b="0" i="0" u="none" strike="noStrike" cap="none" normalizeH="0" baseline="0" dirty="0" err="1" smtClean="0">
+                <a:ln>
+                  <a:noFill/>
+                </a:ln>
+                <a:solidFill>
+                  <a:srgbClr val="BBBBBB"/>
+                </a:solidFill>
+                <a:effectLst/>
+                <a:latin typeface="JetBrains Mono"/>
+              </a:rPr>
+              <a:t>var.</a:t>
+            </a:r>
+            <a:r>
+              <a:rPr kumimoji="0" lang="de-DE" altLang="de-DE" sz="2000" b="0" i="0" u="none" strike="noStrike" cap="none" normalizeH="0" baseline="0" dirty="0" err="1" smtClean="0">
+                <a:ln>
+                  <a:noFill/>
+                </a:ln>
+                <a:solidFill>
+                  <a:srgbClr val="EF596F"/>
+                </a:solidFill>
+                <a:effectLst/>
+                <a:latin typeface="JetBrains Mono"/>
+              </a:rPr>
+              <a:t>demo_bucket</a:t>
+            </a:r>
+            <a:r>
+              <a:rPr kumimoji="0" lang="de-DE" altLang="de-DE" sz="2000" b="0" i="0" u="none" strike="noStrike" cap="none" normalizeH="0" baseline="0" dirty="0" smtClean="0">
+                <a:ln>
+                  <a:noFill/>
+                </a:ln>
+                <a:solidFill>
+                  <a:srgbClr val="EF596F"/>
+                </a:solidFill>
+                <a:effectLst/>
+                <a:latin typeface="JetBrains Mono"/>
+              </a:rPr>
+              <a:t/>
+            </a:r>
+            <a:br>
+              <a:rPr kumimoji="0" lang="de-DE" altLang="de-DE" sz="2000" b="0" i="0" u="none" strike="noStrike" cap="none" normalizeH="0" baseline="0" dirty="0" smtClean="0">
+                <a:ln>
+                  <a:noFill/>
+                </a:ln>
+                <a:solidFill>
+                  <a:srgbClr val="EF596F"/>
+                </a:solidFill>
+                <a:effectLst/>
+                <a:latin typeface="JetBrains Mono"/>
+              </a:rPr>
+            </a:br>
+            <a:r>
+              <a:rPr kumimoji="0" lang="de-DE" altLang="de-DE" sz="2000" b="0" i="0" u="none" strike="noStrike" cap="none" normalizeH="0" baseline="0" dirty="0" smtClean="0">
+                <a:ln>
+                  <a:noFill/>
+                </a:ln>
+                <a:solidFill>
+                  <a:srgbClr val="EF596F"/>
+                </a:solidFill>
+                <a:effectLst/>
+                <a:latin typeface="JetBrains Mono"/>
+              </a:rPr>
+              <a:t>  </a:t>
+            </a:r>
+            <a:r>
+              <a:rPr kumimoji="0" lang="de-DE" altLang="de-DE" sz="2000" b="0" i="0" u="none" strike="noStrike" cap="none" normalizeH="0" baseline="0" dirty="0" err="1" smtClean="0">
+                <a:ln>
+                  <a:noFill/>
+                </a:ln>
+                <a:solidFill>
+                  <a:srgbClr val="EF596F"/>
+                </a:solidFill>
+                <a:effectLst/>
+                <a:latin typeface="JetBrains Mono"/>
+              </a:rPr>
+              <a:t>acl</a:t>
+            </a:r>
+            <a:r>
+              <a:rPr kumimoji="0" lang="de-DE" altLang="de-DE" sz="2000" b="0" i="0" u="none" strike="noStrike" cap="none" normalizeH="0" baseline="0" dirty="0" smtClean="0">
+                <a:ln>
+                  <a:noFill/>
+                </a:ln>
+                <a:solidFill>
+                  <a:srgbClr val="EF596F"/>
+                </a:solidFill>
+                <a:effectLst/>
+                <a:latin typeface="JetBrains Mono"/>
+              </a:rPr>
+              <a:t>    </a:t>
+            </a:r>
+            <a:r>
+              <a:rPr kumimoji="0" lang="de-DE" altLang="de-DE" sz="2000" b="0" i="0" u="none" strike="noStrike" cap="none" normalizeH="0" baseline="0" dirty="0" smtClean="0">
+                <a:ln>
+                  <a:noFill/>
+                </a:ln>
+                <a:solidFill>
+                  <a:srgbClr val="BBBBBB"/>
+                </a:solidFill>
+                <a:effectLst/>
+                <a:latin typeface="JetBrains Mono"/>
+              </a:rPr>
+              <a:t>= </a:t>
+            </a:r>
+            <a:r>
+              <a:rPr kumimoji="0" lang="de-DE" altLang="de-DE" sz="2000" b="0" i="0" u="none" strike="noStrike" cap="none" normalizeH="0" baseline="0" dirty="0" smtClean="0">
+                <a:ln>
+                  <a:noFill/>
+                </a:ln>
+                <a:solidFill>
+                  <a:srgbClr val="89CA78"/>
+                </a:solidFill>
+                <a:effectLst/>
+                <a:latin typeface="JetBrains Mono"/>
+              </a:rPr>
+              <a:t>"private"</a:t>
+            </a:r>
+            <a:br>
+              <a:rPr kumimoji="0" lang="de-DE" altLang="de-DE" sz="2000" b="0" i="0" u="none" strike="noStrike" cap="none" normalizeH="0" baseline="0" dirty="0" smtClean="0">
+                <a:ln>
+                  <a:noFill/>
+                </a:ln>
+                <a:solidFill>
+                  <a:srgbClr val="89CA78"/>
+                </a:solidFill>
+                <a:effectLst/>
+                <a:latin typeface="JetBrains Mono"/>
+              </a:rPr>
+            </a:br>
+            <a:r>
+              <a:rPr kumimoji="0" lang="de-DE" altLang="de-DE" sz="2000" b="0" i="0" u="none" strike="noStrike" cap="none" normalizeH="0" baseline="0" dirty="0" smtClean="0">
+                <a:ln>
+                  <a:noFill/>
+                </a:ln>
+                <a:solidFill>
+                  <a:srgbClr val="89CA78"/>
+                </a:solidFill>
+                <a:effectLst/>
+                <a:latin typeface="JetBrains Mono"/>
+              </a:rPr>
+              <a:t>  </a:t>
+            </a:r>
+            <a:r>
+              <a:rPr kumimoji="0" lang="de-DE" altLang="de-DE" sz="2000" b="0" i="0" u="none" strike="noStrike" cap="none" normalizeH="0" baseline="0" dirty="0" smtClean="0">
+                <a:ln>
+                  <a:noFill/>
+                </a:ln>
+                <a:solidFill>
+                  <a:srgbClr val="EF596F"/>
+                </a:solidFill>
+                <a:effectLst/>
+                <a:latin typeface="JetBrains Mono"/>
+              </a:rPr>
+              <a:t>tags   </a:t>
+            </a:r>
+            <a:r>
+              <a:rPr kumimoji="0" lang="de-DE" altLang="de-DE" sz="2000" b="0" i="0" u="none" strike="noStrike" cap="none" normalizeH="0" baseline="0" dirty="0" smtClean="0">
+                <a:ln>
+                  <a:noFill/>
+                </a:ln>
+                <a:solidFill>
+                  <a:srgbClr val="BBBBBB"/>
+                </a:solidFill>
+                <a:effectLst/>
+                <a:latin typeface="JetBrains Mono"/>
+              </a:rPr>
+              <a:t>= {</a:t>
+            </a:r>
+            <a:br>
+              <a:rPr kumimoji="0" lang="de-DE" altLang="de-DE" sz="2000" b="0" i="0" u="none" strike="noStrike" cap="none" normalizeH="0" baseline="0" dirty="0" smtClean="0">
+                <a:ln>
+                  <a:noFill/>
+                </a:ln>
+                <a:solidFill>
+                  <a:srgbClr val="BBBBBB"/>
+                </a:solidFill>
+                <a:effectLst/>
+                <a:latin typeface="JetBrains Mono"/>
+              </a:rPr>
+            </a:br>
+            <a:r>
+              <a:rPr kumimoji="0" lang="de-DE" altLang="de-DE" sz="2000" b="0" i="0" u="none" strike="noStrike" cap="none" normalizeH="0" baseline="0" dirty="0" smtClean="0">
+                <a:ln>
+                  <a:noFill/>
+                </a:ln>
+                <a:solidFill>
+                  <a:srgbClr val="BBBBBB"/>
+                </a:solidFill>
+                <a:effectLst/>
+                <a:latin typeface="JetBrains Mono"/>
+              </a:rPr>
+              <a:t>    </a:t>
+            </a:r>
+            <a:r>
+              <a:rPr kumimoji="0" lang="de-DE" altLang="de-DE" sz="2000" b="0" i="0" u="none" strike="noStrike" cap="none" normalizeH="0" baseline="0" dirty="0" err="1" smtClean="0">
+                <a:ln>
+                  <a:noFill/>
+                </a:ln>
+                <a:solidFill>
+                  <a:srgbClr val="EF596F"/>
+                </a:solidFill>
+                <a:effectLst/>
+                <a:latin typeface="JetBrains Mono"/>
+              </a:rPr>
+              <a:t>name</a:t>
+            </a:r>
+            <a:r>
+              <a:rPr kumimoji="0" lang="de-DE" altLang="de-DE" sz="2000" b="0" i="0" u="none" strike="noStrike" cap="none" normalizeH="0" baseline="0" dirty="0" smtClean="0">
+                <a:ln>
+                  <a:noFill/>
+                </a:ln>
+                <a:solidFill>
+                  <a:srgbClr val="EF596F"/>
+                </a:solidFill>
+                <a:effectLst/>
+                <a:latin typeface="JetBrains Mono"/>
+              </a:rPr>
+              <a:t> </a:t>
+            </a:r>
+            <a:r>
+              <a:rPr kumimoji="0" lang="de-DE" altLang="de-DE" sz="2000" b="0" i="0" u="none" strike="noStrike" cap="none" normalizeH="0" baseline="0" dirty="0" smtClean="0">
+                <a:ln>
+                  <a:noFill/>
+                </a:ln>
+                <a:solidFill>
+                  <a:srgbClr val="BBBBBB"/>
+                </a:solidFill>
+                <a:effectLst/>
+                <a:latin typeface="JetBrains Mono"/>
+              </a:rPr>
+              <a:t>= </a:t>
+            </a:r>
+            <a:r>
+              <a:rPr kumimoji="0" lang="de-DE" altLang="de-DE" sz="2000" b="0" i="0" u="none" strike="noStrike" cap="none" normalizeH="0" baseline="0" dirty="0" err="1" smtClean="0">
+                <a:ln>
+                  <a:noFill/>
+                </a:ln>
+                <a:solidFill>
+                  <a:srgbClr val="BBBBBB"/>
+                </a:solidFill>
+                <a:effectLst/>
+                <a:latin typeface="JetBrains Mono"/>
+              </a:rPr>
+              <a:t>var.</a:t>
+            </a:r>
+            <a:r>
+              <a:rPr kumimoji="0" lang="de-DE" altLang="de-DE" sz="2000" b="0" i="0" u="none" strike="noStrike" cap="none" normalizeH="0" baseline="0" dirty="0" err="1" smtClean="0">
+                <a:ln>
+                  <a:noFill/>
+                </a:ln>
+                <a:solidFill>
+                  <a:srgbClr val="EF596F"/>
+                </a:solidFill>
+                <a:effectLst/>
+                <a:latin typeface="JetBrains Mono"/>
+              </a:rPr>
+              <a:t>demo_bucket</a:t>
+            </a:r>
+            <a:r>
+              <a:rPr kumimoji="0" lang="de-DE" altLang="de-DE" sz="2000" b="0" i="0" u="none" strike="noStrike" cap="none" normalizeH="0" baseline="0" dirty="0" smtClean="0">
+                <a:ln>
+                  <a:noFill/>
+                </a:ln>
+                <a:solidFill>
+                  <a:srgbClr val="EF596F"/>
+                </a:solidFill>
+                <a:effectLst/>
+                <a:latin typeface="JetBrains Mono"/>
+              </a:rPr>
+              <a:t/>
+            </a:r>
+            <a:br>
+              <a:rPr kumimoji="0" lang="de-DE" altLang="de-DE" sz="2000" b="0" i="0" u="none" strike="noStrike" cap="none" normalizeH="0" baseline="0" dirty="0" smtClean="0">
+                <a:ln>
+                  <a:noFill/>
+                </a:ln>
+                <a:solidFill>
+                  <a:srgbClr val="EF596F"/>
+                </a:solidFill>
+                <a:effectLst/>
+                <a:latin typeface="JetBrains Mono"/>
+              </a:rPr>
+            </a:br>
+            <a:r>
+              <a:rPr kumimoji="0" lang="de-DE" altLang="de-DE" sz="2000" b="0" i="0" u="none" strike="noStrike" cap="none" normalizeH="0" baseline="0" dirty="0" smtClean="0">
+                <a:ln>
+                  <a:noFill/>
+                </a:ln>
+                <a:solidFill>
+                  <a:srgbClr val="EF596F"/>
+                </a:solidFill>
+                <a:effectLst/>
+                <a:latin typeface="JetBrains Mono"/>
+              </a:rPr>
+              <a:t>  </a:t>
+            </a:r>
+            <a:r>
+              <a:rPr kumimoji="0" lang="de-DE" altLang="de-DE" sz="2000" b="0" i="0" u="none" strike="noStrike" cap="none" normalizeH="0" baseline="0" dirty="0" smtClean="0">
+                <a:ln>
+                  <a:noFill/>
+                </a:ln>
+                <a:solidFill>
+                  <a:srgbClr val="BBBBBB"/>
+                </a:solidFill>
+                <a:effectLst/>
+                <a:latin typeface="JetBrains Mono"/>
+              </a:rPr>
+              <a:t>}</a:t>
+            </a:r>
+            <a:br>
+              <a:rPr kumimoji="0" lang="de-DE" altLang="de-DE" sz="2000" b="0" i="0" u="none" strike="noStrike" cap="none" normalizeH="0" baseline="0" dirty="0" smtClean="0">
+                <a:ln>
+                  <a:noFill/>
+                </a:ln>
+                <a:solidFill>
+                  <a:srgbClr val="BBBBBB"/>
+                </a:solidFill>
+                <a:effectLst/>
+                <a:latin typeface="JetBrains Mono"/>
+              </a:rPr>
+            </a:br>
+            <a:r>
+              <a:rPr kumimoji="0" lang="de-DE" altLang="de-DE" sz="2000" b="0" i="0" u="none" strike="noStrike" cap="none" normalizeH="0" baseline="0" dirty="0" smtClean="0">
+                <a:ln>
+                  <a:noFill/>
+                </a:ln>
+                <a:solidFill>
+                  <a:srgbClr val="BBBBBB"/>
+                </a:solidFill>
+                <a:effectLst/>
+                <a:latin typeface="JetBrains Mono"/>
+              </a:rPr>
+              <a:t>}</a:t>
+            </a:r>
+            <a:endParaRPr kumimoji="0" lang="de-DE" altLang="de-DE" sz="4400" b="0" i="0" u="none" strike="noStrike" cap="none" normalizeH="0" baseline="0" dirty="0" smtClean="0">
+              <a:ln>
+                <a:noFill/>
+              </a:ln>
+              <a:solidFill>
+                <a:schemeClr val="tx1"/>
+              </a:solidFill>
+              <a:effectLst/>
+              <a:latin typeface="Arial" panose="020B0604020202020204" pitchFamily="34" charset="0"/>
+            </a:endParaRPr>
+          </a:p>
+        </p:txBody>
+      </p:sp>
+      <p:pic>
+        <p:nvPicPr>
+          <p:cNvPr id="6" name="Grafik 5"/>
+          <p:cNvPicPr>
+            <a:picLocks noChangeAspect="1"/>
+          </p:cNvPicPr>
+          <p:nvPr/>
+        </p:nvPicPr>
+        <p:blipFill>
+          <a:blip r:embed="rId4"/>
+          <a:stretch>
+            <a:fillRect/>
+          </a:stretch>
+        </p:blipFill>
+        <p:spPr>
+          <a:xfrm>
+            <a:off x="6629222" y="2873512"/>
+            <a:ext cx="5364339" cy="3170099"/>
+          </a:xfrm>
+          <a:prstGeom prst="rect">
+            <a:avLst/>
+          </a:prstGeom>
+          <a:ln>
+            <a:solidFill>
+              <a:schemeClr val="tx1"/>
+            </a:solidFill>
+          </a:ln>
+        </p:spPr>
+      </p:pic>
+    </p:spTree>
+    <p:extLst>
+      <p:ext uri="{BB962C8B-B14F-4D97-AF65-F5344CB8AC3E}">
+        <p14:creationId xmlns:p14="http://schemas.microsoft.com/office/powerpoint/2010/main" val="3900226877"/>
       </p:ext>
     </p:extLst>
   </p:cSld>

--- a/Modul_08_Modules/Modules.pptx
+++ b/Modul_08_Modules/Modules.pptx
@@ -5,12 +5,15 @@
     <p:sldMasterId id="2147483648" r:id="rId1"/>
   </p:sldMasterIdLst>
   <p:notesMasterIdLst>
-    <p:notesMasterId r:id="rId5"/>
+    <p:notesMasterId r:id="rId8"/>
   </p:notesMasterIdLst>
   <p:sldIdLst>
     <p:sldId id="257" r:id="rId2"/>
-    <p:sldId id="258" r:id="rId3"/>
-    <p:sldId id="259" r:id="rId4"/>
+    <p:sldId id="259" r:id="rId3"/>
+    <p:sldId id="258" r:id="rId4"/>
+    <p:sldId id="263" r:id="rId5"/>
+    <p:sldId id="260" r:id="rId6"/>
+    <p:sldId id="262" r:id="rId7"/>
   </p:sldIdLst>
   <p:sldSz cx="12192000" cy="6858000"/>
   <p:notesSz cx="6858000" cy="9144000"/>
@@ -199,7 +202,7 @@
           <a:p>
             <a:fld id="{E9DAB8B5-B9A3-426D-91D9-D7966B0F2B79}" type="datetimeFigureOut">
               <a:rPr lang="de-DE" smtClean="0"/>
-              <a:t>14.11.2021</a:t>
+              <a:t>20.11.2021</a:t>
             </a:fld>
             <a:endParaRPr lang="de-DE"/>
           </a:p>
@@ -625,7 +628,7 @@
     </p:spTree>
     <p:extLst>
       <p:ext uri="{BB962C8B-B14F-4D97-AF65-F5344CB8AC3E}">
-        <p14:creationId xmlns:p14="http://schemas.microsoft.com/office/powerpoint/2010/main" val="358908489"/>
+        <p14:creationId xmlns:p14="http://schemas.microsoft.com/office/powerpoint/2010/main" val="1380042306"/>
       </p:ext>
     </p:extLst>
   </p:cSld>
@@ -709,7 +712,331 @@
     </p:spTree>
     <p:extLst>
       <p:ext uri="{BB962C8B-B14F-4D97-AF65-F5344CB8AC3E}">
-        <p14:creationId xmlns:p14="http://schemas.microsoft.com/office/powerpoint/2010/main" val="1380042306"/>
+        <p14:creationId xmlns:p14="http://schemas.microsoft.com/office/powerpoint/2010/main" val="358908489"/>
+      </p:ext>
+    </p:extLst>
+  </p:cSld>
+  <p:clrMapOvr>
+    <a:masterClrMapping/>
+  </p:clrMapOvr>
+</p:notes>
+</file>
+
+<file path=ppt/notesSlides/notesSlide4.xml><?xml version="1.0" encoding="utf-8"?>
+<p:notes xmlns:a="http://schemas.openxmlformats.org/drawingml/2006/main" xmlns:r="http://schemas.openxmlformats.org/officeDocument/2006/relationships" xmlns:p="http://schemas.openxmlformats.org/presentationml/2006/main">
+  <p:cSld>
+    <p:spTree>
+      <p:nvGrpSpPr>
+        <p:cNvPr id="1" name=""/>
+        <p:cNvGrpSpPr/>
+        <p:nvPr/>
+      </p:nvGrpSpPr>
+      <p:grpSpPr>
+        <a:xfrm>
+          <a:off x="0" y="0"/>
+          <a:ext cx="0" cy="0"/>
+          <a:chOff x="0" y="0"/>
+          <a:chExt cx="0" cy="0"/>
+        </a:xfrm>
+      </p:grpSpPr>
+      <p:sp>
+        <p:nvSpPr>
+          <p:cNvPr id="2" name="Folienbildplatzhalter 1"/>
+          <p:cNvSpPr>
+            <a:spLocks noGrp="1" noRot="1" noChangeAspect="1"/>
+          </p:cNvSpPr>
+          <p:nvPr>
+            <p:ph type="sldImg"/>
+          </p:nvPr>
+        </p:nvSpPr>
+        <p:spPr/>
+      </p:sp>
+      <p:sp>
+        <p:nvSpPr>
+          <p:cNvPr id="3" name="Notizenplatzhalter 2"/>
+          <p:cNvSpPr>
+            <a:spLocks noGrp="1"/>
+          </p:cNvSpPr>
+          <p:nvPr>
+            <p:ph type="body" idx="1"/>
+          </p:nvPr>
+        </p:nvSpPr>
+        <p:spPr/>
+        <p:txBody>
+          <a:bodyPr/>
+          <a:lstStyle/>
+          <a:p>
+            <a:pPr marL="0" marR="0" lvl="0" indent="0" algn="l" defTabSz="914400" rtl="0" eaLnBrk="1" fontAlgn="auto" latinLnBrk="0" hangingPunct="1">
+              <a:lnSpc>
+                <a:spcPct val="100000"/>
+              </a:lnSpc>
+              <a:spcBef>
+                <a:spcPts val="0"/>
+              </a:spcBef>
+              <a:spcAft>
+                <a:spcPts val="0"/>
+              </a:spcAft>
+              <a:buClrTx/>
+              <a:buSzTx/>
+              <a:buFontTx/>
+              <a:buNone/>
+              <a:tabLst/>
+              <a:defRPr/>
+            </a:pPr>
+            <a:r>
+              <a:rPr lang="de-DE" dirty="0" smtClean="0"/>
+              <a:t>Siehe auch Modul 03 </a:t>
+            </a:r>
+            <a:r>
+              <a:rPr lang="de-DE" dirty="0" err="1" smtClean="0"/>
+              <a:t>Ressouces</a:t>
+            </a:r>
+            <a:endParaRPr lang="de-DE" dirty="0" smtClean="0"/>
+          </a:p>
+          <a:p>
+            <a:endParaRPr lang="de-DE" dirty="0"/>
+          </a:p>
+        </p:txBody>
+      </p:sp>
+      <p:sp>
+        <p:nvSpPr>
+          <p:cNvPr id="4" name="Foliennummernplatzhalter 3"/>
+          <p:cNvSpPr>
+            <a:spLocks noGrp="1"/>
+          </p:cNvSpPr>
+          <p:nvPr>
+            <p:ph type="sldNum" sz="quarter" idx="10"/>
+          </p:nvPr>
+        </p:nvSpPr>
+        <p:spPr/>
+        <p:txBody>
+          <a:bodyPr/>
+          <a:lstStyle/>
+          <a:p>
+            <a:fld id="{E58C7EAB-645A-4FBB-B6AF-831236EEB6FB}" type="slidenum">
+              <a:rPr lang="de-DE" smtClean="0"/>
+              <a:t>4</a:t>
+            </a:fld>
+            <a:endParaRPr lang="de-DE"/>
+          </a:p>
+        </p:txBody>
+      </p:sp>
+    </p:spTree>
+    <p:extLst>
+      <p:ext uri="{BB962C8B-B14F-4D97-AF65-F5344CB8AC3E}">
+        <p14:creationId xmlns:p14="http://schemas.microsoft.com/office/powerpoint/2010/main" val="2290931141"/>
+      </p:ext>
+    </p:extLst>
+  </p:cSld>
+  <p:clrMapOvr>
+    <a:masterClrMapping/>
+  </p:clrMapOvr>
+</p:notes>
+</file>
+
+<file path=ppt/notesSlides/notesSlide5.xml><?xml version="1.0" encoding="utf-8"?>
+<p:notes xmlns:a="http://schemas.openxmlformats.org/drawingml/2006/main" xmlns:r="http://schemas.openxmlformats.org/officeDocument/2006/relationships" xmlns:p="http://schemas.openxmlformats.org/presentationml/2006/main">
+  <p:cSld>
+    <p:spTree>
+      <p:nvGrpSpPr>
+        <p:cNvPr id="1" name=""/>
+        <p:cNvGrpSpPr/>
+        <p:nvPr/>
+      </p:nvGrpSpPr>
+      <p:grpSpPr>
+        <a:xfrm>
+          <a:off x="0" y="0"/>
+          <a:ext cx="0" cy="0"/>
+          <a:chOff x="0" y="0"/>
+          <a:chExt cx="0" cy="0"/>
+        </a:xfrm>
+      </p:grpSpPr>
+      <p:sp>
+        <p:nvSpPr>
+          <p:cNvPr id="2" name="Folienbildplatzhalter 1"/>
+          <p:cNvSpPr>
+            <a:spLocks noGrp="1" noRot="1" noChangeAspect="1"/>
+          </p:cNvSpPr>
+          <p:nvPr>
+            <p:ph type="sldImg"/>
+          </p:nvPr>
+        </p:nvSpPr>
+        <p:spPr/>
+      </p:sp>
+      <p:sp>
+        <p:nvSpPr>
+          <p:cNvPr id="3" name="Notizenplatzhalter 2"/>
+          <p:cNvSpPr>
+            <a:spLocks noGrp="1"/>
+          </p:cNvSpPr>
+          <p:nvPr>
+            <p:ph type="body" idx="1"/>
+          </p:nvPr>
+        </p:nvSpPr>
+        <p:spPr/>
+        <p:txBody>
+          <a:bodyPr/>
+          <a:lstStyle/>
+          <a:p>
+            <a:r>
+              <a:rPr lang="de-DE" dirty="0" smtClean="0"/>
+              <a:t>Anstatt das</a:t>
+            </a:r>
+            <a:r>
+              <a:rPr lang="de-DE" baseline="0" dirty="0" smtClean="0"/>
+              <a:t> Modul </a:t>
+            </a:r>
+            <a:r>
+              <a:rPr lang="de-DE" baseline="0" dirty="0" err="1" smtClean="0"/>
+              <a:t>Consul</a:t>
+            </a:r>
+            <a:r>
+              <a:rPr lang="de-DE" baseline="0" dirty="0" smtClean="0"/>
+              <a:t>-Cluster selbst das Netzwerk beschreiben zu lassen, werden VPC und </a:t>
+            </a:r>
+            <a:r>
+              <a:rPr lang="de-DE" baseline="0" dirty="0" err="1" smtClean="0"/>
+              <a:t>Subnet</a:t>
+            </a:r>
+            <a:r>
+              <a:rPr lang="de-DE" baseline="0" dirty="0" smtClean="0"/>
+              <a:t> </a:t>
+            </a:r>
+            <a:r>
+              <a:rPr lang="de-DE" baseline="0" dirty="0" err="1" smtClean="0"/>
+              <a:t>Ids</a:t>
+            </a:r>
+            <a:r>
+              <a:rPr lang="de-DE" baseline="0" dirty="0" smtClean="0"/>
+              <a:t> über die </a:t>
+            </a:r>
+            <a:r>
+              <a:rPr lang="de-DE" baseline="0" dirty="0" err="1" smtClean="0"/>
+              <a:t>Konfig</a:t>
+            </a:r>
+            <a:r>
+              <a:rPr lang="de-DE" baseline="0" dirty="0" smtClean="0"/>
+              <a:t> des Moduls </a:t>
+            </a:r>
+            <a:r>
+              <a:rPr lang="de-DE" baseline="0" dirty="0" err="1" smtClean="0"/>
+              <a:t>injected</a:t>
+            </a:r>
+            <a:endParaRPr lang="de-DE" dirty="0"/>
+          </a:p>
+        </p:txBody>
+      </p:sp>
+      <p:sp>
+        <p:nvSpPr>
+          <p:cNvPr id="4" name="Foliennummernplatzhalter 3"/>
+          <p:cNvSpPr>
+            <a:spLocks noGrp="1"/>
+          </p:cNvSpPr>
+          <p:nvPr>
+            <p:ph type="sldNum" sz="quarter" idx="10"/>
+          </p:nvPr>
+        </p:nvSpPr>
+        <p:spPr/>
+        <p:txBody>
+          <a:bodyPr/>
+          <a:lstStyle/>
+          <a:p>
+            <a:fld id="{E58C7EAB-645A-4FBB-B6AF-831236EEB6FB}" type="slidenum">
+              <a:rPr lang="de-DE" smtClean="0"/>
+              <a:t>5</a:t>
+            </a:fld>
+            <a:endParaRPr lang="de-DE"/>
+          </a:p>
+        </p:txBody>
+      </p:sp>
+    </p:spTree>
+    <p:extLst>
+      <p:ext uri="{BB962C8B-B14F-4D97-AF65-F5344CB8AC3E}">
+        <p14:creationId xmlns:p14="http://schemas.microsoft.com/office/powerpoint/2010/main" val="2406203837"/>
+      </p:ext>
+    </p:extLst>
+  </p:cSld>
+  <p:clrMapOvr>
+    <a:masterClrMapping/>
+  </p:clrMapOvr>
+</p:notes>
+</file>
+
+<file path=ppt/notesSlides/notesSlide6.xml><?xml version="1.0" encoding="utf-8"?>
+<p:notes xmlns:a="http://schemas.openxmlformats.org/drawingml/2006/main" xmlns:r="http://schemas.openxmlformats.org/officeDocument/2006/relationships" xmlns:p="http://schemas.openxmlformats.org/presentationml/2006/main">
+  <p:cSld>
+    <p:spTree>
+      <p:nvGrpSpPr>
+        <p:cNvPr id="1" name=""/>
+        <p:cNvGrpSpPr/>
+        <p:nvPr/>
+      </p:nvGrpSpPr>
+      <p:grpSpPr>
+        <a:xfrm>
+          <a:off x="0" y="0"/>
+          <a:ext cx="0" cy="0"/>
+          <a:chOff x="0" y="0"/>
+          <a:chExt cx="0" cy="0"/>
+        </a:xfrm>
+      </p:grpSpPr>
+      <p:sp>
+        <p:nvSpPr>
+          <p:cNvPr id="2" name="Folienbildplatzhalter 1"/>
+          <p:cNvSpPr>
+            <a:spLocks noGrp="1" noRot="1" noChangeAspect="1"/>
+          </p:cNvSpPr>
+          <p:nvPr>
+            <p:ph type="sldImg"/>
+          </p:nvPr>
+        </p:nvSpPr>
+        <p:spPr/>
+      </p:sp>
+      <p:sp>
+        <p:nvSpPr>
+          <p:cNvPr id="3" name="Notizenplatzhalter 2"/>
+          <p:cNvSpPr>
+            <a:spLocks noGrp="1"/>
+          </p:cNvSpPr>
+          <p:nvPr>
+            <p:ph type="body" idx="1"/>
+          </p:nvPr>
+        </p:nvSpPr>
+        <p:spPr/>
+        <p:txBody>
+          <a:bodyPr/>
+          <a:lstStyle/>
+          <a:p>
+            <a:endParaRPr lang="de-DE" dirty="0"/>
+          </a:p>
+        </p:txBody>
+      </p:sp>
+      <p:sp>
+        <p:nvSpPr>
+          <p:cNvPr id="4" name="Foliennummernplatzhalter 3"/>
+          <p:cNvSpPr>
+            <a:spLocks noGrp="1"/>
+          </p:cNvSpPr>
+          <p:nvPr>
+            <p:ph type="sldNum" sz="quarter" idx="10"/>
+          </p:nvPr>
+        </p:nvSpPr>
+        <p:spPr/>
+        <p:txBody>
+          <a:bodyPr/>
+          <a:lstStyle/>
+          <a:p>
+            <a:fld id="{E58C7EAB-645A-4FBB-B6AF-831236EEB6FB}" type="slidenum">
+              <a:rPr lang="de-DE" smtClean="0"/>
+              <a:t>6</a:t>
+            </a:fld>
+            <a:endParaRPr lang="de-DE"/>
+          </a:p>
+        </p:txBody>
+      </p:sp>
+    </p:spTree>
+    <p:extLst>
+      <p:ext uri="{BB962C8B-B14F-4D97-AF65-F5344CB8AC3E}">
+        <p14:creationId xmlns:p14="http://schemas.microsoft.com/office/powerpoint/2010/main" val="2030637846"/>
       </p:ext>
     </p:extLst>
   </p:cSld>
@@ -850,7 +1177,7 @@
           <a:p>
             <a:fld id="{6CBA03CC-73C5-46A8-8DFB-B5DC4577D8E2}" type="datetimeFigureOut">
               <a:rPr lang="de-DE" smtClean="0"/>
-              <a:t>14.11.2021</a:t>
+              <a:t>20.11.2021</a:t>
             </a:fld>
             <a:endParaRPr lang="de-DE"/>
           </a:p>
@@ -1020,7 +1347,7 @@
           <a:p>
             <a:fld id="{6CBA03CC-73C5-46A8-8DFB-B5DC4577D8E2}" type="datetimeFigureOut">
               <a:rPr lang="de-DE" smtClean="0"/>
-              <a:t>14.11.2021</a:t>
+              <a:t>20.11.2021</a:t>
             </a:fld>
             <a:endParaRPr lang="de-DE"/>
           </a:p>
@@ -1200,7 +1527,7 @@
           <a:p>
             <a:fld id="{6CBA03CC-73C5-46A8-8DFB-B5DC4577D8E2}" type="datetimeFigureOut">
               <a:rPr lang="de-DE" smtClean="0"/>
-              <a:t>14.11.2021</a:t>
+              <a:t>20.11.2021</a:t>
             </a:fld>
             <a:endParaRPr lang="de-DE"/>
           </a:p>
@@ -1370,7 +1697,7 @@
           <a:p>
             <a:fld id="{6CBA03CC-73C5-46A8-8DFB-B5DC4577D8E2}" type="datetimeFigureOut">
               <a:rPr lang="de-DE" smtClean="0"/>
-              <a:t>14.11.2021</a:t>
+              <a:t>20.11.2021</a:t>
             </a:fld>
             <a:endParaRPr lang="de-DE"/>
           </a:p>
@@ -1616,7 +1943,7 @@
           <a:p>
             <a:fld id="{6CBA03CC-73C5-46A8-8DFB-B5DC4577D8E2}" type="datetimeFigureOut">
               <a:rPr lang="de-DE" smtClean="0"/>
-              <a:t>14.11.2021</a:t>
+              <a:t>20.11.2021</a:t>
             </a:fld>
             <a:endParaRPr lang="de-DE"/>
           </a:p>
@@ -1848,7 +2175,7 @@
           <a:p>
             <a:fld id="{6CBA03CC-73C5-46A8-8DFB-B5DC4577D8E2}" type="datetimeFigureOut">
               <a:rPr lang="de-DE" smtClean="0"/>
-              <a:t>14.11.2021</a:t>
+              <a:t>20.11.2021</a:t>
             </a:fld>
             <a:endParaRPr lang="de-DE"/>
           </a:p>
@@ -2215,7 +2542,7 @@
           <a:p>
             <a:fld id="{6CBA03CC-73C5-46A8-8DFB-B5DC4577D8E2}" type="datetimeFigureOut">
               <a:rPr lang="de-DE" smtClean="0"/>
-              <a:t>14.11.2021</a:t>
+              <a:t>20.11.2021</a:t>
             </a:fld>
             <a:endParaRPr lang="de-DE"/>
           </a:p>
@@ -2333,7 +2660,7 @@
           <a:p>
             <a:fld id="{6CBA03CC-73C5-46A8-8DFB-B5DC4577D8E2}" type="datetimeFigureOut">
               <a:rPr lang="de-DE" smtClean="0"/>
-              <a:t>14.11.2021</a:t>
+              <a:t>20.11.2021</a:t>
             </a:fld>
             <a:endParaRPr lang="de-DE"/>
           </a:p>
@@ -2428,7 +2755,7 @@
           <a:p>
             <a:fld id="{6CBA03CC-73C5-46A8-8DFB-B5DC4577D8E2}" type="datetimeFigureOut">
               <a:rPr lang="de-DE" smtClean="0"/>
-              <a:t>14.11.2021</a:t>
+              <a:t>20.11.2021</a:t>
             </a:fld>
             <a:endParaRPr lang="de-DE"/>
           </a:p>
@@ -2705,7 +3032,7 @@
           <a:p>
             <a:fld id="{6CBA03CC-73C5-46A8-8DFB-B5DC4577D8E2}" type="datetimeFigureOut">
               <a:rPr lang="de-DE" smtClean="0"/>
-              <a:t>14.11.2021</a:t>
+              <a:t>20.11.2021</a:t>
             </a:fld>
             <a:endParaRPr lang="de-DE"/>
           </a:p>
@@ -2958,7 +3285,7 @@
           <a:p>
             <a:fld id="{6CBA03CC-73C5-46A8-8DFB-B5DC4577D8E2}" type="datetimeFigureOut">
               <a:rPr lang="de-DE" smtClean="0"/>
-              <a:t>14.11.2021</a:t>
+              <a:t>20.11.2021</a:t>
             </a:fld>
             <a:endParaRPr lang="de-DE"/>
           </a:p>
@@ -3171,7 +3498,7 @@
           <a:p>
             <a:fld id="{6CBA03CC-73C5-46A8-8DFB-B5DC4577D8E2}" type="datetimeFigureOut">
               <a:rPr lang="de-DE" smtClean="0"/>
-              <a:t>14.11.2021</a:t>
+              <a:t>20.11.2021</a:t>
             </a:fld>
             <a:endParaRPr lang="de-DE"/>
           </a:p>
@@ -3633,11 +3960,7 @@
           <a:p>
             <a:r>
               <a:rPr lang="de-DE" dirty="0" smtClean="0"/>
-              <a:t>Root-Modul umfasst alle Ressourcen </a:t>
-            </a:r>
-            <a:r>
-              <a:rPr lang="de-DE" dirty="0" smtClean="0"/>
-              <a:t>welche in den .</a:t>
+              <a:t>Root-Modul umfasst alle Ressourcen welche in den .</a:t>
             </a:r>
             <a:r>
               <a:rPr lang="de-DE" dirty="0" err="1" smtClean="0"/>
@@ -3747,9 +4070,58 @@
           <a:p>
             <a:r>
               <a:rPr lang="de-DE" dirty="0" smtClean="0"/>
-              <a:t>Module Definition</a:t>
+              <a:t>Module Registry</a:t>
             </a:r>
             <a:endParaRPr lang="de-DE" dirty="0"/>
+          </a:p>
+        </p:txBody>
+      </p:sp>
+      <p:sp>
+        <p:nvSpPr>
+          <p:cNvPr id="3" name="Inhaltsplatzhalter 2"/>
+          <p:cNvSpPr>
+            <a:spLocks noGrp="1"/>
+          </p:cNvSpPr>
+          <p:nvPr>
+            <p:ph idx="1"/>
+          </p:nvPr>
+        </p:nvSpPr>
+        <p:spPr>
+          <a:xfrm>
+            <a:off x="838200" y="1825625"/>
+            <a:ext cx="10515600" cy="4351338"/>
+          </a:xfrm>
+        </p:spPr>
+        <p:txBody>
+          <a:bodyPr/>
+          <a:lstStyle/>
+          <a:p>
+            <a:r>
+              <a:rPr lang="de-DE" dirty="0" smtClean="0"/>
+              <a:t>Aktuell &gt;7300 Module</a:t>
+            </a:r>
+          </a:p>
+          <a:p>
+            <a:pPr lvl="1"/>
+            <a:r>
+              <a:rPr lang="de-DE" dirty="0" smtClean="0">
+                <a:hlinkClick r:id="rId3"/>
+              </a:rPr>
+              <a:t>https</a:t>
+            </a:r>
+            <a:r>
+              <a:rPr lang="de-DE" dirty="0">
+                <a:hlinkClick r:id="rId3"/>
+              </a:rPr>
+              <a:t>://</a:t>
+            </a:r>
+            <a:r>
+              <a:rPr lang="de-DE" dirty="0" smtClean="0">
+                <a:hlinkClick r:id="rId3"/>
+              </a:rPr>
+              <a:t>registry.terraform.io/browse/modules</a:t>
+            </a:r>
+            <a:endParaRPr lang="de-DE" dirty="0" smtClean="0"/>
           </a:p>
         </p:txBody>
       </p:sp>
@@ -3763,8 +4135,8 @@
         </p:nvSpPr>
         <p:spPr bwMode="auto">
           <a:xfrm>
-            <a:off x="2459567" y="1843088"/>
-            <a:ext cx="7272866" cy="4708981"/>
+            <a:off x="198439" y="2873512"/>
+            <a:ext cx="5910592" cy="3170099"/>
           </a:xfrm>
           <a:prstGeom prst="rect">
             <a:avLst/>
@@ -3799,7 +4171,7 @@
           </a:extLst>
         </p:spPr>
         <p:txBody>
-          <a:bodyPr vert="horz" wrap="square" lIns="91440" tIns="45720" rIns="91440" bIns="45720" numCol="1" anchor="ctr" anchorCtr="0" compatLnSpc="1">
+          <a:bodyPr vert="horz" wrap="none" lIns="91440" tIns="45720" rIns="91440" bIns="45720" numCol="1" anchor="ctr" anchorCtr="0" compatLnSpc="1">
             <a:prstTxWarp prst="textNoShape">
               <a:avLst/>
             </a:prstTxWarp>
@@ -3860,6 +4232,96 @@
                 <a:effectLst/>
                 <a:latin typeface="JetBrains Mono"/>
               </a:rPr>
+              <a:t>"s3_bucket" </a:t>
+            </a:r>
+            <a:r>
+              <a:rPr kumimoji="0" lang="de-DE" altLang="de-DE" sz="2000" b="0" i="0" u="none" strike="noStrike" cap="none" normalizeH="0" baseline="0" dirty="0" smtClean="0">
+                <a:ln>
+                  <a:noFill/>
+                </a:ln>
+                <a:solidFill>
+                  <a:srgbClr val="BBBBBB"/>
+                </a:solidFill>
+                <a:effectLst/>
+                <a:latin typeface="JetBrains Mono"/>
+              </a:rPr>
+              <a:t>{</a:t>
+            </a:r>
+            <a:br>
+              <a:rPr kumimoji="0" lang="de-DE" altLang="de-DE" sz="2000" b="0" i="0" u="none" strike="noStrike" cap="none" normalizeH="0" baseline="0" dirty="0" smtClean="0">
+                <a:ln>
+                  <a:noFill/>
+                </a:ln>
+                <a:solidFill>
+                  <a:srgbClr val="BBBBBB"/>
+                </a:solidFill>
+                <a:effectLst/>
+                <a:latin typeface="JetBrains Mono"/>
+              </a:rPr>
+            </a:br>
+            <a:r>
+              <a:rPr kumimoji="0" lang="de-DE" altLang="de-DE" sz="2000" b="0" i="0" u="none" strike="noStrike" cap="none" normalizeH="0" baseline="0" dirty="0" smtClean="0">
+                <a:ln>
+                  <a:noFill/>
+                </a:ln>
+                <a:solidFill>
+                  <a:srgbClr val="BBBBBB"/>
+                </a:solidFill>
+                <a:effectLst/>
+                <a:latin typeface="JetBrains Mono"/>
+              </a:rPr>
+              <a:t>  </a:t>
+            </a:r>
+            <a:r>
+              <a:rPr kumimoji="0" lang="de-DE" altLang="de-DE" sz="2000" b="0" i="0" u="none" strike="noStrike" cap="none" normalizeH="0" baseline="0" dirty="0" err="1" smtClean="0">
+                <a:ln>
+                  <a:noFill/>
+                </a:ln>
+                <a:solidFill>
+                  <a:srgbClr val="EF596F"/>
+                </a:solidFill>
+                <a:effectLst/>
+                <a:latin typeface="JetBrains Mono"/>
+              </a:rPr>
+              <a:t>source</a:t>
+            </a:r>
+            <a:r>
+              <a:rPr kumimoji="0" lang="de-DE" altLang="de-DE" sz="2000" b="0" i="0" u="none" strike="noStrike" cap="none" normalizeH="0" baseline="0" dirty="0" smtClean="0">
+                <a:ln>
+                  <a:noFill/>
+                </a:ln>
+                <a:solidFill>
+                  <a:srgbClr val="EF596F"/>
+                </a:solidFill>
+                <a:effectLst/>
+                <a:latin typeface="JetBrains Mono"/>
+              </a:rPr>
+              <a:t> </a:t>
+            </a:r>
+            <a:r>
+              <a:rPr kumimoji="0" lang="de-DE" altLang="de-DE" sz="2000" b="0" i="0" u="none" strike="noStrike" cap="none" normalizeH="0" baseline="0" dirty="0" smtClean="0">
+                <a:ln>
+                  <a:noFill/>
+                </a:ln>
+                <a:solidFill>
+                  <a:srgbClr val="BBBBBB"/>
+                </a:solidFill>
+                <a:effectLst/>
+                <a:latin typeface="JetBrains Mono"/>
+              </a:rPr>
+              <a:t>= </a:t>
+            </a:r>
+            <a:r>
+              <a:rPr kumimoji="0" lang="de-DE" altLang="de-DE" sz="2000" b="0" i="0" u="none" strike="noStrike" cap="none" normalizeH="0" baseline="0" dirty="0" smtClean="0">
+                <a:ln>
+                  <a:noFill/>
+                </a:ln>
+                <a:solidFill>
+                  <a:srgbClr val="89CA78"/>
+                </a:solidFill>
+                <a:effectLst/>
+                <a:latin typeface="JetBrains Mono"/>
+              </a:rPr>
               <a:t>"</a:t>
             </a:r>
             <a:r>
@@ -3868,25 +4330,128 @@
                   <a:noFill/>
                 </a:ln>
                 <a:solidFill>
-                  <a:srgbClr val="E5C07B"/>
-                </a:solidFill>
-                <a:effectLst/>
-                <a:latin typeface="JetBrains Mono"/>
-              </a:rPr>
-              <a:t>documentdb</a:t>
-            </a:r>
-            <a:r>
-              <a:rPr kumimoji="0" lang="de-DE" altLang="de-DE" sz="2000" b="0" i="0" u="none" strike="noStrike" cap="none" normalizeH="0" baseline="0" dirty="0" smtClean="0">
-                <a:ln>
-                  <a:noFill/>
-                </a:ln>
-                <a:solidFill>
-                  <a:srgbClr val="E5C07B"/>
-                </a:solidFill>
-                <a:effectLst/>
-                <a:latin typeface="JetBrains Mono"/>
-              </a:rPr>
-              <a:t>" </a:t>
+                  <a:srgbClr val="89CA78"/>
+                </a:solidFill>
+                <a:effectLst/>
+                <a:latin typeface="JetBrains Mono"/>
+              </a:rPr>
+              <a:t>terraform</a:t>
+            </a:r>
+            <a:r>
+              <a:rPr kumimoji="0" lang="de-DE" altLang="de-DE" sz="2000" b="0" i="0" u="none" strike="noStrike" cap="none" normalizeH="0" baseline="0" dirty="0" smtClean="0">
+                <a:ln>
+                  <a:noFill/>
+                </a:ln>
+                <a:solidFill>
+                  <a:srgbClr val="89CA78"/>
+                </a:solidFill>
+                <a:effectLst/>
+                <a:latin typeface="JetBrains Mono"/>
+              </a:rPr>
+              <a:t>-</a:t>
+            </a:r>
+            <a:r>
+              <a:rPr kumimoji="0" lang="de-DE" altLang="de-DE" sz="2000" b="0" i="0" u="none" strike="noStrike" cap="none" normalizeH="0" baseline="0" dirty="0" err="1" smtClean="0">
+                <a:ln>
+                  <a:noFill/>
+                </a:ln>
+                <a:solidFill>
+                  <a:srgbClr val="89CA78"/>
+                </a:solidFill>
+                <a:effectLst/>
+                <a:latin typeface="JetBrains Mono"/>
+              </a:rPr>
+              <a:t>aws</a:t>
+            </a:r>
+            <a:r>
+              <a:rPr kumimoji="0" lang="de-DE" altLang="de-DE" sz="2000" b="0" i="0" u="none" strike="noStrike" cap="none" normalizeH="0" baseline="0" dirty="0" smtClean="0">
+                <a:ln>
+                  <a:noFill/>
+                </a:ln>
+                <a:solidFill>
+                  <a:srgbClr val="89CA78"/>
+                </a:solidFill>
+                <a:effectLst/>
+                <a:latin typeface="JetBrains Mono"/>
+              </a:rPr>
+              <a:t>-modules/s3-bucket/</a:t>
+            </a:r>
+            <a:r>
+              <a:rPr kumimoji="0" lang="de-DE" altLang="de-DE" sz="2000" b="0" i="0" u="none" strike="noStrike" cap="none" normalizeH="0" baseline="0" dirty="0" err="1" smtClean="0">
+                <a:ln>
+                  <a:noFill/>
+                </a:ln>
+                <a:solidFill>
+                  <a:srgbClr val="89CA78"/>
+                </a:solidFill>
+                <a:effectLst/>
+                <a:latin typeface="JetBrains Mono"/>
+              </a:rPr>
+              <a:t>aws</a:t>
+            </a:r>
+            <a:r>
+              <a:rPr kumimoji="0" lang="de-DE" altLang="de-DE" sz="2000" b="0" i="0" u="none" strike="noStrike" cap="none" normalizeH="0" baseline="0" dirty="0" smtClean="0">
+                <a:ln>
+                  <a:noFill/>
+                </a:ln>
+                <a:solidFill>
+                  <a:srgbClr val="89CA78"/>
+                </a:solidFill>
+                <a:effectLst/>
+                <a:latin typeface="JetBrains Mono"/>
+              </a:rPr>
+              <a:t>"</a:t>
+            </a:r>
+            <a:br>
+              <a:rPr kumimoji="0" lang="de-DE" altLang="de-DE" sz="2000" b="0" i="0" u="none" strike="noStrike" cap="none" normalizeH="0" baseline="0" dirty="0" smtClean="0">
+                <a:ln>
+                  <a:noFill/>
+                </a:ln>
+                <a:solidFill>
+                  <a:srgbClr val="89CA78"/>
+                </a:solidFill>
+                <a:effectLst/>
+                <a:latin typeface="JetBrains Mono"/>
+              </a:rPr>
+            </a:br>
+            <a:r>
+              <a:rPr kumimoji="0" lang="de-DE" altLang="de-DE" sz="2000" b="0" i="0" u="none" strike="noStrike" cap="none" normalizeH="0" baseline="0" dirty="0" smtClean="0">
+                <a:ln>
+                  <a:noFill/>
+                </a:ln>
+                <a:solidFill>
+                  <a:srgbClr val="89CA78"/>
+                </a:solidFill>
+                <a:effectLst/>
+                <a:latin typeface="JetBrains Mono"/>
+              </a:rPr>
+              <a:t>  </a:t>
+            </a:r>
+            <a:r>
+              <a:rPr kumimoji="0" lang="de-DE" altLang="de-DE" sz="2000" b="0" i="0" u="none" strike="noStrike" cap="none" normalizeH="0" baseline="0" dirty="0" err="1" smtClean="0">
+                <a:ln>
+                  <a:noFill/>
+                </a:ln>
+                <a:solidFill>
+                  <a:srgbClr val="EF596F"/>
+                </a:solidFill>
+                <a:effectLst/>
+                <a:latin typeface="JetBrains Mono"/>
+              </a:rPr>
+              <a:t>version</a:t>
+            </a:r>
+            <a:r>
+              <a:rPr kumimoji="0" lang="de-DE" altLang="de-DE" sz="2000" b="0" i="0" u="none" strike="noStrike" cap="none" normalizeH="0" baseline="0" dirty="0" smtClean="0">
+                <a:ln>
+                  <a:noFill/>
+                </a:ln>
+                <a:solidFill>
+                  <a:srgbClr val="EF596F"/>
+                </a:solidFill>
+                <a:effectLst/>
+                <a:latin typeface="JetBrains Mono"/>
+              </a:rPr>
+              <a:t> </a:t>
             </a:r>
             <a:r>
               <a:rPr kumimoji="0" lang="de-DE" altLang="de-DE" sz="2000" b="0" i="0" u="none" strike="noStrike" cap="none" normalizeH="0" baseline="0" dirty="0" smtClean="0">
@@ -3899,7 +4464,20 @@
                 <a:effectLst/>
                 <a:latin typeface="JetBrains Mono"/>
               </a:rPr>
-              <a:t>{</a:t>
+              <a:t>= </a:t>
+            </a:r>
+            <a:r>
+              <a:rPr kumimoji="0" lang="de-DE" altLang="de-DE" sz="2000" b="0" i="0" u="none" strike="noStrike" cap="none" normalizeH="0" baseline="0" dirty="0" smtClean="0">
+                <a:ln>
+                  <a:noFill/>
+                </a:ln>
+                <a:solidFill>
+                  <a:srgbClr val="89CA78"/>
+                </a:solidFill>
+                <a:effectLst/>
+                <a:latin typeface="JetBrains Mono"/>
+              </a:rPr>
+              <a:t>"~&gt; 2.11.1"</a:t>
             </a:r>
             <a:br>
               <a:rPr kumimoji="0" lang="de-DE" altLang="de-DE" sz="2000" b="0" i="0" u="none" strike="noStrike" cap="none" normalizeH="0" baseline="0" dirty="0" smtClean="0">
@@ -3907,11 +4485,139 @@
                   <a:noFill/>
                 </a:ln>
                 <a:solidFill>
+                  <a:srgbClr val="89CA78"/>
+                </a:solidFill>
+                <a:effectLst/>
+                <a:latin typeface="JetBrains Mono"/>
+              </a:rPr>
+            </a:br>
+            <a:r>
+              <a:rPr kumimoji="0" lang="de-DE" altLang="de-DE" sz="2000" b="0" i="0" u="none" strike="noStrike" cap="none" normalizeH="0" baseline="0" dirty="0" smtClean="0">
+                <a:ln>
+                  <a:noFill/>
+                </a:ln>
+                <a:solidFill>
+                  <a:srgbClr val="89CA78"/>
+                </a:solidFill>
+                <a:effectLst/>
+                <a:latin typeface="JetBrains Mono"/>
+              </a:rPr>
+              <a:t/>
+            </a:r>
+            <a:br>
+              <a:rPr kumimoji="0" lang="de-DE" altLang="de-DE" sz="2000" b="0" i="0" u="none" strike="noStrike" cap="none" normalizeH="0" baseline="0" dirty="0" smtClean="0">
+                <a:ln>
+                  <a:noFill/>
+                </a:ln>
+                <a:solidFill>
+                  <a:srgbClr val="89CA78"/>
+                </a:solidFill>
+                <a:effectLst/>
+                <a:latin typeface="JetBrains Mono"/>
+              </a:rPr>
+            </a:br>
+            <a:r>
+              <a:rPr kumimoji="0" lang="de-DE" altLang="de-DE" sz="2000" b="0" i="0" u="none" strike="noStrike" cap="none" normalizeH="0" baseline="0" dirty="0" smtClean="0">
+                <a:ln>
+                  <a:noFill/>
+                </a:ln>
+                <a:solidFill>
+                  <a:srgbClr val="89CA78"/>
+                </a:solidFill>
+                <a:effectLst/>
+                <a:latin typeface="JetBrains Mono"/>
+              </a:rPr>
+              <a:t>  </a:t>
+            </a:r>
+            <a:r>
+              <a:rPr kumimoji="0" lang="de-DE" altLang="de-DE" sz="2000" b="0" i="0" u="none" strike="noStrike" cap="none" normalizeH="0" baseline="0" dirty="0" err="1" smtClean="0">
+                <a:ln>
+                  <a:noFill/>
+                </a:ln>
+                <a:solidFill>
+                  <a:srgbClr val="EF596F"/>
+                </a:solidFill>
+                <a:effectLst/>
+                <a:latin typeface="JetBrains Mono"/>
+              </a:rPr>
+              <a:t>bucket</a:t>
+            </a:r>
+            <a:r>
+              <a:rPr kumimoji="0" lang="de-DE" altLang="de-DE" sz="2000" b="0" i="0" u="none" strike="noStrike" cap="none" normalizeH="0" baseline="0" dirty="0" smtClean="0">
+                <a:ln>
+                  <a:noFill/>
+                </a:ln>
+                <a:solidFill>
+                  <a:srgbClr val="EF596F"/>
+                </a:solidFill>
+                <a:effectLst/>
+                <a:latin typeface="JetBrains Mono"/>
+              </a:rPr>
+              <a:t> </a:t>
+            </a:r>
+            <a:r>
+              <a:rPr kumimoji="0" lang="de-DE" altLang="de-DE" sz="2000" b="0" i="0" u="none" strike="noStrike" cap="none" normalizeH="0" baseline="0" dirty="0" smtClean="0">
+                <a:ln>
+                  <a:noFill/>
+                </a:ln>
+                <a:solidFill>
                   <a:srgbClr val="BBBBBB"/>
                 </a:solidFill>
                 <a:effectLst/>
                 <a:latin typeface="JetBrains Mono"/>
               </a:rPr>
+              <a:t>= </a:t>
+            </a:r>
+            <a:r>
+              <a:rPr kumimoji="0" lang="de-DE" altLang="de-DE" sz="2000" b="0" i="0" u="none" strike="noStrike" cap="none" normalizeH="0" baseline="0" dirty="0" err="1" smtClean="0">
+                <a:ln>
+                  <a:noFill/>
+                </a:ln>
+                <a:solidFill>
+                  <a:srgbClr val="BBBBBB"/>
+                </a:solidFill>
+                <a:effectLst/>
+                <a:latin typeface="JetBrains Mono"/>
+              </a:rPr>
+              <a:t>var.</a:t>
+            </a:r>
+            <a:r>
+              <a:rPr kumimoji="0" lang="de-DE" altLang="de-DE" sz="2000" b="0" i="0" u="none" strike="noStrike" cap="none" normalizeH="0" baseline="0" dirty="0" err="1" smtClean="0">
+                <a:ln>
+                  <a:noFill/>
+                </a:ln>
+                <a:solidFill>
+                  <a:srgbClr val="EF596F"/>
+                </a:solidFill>
+                <a:effectLst/>
+                <a:latin typeface="JetBrains Mono"/>
+              </a:rPr>
+              <a:t>demo_bucket</a:t>
+            </a:r>
+            <a:r>
+              <a:rPr kumimoji="0" lang="de-DE" altLang="de-DE" sz="2000" b="0" i="0" u="none" strike="noStrike" cap="none" normalizeH="0" baseline="0" dirty="0" smtClean="0">
+                <a:ln>
+                  <a:noFill/>
+                </a:ln>
+                <a:solidFill>
+                  <a:srgbClr val="EF596F"/>
+                </a:solidFill>
+                <a:effectLst/>
+                <a:latin typeface="JetBrains Mono"/>
+              </a:rPr>
+              <a:t/>
+            </a:r>
+            <a:br>
+              <a:rPr kumimoji="0" lang="de-DE" altLang="de-DE" sz="2000" b="0" i="0" u="none" strike="noStrike" cap="none" normalizeH="0" baseline="0" dirty="0" smtClean="0">
+                <a:ln>
+                  <a:noFill/>
+                </a:ln>
+                <a:solidFill>
+                  <a:srgbClr val="EF596F"/>
+                </a:solidFill>
+                <a:effectLst/>
+                <a:latin typeface="JetBrains Mono"/>
+              </a:rPr>
             </a:br>
             <a:r>
               <a:rPr kumimoji="0" lang="de-DE" altLang="de-DE" sz="2000" b="0" i="0" u="none" strike="noStrike" cap="none" normalizeH="0" baseline="0" dirty="0" smtClean="0">
@@ -3919,14 +4625,142 @@
                   <a:noFill/>
                 </a:ln>
                 <a:solidFill>
+                  <a:srgbClr val="EF596F"/>
+                </a:solidFill>
+                <a:effectLst/>
+                <a:latin typeface="JetBrains Mono"/>
+              </a:rPr>
+              <a:t>  </a:t>
+            </a:r>
+            <a:r>
+              <a:rPr kumimoji="0" lang="de-DE" altLang="de-DE" sz="2000" b="0" i="0" u="none" strike="noStrike" cap="none" normalizeH="0" baseline="0" dirty="0" err="1" smtClean="0">
+                <a:ln>
+                  <a:noFill/>
+                </a:ln>
+                <a:solidFill>
+                  <a:srgbClr val="EF596F"/>
+                </a:solidFill>
+                <a:effectLst/>
+                <a:latin typeface="JetBrains Mono"/>
+              </a:rPr>
+              <a:t>acl</a:t>
+            </a:r>
+            <a:r>
+              <a:rPr kumimoji="0" lang="de-DE" altLang="de-DE" sz="2000" b="0" i="0" u="none" strike="noStrike" cap="none" normalizeH="0" baseline="0" dirty="0" smtClean="0">
+                <a:ln>
+                  <a:noFill/>
+                </a:ln>
+                <a:solidFill>
+                  <a:srgbClr val="EF596F"/>
+                </a:solidFill>
+                <a:effectLst/>
+                <a:latin typeface="JetBrains Mono"/>
+              </a:rPr>
+              <a:t>    </a:t>
+            </a:r>
+            <a:r>
+              <a:rPr kumimoji="0" lang="de-DE" altLang="de-DE" sz="2000" b="0" i="0" u="none" strike="noStrike" cap="none" normalizeH="0" baseline="0" dirty="0" smtClean="0">
+                <a:ln>
+                  <a:noFill/>
+                </a:ln>
+                <a:solidFill>
                   <a:srgbClr val="BBBBBB"/>
                 </a:solidFill>
                 <a:effectLst/>
                 <a:latin typeface="JetBrains Mono"/>
               </a:rPr>
+              <a:t>= </a:t>
+            </a:r>
+            <a:r>
+              <a:rPr kumimoji="0" lang="de-DE" altLang="de-DE" sz="2000" b="0" i="0" u="none" strike="noStrike" cap="none" normalizeH="0" baseline="0" dirty="0" smtClean="0">
+                <a:ln>
+                  <a:noFill/>
+                </a:ln>
+                <a:solidFill>
+                  <a:srgbClr val="89CA78"/>
+                </a:solidFill>
+                <a:effectLst/>
+                <a:latin typeface="JetBrains Mono"/>
+              </a:rPr>
+              <a:t>"private"</a:t>
+            </a:r>
+            <a:br>
+              <a:rPr kumimoji="0" lang="de-DE" altLang="de-DE" sz="2000" b="0" i="0" u="none" strike="noStrike" cap="none" normalizeH="0" baseline="0" dirty="0" smtClean="0">
+                <a:ln>
+                  <a:noFill/>
+                </a:ln>
+                <a:solidFill>
+                  <a:srgbClr val="89CA78"/>
+                </a:solidFill>
+                <a:effectLst/>
+                <a:latin typeface="JetBrains Mono"/>
+              </a:rPr>
+            </a:br>
+            <a:r>
+              <a:rPr kumimoji="0" lang="de-DE" altLang="de-DE" sz="2000" b="0" i="0" u="none" strike="noStrike" cap="none" normalizeH="0" baseline="0" dirty="0" smtClean="0">
+                <a:ln>
+                  <a:noFill/>
+                </a:ln>
+                <a:solidFill>
+                  <a:srgbClr val="89CA78"/>
+                </a:solidFill>
+                <a:effectLst/>
+                <a:latin typeface="JetBrains Mono"/>
+              </a:rPr>
               <a:t>  </a:t>
             </a:r>
             <a:r>
+              <a:rPr kumimoji="0" lang="de-DE" altLang="de-DE" sz="2000" b="0" i="0" u="none" strike="noStrike" cap="none" normalizeH="0" baseline="0" dirty="0" smtClean="0">
+                <a:ln>
+                  <a:noFill/>
+                </a:ln>
+                <a:solidFill>
+                  <a:srgbClr val="EF596F"/>
+                </a:solidFill>
+                <a:effectLst/>
+                <a:latin typeface="JetBrains Mono"/>
+              </a:rPr>
+              <a:t>tags   </a:t>
+            </a:r>
+            <a:r>
+              <a:rPr kumimoji="0" lang="de-DE" altLang="de-DE" sz="2000" b="0" i="0" u="none" strike="noStrike" cap="none" normalizeH="0" baseline="0" dirty="0" smtClean="0">
+                <a:ln>
+                  <a:noFill/>
+                </a:ln>
+                <a:solidFill>
+                  <a:srgbClr val="BBBBBB"/>
+                </a:solidFill>
+                <a:effectLst/>
+                <a:latin typeface="JetBrains Mono"/>
+              </a:rPr>
+              <a:t>= {</a:t>
+            </a:r>
+            <a:br>
+              <a:rPr kumimoji="0" lang="de-DE" altLang="de-DE" sz="2000" b="0" i="0" u="none" strike="noStrike" cap="none" normalizeH="0" baseline="0" dirty="0" smtClean="0">
+                <a:ln>
+                  <a:noFill/>
+                </a:ln>
+                <a:solidFill>
+                  <a:srgbClr val="BBBBBB"/>
+                </a:solidFill>
+                <a:effectLst/>
+                <a:latin typeface="JetBrains Mono"/>
+              </a:rPr>
+            </a:br>
+            <a:r>
+              <a:rPr kumimoji="0" lang="de-DE" altLang="de-DE" sz="2000" b="0" i="0" u="none" strike="noStrike" cap="none" normalizeH="0" baseline="0" dirty="0" smtClean="0">
+                <a:ln>
+                  <a:noFill/>
+                </a:ln>
+                <a:solidFill>
+                  <a:srgbClr val="BBBBBB"/>
+                </a:solidFill>
+                <a:effectLst/>
+                <a:latin typeface="JetBrains Mono"/>
+              </a:rPr>
+              <a:t>    </a:t>
+            </a:r>
+            <a:r>
               <a:rPr kumimoji="0" lang="de-DE" altLang="de-DE" sz="2000" b="0" i="0" u="none" strike="noStrike" cap="none" normalizeH="0" baseline="0" dirty="0" err="1" smtClean="0">
                 <a:ln>
                   <a:noFill/>
@@ -3937,7 +4771,7 @@
                 <a:effectLst/>
                 <a:latin typeface="JetBrains Mono"/>
               </a:rPr>
-              <a:t>source</a:t>
+              <a:t>name</a:t>
             </a:r>
             <a:r>
               <a:rPr kumimoji="0" lang="de-DE" altLang="de-DE" sz="2000" b="0" i="0" u="none" strike="noStrike" cap="none" normalizeH="0" baseline="0" dirty="0" smtClean="0">
@@ -3966,43 +4800,43 @@
               <a:t>= </a:t>
             </a:r>
             <a:r>
-              <a:rPr kumimoji="0" lang="de-DE" altLang="de-DE" sz="2000" b="0" i="0" u="none" strike="noStrike" cap="none" normalizeH="0" baseline="0" dirty="0" smtClean="0">
-                <a:ln>
-                  <a:noFill/>
-                </a:ln>
-                <a:solidFill>
-                  <a:srgbClr val="89CA78"/>
-                </a:solidFill>
-                <a:effectLst/>
-                <a:latin typeface="JetBrains Mono"/>
-              </a:rPr>
-              <a:t>"./</a:t>
-            </a:r>
-            <a:r>
               <a:rPr kumimoji="0" lang="de-DE" altLang="de-DE" sz="2000" b="0" i="0" u="none" strike="noStrike" cap="none" normalizeH="0" baseline="0" dirty="0" err="1" smtClean="0">
                 <a:ln>
                   <a:noFill/>
                 </a:ln>
                 <a:solidFill>
-                  <a:srgbClr val="89CA78"/>
-                </a:solidFill>
-                <a:effectLst/>
-                <a:latin typeface="JetBrains Mono"/>
-              </a:rPr>
-              <a:t>documentdb</a:t>
-            </a:r>
-            <a:r>
-              <a:rPr kumimoji="0" lang="de-DE" altLang="de-DE" sz="2000" b="0" i="0" u="none" strike="noStrike" cap="none" normalizeH="0" baseline="0" dirty="0" smtClean="0">
-                <a:ln>
-                  <a:noFill/>
-                </a:ln>
-                <a:solidFill>
-                  <a:srgbClr val="89CA78"/>
-                </a:solidFill>
-                <a:effectLst/>
-                <a:latin typeface="JetBrains Mono"/>
-              </a:rPr>
-              <a:t>"</a:t>
+                  <a:srgbClr val="BBBBBB"/>
+                </a:solidFill>
+                <a:effectLst/>
+                <a:latin typeface="JetBrains Mono"/>
+              </a:rPr>
+              <a:t>var.</a:t>
+            </a:r>
+            <a:r>
+              <a:rPr kumimoji="0" lang="de-DE" altLang="de-DE" sz="2000" b="0" i="0" u="none" strike="noStrike" cap="none" normalizeH="0" baseline="0" dirty="0" err="1" smtClean="0">
+                <a:ln>
+                  <a:noFill/>
+                </a:ln>
+                <a:solidFill>
+                  <a:srgbClr val="EF596F"/>
+                </a:solidFill>
+                <a:effectLst/>
+                <a:latin typeface="JetBrains Mono"/>
+              </a:rPr>
+              <a:t>demo_bucket</a:t>
+            </a:r>
+            <a:r>
+              <a:rPr kumimoji="0" lang="de-DE" altLang="de-DE" sz="2000" b="0" i="0" u="none" strike="noStrike" cap="none" normalizeH="0" baseline="0" dirty="0" smtClean="0">
+                <a:ln>
+                  <a:noFill/>
+                </a:ln>
+                <a:solidFill>
+                  <a:srgbClr val="EF596F"/>
+                </a:solidFill>
+                <a:effectLst/>
+                <a:latin typeface="JetBrains Mono"/>
+              </a:rPr>
+              <a:t/>
             </a:r>
             <a:br>
               <a:rPr kumimoji="0" lang="de-DE" altLang="de-DE" sz="2000" b="0" i="0" u="none" strike="noStrike" cap="none" normalizeH="0" baseline="0" dirty="0" smtClean="0">
@@ -4010,7 +4844,7 @@
                   <a:noFill/>
                 </a:ln>
                 <a:solidFill>
-                  <a:srgbClr val="89CA78"/>
+                  <a:srgbClr val="EF596F"/>
                 </a:solidFill>
                 <a:effectLst/>
                 <a:latin typeface="JetBrains Mono"/>
@@ -4022,7 +4856,7 @@
                   <a:noFill/>
                 </a:ln>
                 <a:solidFill>
-                  <a:srgbClr val="89CA78"/>
+                  <a:srgbClr val="EF596F"/>
                 </a:solidFill>
                 <a:effectLst/>
                 <a:latin typeface="JetBrains Mono"/>
@@ -4030,32 +4864,6 @@
               <a:t>  </a:t>
             </a:r>
             <a:r>
-              <a:rPr kumimoji="0" lang="de-DE" altLang="de-DE" sz="2000" b="0" i="0" u="none" strike="noStrike" cap="none" normalizeH="0" baseline="0" dirty="0" err="1" smtClean="0">
-                <a:ln>
-                  <a:noFill/>
-                </a:ln>
-                <a:solidFill>
-                  <a:srgbClr val="EF596F"/>
-                </a:solidFill>
-                <a:effectLst/>
-                <a:latin typeface="JetBrains Mono"/>
-              </a:rPr>
-              <a:t>project</a:t>
-            </a:r>
-            <a:r>
-              <a:rPr kumimoji="0" lang="de-DE" altLang="de-DE" sz="2000" b="0" i="0" u="none" strike="noStrike" cap="none" normalizeH="0" baseline="0" dirty="0" smtClean="0">
-                <a:ln>
-                  <a:noFill/>
-                </a:ln>
-                <a:solidFill>
-                  <a:srgbClr val="EF596F"/>
-                </a:solidFill>
-                <a:effectLst/>
-                <a:latin typeface="JetBrains Mono"/>
-              </a:rPr>
-              <a:t> </a:t>
-            </a:r>
-            <a:r>
               <a:rPr kumimoji="0" lang="de-DE" altLang="de-DE" sz="2000" b="0" i="0" u="none" strike="noStrike" cap="none" normalizeH="0" baseline="0" dirty="0" smtClean="0">
                 <a:ln>
                   <a:noFill/>
@@ -4066,1070 +4874,15 @@
                 <a:effectLst/>
                 <a:latin typeface="JetBrains Mono"/>
               </a:rPr>
-              <a:t>= </a:t>
-            </a:r>
-            <a:r>
-              <a:rPr kumimoji="0" lang="de-DE" altLang="de-DE" sz="2000" b="0" i="0" u="none" strike="noStrike" cap="none" normalizeH="0" baseline="0" dirty="0" err="1" smtClean="0">
+              <a:t>}</a:t>
+            </a:r>
+            <a:br>
+              <a:rPr kumimoji="0" lang="de-DE" altLang="de-DE" sz="2000" b="0" i="0" u="none" strike="noStrike" cap="none" normalizeH="0" baseline="0" dirty="0" smtClean="0">
                 <a:ln>
                   <a:noFill/>
                 </a:ln>
                 <a:solidFill>
                   <a:srgbClr val="BBBBBB"/>
-                </a:solidFill>
-                <a:effectLst/>
-                <a:latin typeface="JetBrains Mono"/>
-              </a:rPr>
-              <a:t>local.</a:t>
-            </a:r>
-            <a:r>
-              <a:rPr kumimoji="0" lang="de-DE" altLang="de-DE" sz="2000" b="0" i="0" u="none" strike="noStrike" cap="none" normalizeH="0" baseline="0" dirty="0" err="1" smtClean="0">
-                <a:ln>
-                  <a:noFill/>
-                </a:ln>
-                <a:solidFill>
-                  <a:srgbClr val="EF596F"/>
-                </a:solidFill>
-                <a:effectLst/>
-                <a:latin typeface="JetBrains Mono"/>
-              </a:rPr>
-              <a:t>project</a:t>
-            </a:r>
-            <a:r>
-              <a:rPr kumimoji="0" lang="de-DE" altLang="de-DE" sz="2000" b="0" i="0" u="none" strike="noStrike" cap="none" normalizeH="0" baseline="0" dirty="0" smtClean="0">
-                <a:ln>
-                  <a:noFill/>
-                </a:ln>
-                <a:solidFill>
-                  <a:srgbClr val="EF596F"/>
-                </a:solidFill>
-                <a:effectLst/>
-                <a:latin typeface="JetBrains Mono"/>
-              </a:rPr>
-              <a:t/>
-            </a:r>
-            <a:br>
-              <a:rPr kumimoji="0" lang="de-DE" altLang="de-DE" sz="2000" b="0" i="0" u="none" strike="noStrike" cap="none" normalizeH="0" baseline="0" dirty="0" smtClean="0">
-                <a:ln>
-                  <a:noFill/>
-                </a:ln>
-                <a:solidFill>
-                  <a:srgbClr val="EF596F"/>
-                </a:solidFill>
-                <a:effectLst/>
-                <a:latin typeface="JetBrains Mono"/>
-              </a:rPr>
-            </a:br>
-            <a:r>
-              <a:rPr kumimoji="0" lang="de-DE" altLang="de-DE" sz="2000" b="0" i="0" u="none" strike="noStrike" cap="none" normalizeH="0" baseline="0" dirty="0" smtClean="0">
-                <a:ln>
-                  <a:noFill/>
-                </a:ln>
-                <a:solidFill>
-                  <a:srgbClr val="EF596F"/>
-                </a:solidFill>
-                <a:effectLst/>
-                <a:latin typeface="JetBrains Mono"/>
-              </a:rPr>
-              <a:t>  </a:t>
-            </a:r>
-            <a:r>
-              <a:rPr kumimoji="0" lang="de-DE" altLang="de-DE" sz="2000" b="0" i="0" u="none" strike="noStrike" cap="none" normalizeH="0" baseline="0" dirty="0" err="1" smtClean="0">
-                <a:ln>
-                  <a:noFill/>
-                </a:ln>
-                <a:solidFill>
-                  <a:srgbClr val="EF596F"/>
-                </a:solidFill>
-                <a:effectLst/>
-                <a:latin typeface="JetBrains Mono"/>
-              </a:rPr>
-              <a:t>env</a:t>
-            </a:r>
-            <a:r>
-              <a:rPr kumimoji="0" lang="de-DE" altLang="de-DE" sz="2000" b="0" i="0" u="none" strike="noStrike" cap="none" normalizeH="0" baseline="0" dirty="0" smtClean="0">
-                <a:ln>
-                  <a:noFill/>
-                </a:ln>
-                <a:solidFill>
-                  <a:srgbClr val="EF596F"/>
-                </a:solidFill>
-                <a:effectLst/>
-                <a:latin typeface="JetBrains Mono"/>
-              </a:rPr>
-              <a:t>     </a:t>
-            </a:r>
-            <a:r>
-              <a:rPr kumimoji="0" lang="de-DE" altLang="de-DE" sz="2000" b="0" i="0" u="none" strike="noStrike" cap="none" normalizeH="0" baseline="0" dirty="0" smtClean="0">
-                <a:ln>
-                  <a:noFill/>
-                </a:ln>
-                <a:solidFill>
-                  <a:srgbClr val="BBBBBB"/>
-                </a:solidFill>
-                <a:effectLst/>
-                <a:latin typeface="JetBrains Mono"/>
-              </a:rPr>
-              <a:t>= </a:t>
-            </a:r>
-            <a:r>
-              <a:rPr kumimoji="0" lang="de-DE" altLang="de-DE" sz="2000" b="0" i="0" u="none" strike="noStrike" cap="none" normalizeH="0" baseline="0" dirty="0" err="1" smtClean="0">
-                <a:ln>
-                  <a:noFill/>
-                </a:ln>
-                <a:solidFill>
-                  <a:srgbClr val="BBBBBB"/>
-                </a:solidFill>
-                <a:effectLst/>
-                <a:latin typeface="JetBrains Mono"/>
-              </a:rPr>
-              <a:t>local.</a:t>
-            </a:r>
-            <a:r>
-              <a:rPr kumimoji="0" lang="de-DE" altLang="de-DE" sz="2000" b="0" i="0" u="none" strike="noStrike" cap="none" normalizeH="0" baseline="0" dirty="0" err="1" smtClean="0">
-                <a:ln>
-                  <a:noFill/>
-                </a:ln>
-                <a:solidFill>
-                  <a:srgbClr val="EF596F"/>
-                </a:solidFill>
-                <a:effectLst/>
-                <a:latin typeface="JetBrains Mono"/>
-              </a:rPr>
-              <a:t>env</a:t>
-            </a:r>
-            <a:r>
-              <a:rPr kumimoji="0" lang="de-DE" altLang="de-DE" sz="2000" b="0" i="0" u="none" strike="noStrike" cap="none" normalizeH="0" baseline="0" dirty="0" smtClean="0">
-                <a:ln>
-                  <a:noFill/>
-                </a:ln>
-                <a:solidFill>
-                  <a:srgbClr val="EF596F"/>
-                </a:solidFill>
-                <a:effectLst/>
-                <a:latin typeface="JetBrains Mono"/>
-              </a:rPr>
-              <a:t/>
-            </a:r>
-            <a:br>
-              <a:rPr kumimoji="0" lang="de-DE" altLang="de-DE" sz="2000" b="0" i="0" u="none" strike="noStrike" cap="none" normalizeH="0" baseline="0" dirty="0" smtClean="0">
-                <a:ln>
-                  <a:noFill/>
-                </a:ln>
-                <a:solidFill>
-                  <a:srgbClr val="EF596F"/>
-                </a:solidFill>
-                <a:effectLst/>
-                <a:latin typeface="JetBrains Mono"/>
-              </a:rPr>
-            </a:br>
-            <a:r>
-              <a:rPr kumimoji="0" lang="de-DE" altLang="de-DE" sz="2000" b="0" i="0" u="none" strike="noStrike" cap="none" normalizeH="0" baseline="0" dirty="0" smtClean="0">
-                <a:ln>
-                  <a:noFill/>
-                </a:ln>
-                <a:solidFill>
-                  <a:srgbClr val="EF596F"/>
-                </a:solidFill>
-                <a:effectLst/>
-                <a:latin typeface="JetBrains Mono"/>
-              </a:rPr>
-              <a:t>  tags    </a:t>
-            </a:r>
-            <a:r>
-              <a:rPr kumimoji="0" lang="de-DE" altLang="de-DE" sz="2000" b="0" i="0" u="none" strike="noStrike" cap="none" normalizeH="0" baseline="0" dirty="0" smtClean="0">
-                <a:ln>
-                  <a:noFill/>
-                </a:ln>
-                <a:solidFill>
-                  <a:srgbClr val="BBBBBB"/>
-                </a:solidFill>
-                <a:effectLst/>
-                <a:latin typeface="JetBrains Mono"/>
-              </a:rPr>
-              <a:t>= </a:t>
-            </a:r>
-            <a:r>
-              <a:rPr kumimoji="0" lang="de-DE" altLang="de-DE" sz="2000" b="0" i="0" u="none" strike="noStrike" cap="none" normalizeH="0" baseline="0" dirty="0" err="1" smtClean="0">
-                <a:ln>
-                  <a:noFill/>
-                </a:ln>
-                <a:solidFill>
-                  <a:srgbClr val="BBBBBB"/>
-                </a:solidFill>
-                <a:effectLst/>
-                <a:latin typeface="JetBrains Mono"/>
-              </a:rPr>
-              <a:t>local.</a:t>
-            </a:r>
-            <a:r>
-              <a:rPr kumimoji="0" lang="de-DE" altLang="de-DE" sz="2000" b="0" i="0" u="none" strike="noStrike" cap="none" normalizeH="0" baseline="0" dirty="0" err="1" smtClean="0">
-                <a:ln>
-                  <a:noFill/>
-                </a:ln>
-                <a:solidFill>
-                  <a:srgbClr val="EF596F"/>
-                </a:solidFill>
-                <a:effectLst/>
-                <a:latin typeface="JetBrains Mono"/>
-              </a:rPr>
-              <a:t>tags</a:t>
-            </a:r>
-            <a:r>
-              <a:rPr kumimoji="0" lang="de-DE" altLang="de-DE" sz="2000" b="0" i="0" u="none" strike="noStrike" cap="none" normalizeH="0" baseline="0" dirty="0" smtClean="0">
-                <a:ln>
-                  <a:noFill/>
-                </a:ln>
-                <a:solidFill>
-                  <a:srgbClr val="EF596F"/>
-                </a:solidFill>
-                <a:effectLst/>
-                <a:latin typeface="JetBrains Mono"/>
-              </a:rPr>
-              <a:t/>
-            </a:r>
-            <a:br>
-              <a:rPr kumimoji="0" lang="de-DE" altLang="de-DE" sz="2000" b="0" i="0" u="none" strike="noStrike" cap="none" normalizeH="0" baseline="0" dirty="0" smtClean="0">
-                <a:ln>
-                  <a:noFill/>
-                </a:ln>
-                <a:solidFill>
-                  <a:srgbClr val="EF596F"/>
-                </a:solidFill>
-                <a:effectLst/>
-                <a:latin typeface="JetBrains Mono"/>
-              </a:rPr>
-            </a:br>
-            <a:r>
-              <a:rPr kumimoji="0" lang="de-DE" altLang="de-DE" sz="2000" b="0" i="0" u="none" strike="noStrike" cap="none" normalizeH="0" baseline="0" dirty="0" smtClean="0">
-                <a:ln>
-                  <a:noFill/>
-                </a:ln>
-                <a:solidFill>
-                  <a:srgbClr val="EF596F"/>
-                </a:solidFill>
-                <a:effectLst/>
-                <a:latin typeface="JetBrains Mono"/>
-              </a:rPr>
-              <a:t>  </a:t>
-            </a:r>
-            <a:r>
-              <a:rPr kumimoji="0" lang="de-DE" altLang="de-DE" sz="2000" b="0" i="0" u="none" strike="noStrike" cap="none" normalizeH="0" baseline="0" dirty="0" err="1" smtClean="0">
-                <a:ln>
-                  <a:noFill/>
-                </a:ln>
-                <a:solidFill>
-                  <a:srgbClr val="EF596F"/>
-                </a:solidFill>
-                <a:effectLst/>
-                <a:latin typeface="JetBrains Mono"/>
-              </a:rPr>
-              <a:t>region</a:t>
-            </a:r>
-            <a:r>
-              <a:rPr kumimoji="0" lang="de-DE" altLang="de-DE" sz="2000" b="0" i="0" u="none" strike="noStrike" cap="none" normalizeH="0" baseline="0" dirty="0" smtClean="0">
-                <a:ln>
-                  <a:noFill/>
-                </a:ln>
-                <a:solidFill>
-                  <a:srgbClr val="EF596F"/>
-                </a:solidFill>
-                <a:effectLst/>
-                <a:latin typeface="JetBrains Mono"/>
-              </a:rPr>
-              <a:t> </a:t>
-            </a:r>
-            <a:r>
-              <a:rPr kumimoji="0" lang="de-DE" altLang="de-DE" sz="2000" b="0" i="0" u="none" strike="noStrike" cap="none" normalizeH="0" baseline="0" dirty="0" smtClean="0">
-                <a:ln>
-                  <a:noFill/>
-                </a:ln>
-                <a:solidFill>
-                  <a:srgbClr val="BBBBBB"/>
-                </a:solidFill>
-                <a:effectLst/>
-                <a:latin typeface="JetBrains Mono"/>
-              </a:rPr>
-              <a:t>= </a:t>
-            </a:r>
-            <a:r>
-              <a:rPr kumimoji="0" lang="de-DE" altLang="de-DE" sz="2000" b="0" i="0" u="none" strike="noStrike" cap="none" normalizeH="0" baseline="0" dirty="0" err="1" smtClean="0">
-                <a:ln>
-                  <a:noFill/>
-                </a:ln>
-                <a:solidFill>
-                  <a:srgbClr val="BBBBBB"/>
-                </a:solidFill>
-                <a:effectLst/>
-                <a:latin typeface="JetBrains Mono"/>
-              </a:rPr>
-              <a:t>local.</a:t>
-            </a:r>
-            <a:r>
-              <a:rPr kumimoji="0" lang="de-DE" altLang="de-DE" sz="2000" b="0" i="0" u="none" strike="noStrike" cap="none" normalizeH="0" baseline="0" dirty="0" err="1" smtClean="0">
-                <a:ln>
-                  <a:noFill/>
-                </a:ln>
-                <a:solidFill>
-                  <a:srgbClr val="EF596F"/>
-                </a:solidFill>
-                <a:effectLst/>
-                <a:latin typeface="JetBrains Mono"/>
-              </a:rPr>
-              <a:t>region</a:t>
-            </a:r>
-            <a:r>
-              <a:rPr kumimoji="0" lang="de-DE" altLang="de-DE" sz="2000" b="0" i="0" u="none" strike="noStrike" cap="none" normalizeH="0" baseline="0" dirty="0" smtClean="0">
-                <a:ln>
-                  <a:noFill/>
-                </a:ln>
-                <a:solidFill>
-                  <a:srgbClr val="EF596F"/>
-                </a:solidFill>
-                <a:effectLst/>
-                <a:latin typeface="JetBrains Mono"/>
-              </a:rPr>
-              <a:t/>
-            </a:r>
-            <a:br>
-              <a:rPr kumimoji="0" lang="de-DE" altLang="de-DE" sz="2000" b="0" i="0" u="none" strike="noStrike" cap="none" normalizeH="0" baseline="0" dirty="0" smtClean="0">
-                <a:ln>
-                  <a:noFill/>
-                </a:ln>
-                <a:solidFill>
-                  <a:srgbClr val="EF596F"/>
-                </a:solidFill>
-                <a:effectLst/>
-                <a:latin typeface="JetBrains Mono"/>
-              </a:rPr>
-            </a:br>
-            <a:r>
-              <a:rPr kumimoji="0" lang="de-DE" altLang="de-DE" sz="2000" b="0" i="0" u="none" strike="noStrike" cap="none" normalizeH="0" baseline="0" dirty="0" smtClean="0">
-                <a:ln>
-                  <a:noFill/>
-                </a:ln>
-                <a:solidFill>
-                  <a:srgbClr val="EF596F"/>
-                </a:solidFill>
-                <a:effectLst/>
-                <a:latin typeface="JetBrains Mono"/>
-              </a:rPr>
-              <a:t>  </a:t>
-            </a:r>
-            <a:r>
-              <a:rPr kumimoji="0" lang="de-DE" altLang="de-DE" sz="2000" b="0" i="0" u="none" strike="noStrike" cap="none" normalizeH="0" baseline="0" dirty="0" err="1" smtClean="0">
-                <a:ln>
-                  <a:noFill/>
-                </a:ln>
-                <a:solidFill>
-                  <a:srgbClr val="EF596F"/>
-                </a:solidFill>
-                <a:effectLst/>
-                <a:latin typeface="JetBrains Mono"/>
-              </a:rPr>
-              <a:t>instance_config</a:t>
-            </a:r>
-            <a:r>
-              <a:rPr kumimoji="0" lang="de-DE" altLang="de-DE" sz="2000" b="0" i="0" u="none" strike="noStrike" cap="none" normalizeH="0" baseline="0" dirty="0" smtClean="0">
-                <a:ln>
-                  <a:noFill/>
-                </a:ln>
-                <a:solidFill>
-                  <a:srgbClr val="EF596F"/>
-                </a:solidFill>
-                <a:effectLst/>
-                <a:latin typeface="JetBrains Mono"/>
-              </a:rPr>
-              <a:t>  </a:t>
-            </a:r>
-            <a:r>
-              <a:rPr kumimoji="0" lang="de-DE" altLang="de-DE" sz="2000" b="0" i="0" u="none" strike="noStrike" cap="none" normalizeH="0" baseline="0" dirty="0" smtClean="0">
-                <a:ln>
-                  <a:noFill/>
-                </a:ln>
-                <a:solidFill>
-                  <a:srgbClr val="BBBBBB"/>
-                </a:solidFill>
-                <a:effectLst/>
-                <a:latin typeface="JetBrains Mono"/>
-              </a:rPr>
-              <a:t>= {</a:t>
-            </a:r>
-            <a:br>
-              <a:rPr kumimoji="0" lang="de-DE" altLang="de-DE" sz="2000" b="0" i="0" u="none" strike="noStrike" cap="none" normalizeH="0" baseline="0" dirty="0" smtClean="0">
-                <a:ln>
-                  <a:noFill/>
-                </a:ln>
-                <a:solidFill>
-                  <a:srgbClr val="BBBBBB"/>
-                </a:solidFill>
-                <a:effectLst/>
-                <a:latin typeface="JetBrains Mono"/>
-              </a:rPr>
-            </a:br>
-            <a:r>
-              <a:rPr kumimoji="0" lang="de-DE" altLang="de-DE" sz="2000" b="0" i="0" u="none" strike="noStrike" cap="none" normalizeH="0" baseline="0" dirty="0" smtClean="0">
-                <a:ln>
-                  <a:noFill/>
-                </a:ln>
-                <a:solidFill>
-                  <a:srgbClr val="BBBBBB"/>
-                </a:solidFill>
-                <a:effectLst/>
-                <a:latin typeface="JetBrains Mono"/>
-              </a:rPr>
-              <a:t>    </a:t>
-            </a:r>
-            <a:r>
-              <a:rPr kumimoji="0" lang="de-DE" altLang="de-DE" sz="2000" b="0" i="0" u="none" strike="noStrike" cap="none" normalizeH="0" baseline="0" dirty="0" err="1" smtClean="0">
-                <a:ln>
-                  <a:noFill/>
-                </a:ln>
-                <a:solidFill>
-                  <a:srgbClr val="EF596F"/>
-                </a:solidFill>
-                <a:effectLst/>
-                <a:latin typeface="JetBrains Mono"/>
-              </a:rPr>
-              <a:t>docdb_instance_class</a:t>
-            </a:r>
-            <a:r>
-              <a:rPr kumimoji="0" lang="de-DE" altLang="de-DE" sz="2000" b="0" i="0" u="none" strike="noStrike" cap="none" normalizeH="0" baseline="0" dirty="0" smtClean="0">
-                <a:ln>
-                  <a:noFill/>
-                </a:ln>
-                <a:solidFill>
-                  <a:srgbClr val="EF596F"/>
-                </a:solidFill>
-                <a:effectLst/>
-                <a:latin typeface="JetBrains Mono"/>
-              </a:rPr>
-              <a:t> </a:t>
-            </a:r>
-            <a:r>
-              <a:rPr kumimoji="0" lang="de-DE" altLang="de-DE" sz="2000" b="0" i="0" u="none" strike="noStrike" cap="none" normalizeH="0" baseline="0" dirty="0" smtClean="0">
-                <a:ln>
-                  <a:noFill/>
-                </a:ln>
-                <a:solidFill>
-                  <a:srgbClr val="BBBBBB"/>
-                </a:solidFill>
-                <a:effectLst/>
-                <a:latin typeface="JetBrains Mono"/>
-              </a:rPr>
-              <a:t>= </a:t>
-            </a:r>
-            <a:r>
-              <a:rPr kumimoji="0" lang="de-DE" altLang="de-DE" sz="2000" b="0" i="0" u="none" strike="noStrike" cap="none" normalizeH="0" baseline="0" dirty="0" err="1" smtClean="0">
-                <a:ln>
-                  <a:noFill/>
-                </a:ln>
-                <a:solidFill>
-                  <a:srgbClr val="BBBBBB"/>
-                </a:solidFill>
-                <a:effectLst/>
-                <a:latin typeface="JetBrains Mono"/>
-              </a:rPr>
-              <a:t>var.</a:t>
-            </a:r>
-            <a:r>
-              <a:rPr kumimoji="0" lang="de-DE" altLang="de-DE" sz="2000" b="0" i="0" u="none" strike="noStrike" cap="none" normalizeH="0" baseline="0" dirty="0" err="1" smtClean="0">
-                <a:ln>
-                  <a:noFill/>
-                </a:ln>
-                <a:solidFill>
-                  <a:srgbClr val="EF596F"/>
-                </a:solidFill>
-                <a:effectLst/>
-                <a:latin typeface="JetBrains Mono"/>
-              </a:rPr>
-              <a:t>docdb_instance_class</a:t>
-            </a:r>
-            <a:r>
-              <a:rPr kumimoji="0" lang="de-DE" altLang="de-DE" sz="2000" b="0" i="0" u="none" strike="noStrike" cap="none" normalizeH="0" baseline="0" dirty="0" smtClean="0">
-                <a:ln>
-                  <a:noFill/>
-                </a:ln>
-                <a:solidFill>
-                  <a:srgbClr val="BBBBBB"/>
-                </a:solidFill>
-                <a:effectLst/>
-                <a:latin typeface="JetBrains Mono"/>
-              </a:rPr>
-              <a:t>,</a:t>
-            </a:r>
-            <a:br>
-              <a:rPr kumimoji="0" lang="de-DE" altLang="de-DE" sz="2000" b="0" i="0" u="none" strike="noStrike" cap="none" normalizeH="0" baseline="0" dirty="0" smtClean="0">
-                <a:ln>
-                  <a:noFill/>
-                </a:ln>
-                <a:solidFill>
-                  <a:srgbClr val="BBBBBB"/>
-                </a:solidFill>
-                <a:effectLst/>
-                <a:latin typeface="JetBrains Mono"/>
-              </a:rPr>
-            </a:br>
-            <a:r>
-              <a:rPr kumimoji="0" lang="de-DE" altLang="de-DE" sz="2000" b="0" i="0" u="none" strike="noStrike" cap="none" normalizeH="0" baseline="0" dirty="0" smtClean="0">
-                <a:ln>
-                  <a:noFill/>
-                </a:ln>
-                <a:solidFill>
-                  <a:srgbClr val="BBBBBB"/>
-                </a:solidFill>
-                <a:effectLst/>
-                <a:latin typeface="JetBrains Mono"/>
-              </a:rPr>
-              <a:t>    </a:t>
-            </a:r>
-            <a:r>
-              <a:rPr kumimoji="0" lang="de-DE" altLang="de-DE" sz="2000" b="0" i="0" u="none" strike="noStrike" cap="none" normalizeH="0" baseline="0" dirty="0" err="1" smtClean="0">
-                <a:ln>
-                  <a:noFill/>
-                </a:ln>
-                <a:solidFill>
-                  <a:srgbClr val="EF596F"/>
-                </a:solidFill>
-                <a:effectLst/>
-                <a:latin typeface="JetBrains Mono"/>
-              </a:rPr>
-              <a:t>docdb_username</a:t>
-            </a:r>
-            <a:r>
-              <a:rPr kumimoji="0" lang="de-DE" altLang="de-DE" sz="2000" b="0" i="0" u="none" strike="noStrike" cap="none" normalizeH="0" baseline="0" dirty="0" smtClean="0">
-                <a:ln>
-                  <a:noFill/>
-                </a:ln>
-                <a:solidFill>
-                  <a:srgbClr val="EF596F"/>
-                </a:solidFill>
-                <a:effectLst/>
-                <a:latin typeface="JetBrains Mono"/>
-              </a:rPr>
-              <a:t>      </a:t>
-            </a:r>
-            <a:r>
-              <a:rPr kumimoji="0" lang="de-DE" altLang="de-DE" sz="2000" b="0" i="0" u="none" strike="noStrike" cap="none" normalizeH="0" baseline="0" dirty="0" smtClean="0">
-                <a:ln>
-                  <a:noFill/>
-                </a:ln>
-                <a:solidFill>
-                  <a:srgbClr val="BBBBBB"/>
-                </a:solidFill>
-                <a:effectLst/>
-                <a:latin typeface="JetBrains Mono"/>
-              </a:rPr>
-              <a:t>= </a:t>
-            </a:r>
-            <a:r>
-              <a:rPr kumimoji="0" lang="de-DE" altLang="de-DE" sz="2000" b="0" i="0" u="none" strike="noStrike" cap="none" normalizeH="0" baseline="0" dirty="0" err="1" smtClean="0">
-                <a:ln>
-                  <a:noFill/>
-                </a:ln>
-                <a:solidFill>
-                  <a:srgbClr val="BBBBBB"/>
-                </a:solidFill>
-                <a:effectLst/>
-                <a:latin typeface="JetBrains Mono"/>
-              </a:rPr>
-              <a:t>var.</a:t>
-            </a:r>
-            <a:r>
-              <a:rPr kumimoji="0" lang="de-DE" altLang="de-DE" sz="2000" b="0" i="0" u="none" strike="noStrike" cap="none" normalizeH="0" baseline="0" dirty="0" err="1" smtClean="0">
-                <a:ln>
-                  <a:noFill/>
-                </a:ln>
-                <a:solidFill>
-                  <a:srgbClr val="EF596F"/>
-                </a:solidFill>
-                <a:effectLst/>
-                <a:latin typeface="JetBrains Mono"/>
-              </a:rPr>
-              <a:t>docdb_username</a:t>
-            </a:r>
-            <a:r>
-              <a:rPr kumimoji="0" lang="de-DE" altLang="de-DE" sz="2000" b="0" i="0" u="none" strike="noStrike" cap="none" normalizeH="0" baseline="0" dirty="0" smtClean="0">
-                <a:ln>
-                  <a:noFill/>
-                </a:ln>
-                <a:solidFill>
-                  <a:srgbClr val="BBBBBB"/>
-                </a:solidFill>
-                <a:effectLst/>
-                <a:latin typeface="JetBrains Mono"/>
-              </a:rPr>
-              <a:t>,</a:t>
-            </a:r>
-            <a:br>
-              <a:rPr kumimoji="0" lang="de-DE" altLang="de-DE" sz="2000" b="0" i="0" u="none" strike="noStrike" cap="none" normalizeH="0" baseline="0" dirty="0" smtClean="0">
-                <a:ln>
-                  <a:noFill/>
-                </a:ln>
-                <a:solidFill>
-                  <a:srgbClr val="BBBBBB"/>
-                </a:solidFill>
-                <a:effectLst/>
-                <a:latin typeface="JetBrains Mono"/>
-              </a:rPr>
-            </a:br>
-            <a:r>
-              <a:rPr kumimoji="0" lang="de-DE" altLang="de-DE" sz="2000" b="0" i="0" u="none" strike="noStrike" cap="none" normalizeH="0" baseline="0" dirty="0" smtClean="0">
-                <a:ln>
-                  <a:noFill/>
-                </a:ln>
-                <a:solidFill>
-                  <a:srgbClr val="BBBBBB"/>
-                </a:solidFill>
-                <a:effectLst/>
-                <a:latin typeface="JetBrains Mono"/>
-              </a:rPr>
-              <a:t>    </a:t>
-            </a:r>
-            <a:r>
-              <a:rPr kumimoji="0" lang="de-DE" altLang="de-DE" sz="2000" b="0" i="0" u="none" strike="noStrike" cap="none" normalizeH="0" baseline="0" dirty="0" err="1" smtClean="0">
-                <a:ln>
-                  <a:noFill/>
-                </a:ln>
-                <a:solidFill>
-                  <a:srgbClr val="EF596F"/>
-                </a:solidFill>
-                <a:effectLst/>
-                <a:latin typeface="JetBrains Mono"/>
-              </a:rPr>
-              <a:t>docdb_password</a:t>
-            </a:r>
-            <a:r>
-              <a:rPr kumimoji="0" lang="de-DE" altLang="de-DE" sz="2000" b="0" i="0" u="none" strike="noStrike" cap="none" normalizeH="0" baseline="0" dirty="0" smtClean="0">
-                <a:ln>
-                  <a:noFill/>
-                </a:ln>
-                <a:solidFill>
-                  <a:srgbClr val="EF596F"/>
-                </a:solidFill>
-                <a:effectLst/>
-                <a:latin typeface="JetBrains Mono"/>
-              </a:rPr>
-              <a:t>      </a:t>
-            </a:r>
-            <a:r>
-              <a:rPr kumimoji="0" lang="de-DE" altLang="de-DE" sz="2000" b="0" i="0" u="none" strike="noStrike" cap="none" normalizeH="0" baseline="0" dirty="0" smtClean="0">
-                <a:ln>
-                  <a:noFill/>
-                </a:ln>
-                <a:solidFill>
-                  <a:srgbClr val="BBBBBB"/>
-                </a:solidFill>
-                <a:effectLst/>
-                <a:latin typeface="JetBrains Mono"/>
-              </a:rPr>
-              <a:t>= </a:t>
-            </a:r>
-            <a:r>
-              <a:rPr kumimoji="0" lang="de-DE" altLang="de-DE" sz="2000" b="0" i="0" u="none" strike="noStrike" cap="none" normalizeH="0" baseline="0" dirty="0" err="1" smtClean="0">
-                <a:ln>
-                  <a:noFill/>
-                </a:ln>
-                <a:solidFill>
-                  <a:srgbClr val="BBBBBB"/>
-                </a:solidFill>
-                <a:effectLst/>
-                <a:latin typeface="JetBrains Mono"/>
-              </a:rPr>
-              <a:t>var.</a:t>
-            </a:r>
-            <a:r>
-              <a:rPr kumimoji="0" lang="de-DE" altLang="de-DE" sz="2000" b="0" i="0" u="none" strike="noStrike" cap="none" normalizeH="0" baseline="0" dirty="0" err="1" smtClean="0">
-                <a:ln>
-                  <a:noFill/>
-                </a:ln>
-                <a:solidFill>
-                  <a:srgbClr val="EF596F"/>
-                </a:solidFill>
-                <a:effectLst/>
-                <a:latin typeface="JetBrains Mono"/>
-              </a:rPr>
-              <a:t>docdb_password</a:t>
-            </a:r>
-            <a:r>
-              <a:rPr kumimoji="0" lang="de-DE" altLang="de-DE" sz="2000" b="0" i="0" u="none" strike="noStrike" cap="none" normalizeH="0" baseline="0" dirty="0" smtClean="0">
-                <a:ln>
-                  <a:noFill/>
-                </a:ln>
-                <a:solidFill>
-                  <a:srgbClr val="BBBBBB"/>
-                </a:solidFill>
-                <a:effectLst/>
-                <a:latin typeface="JetBrains Mono"/>
-              </a:rPr>
-              <a:t>,</a:t>
-            </a:r>
-            <a:br>
-              <a:rPr kumimoji="0" lang="de-DE" altLang="de-DE" sz="2000" b="0" i="0" u="none" strike="noStrike" cap="none" normalizeH="0" baseline="0" dirty="0" smtClean="0">
-                <a:ln>
-                  <a:noFill/>
-                </a:ln>
-                <a:solidFill>
-                  <a:srgbClr val="BBBBBB"/>
-                </a:solidFill>
-                <a:effectLst/>
-                <a:latin typeface="JetBrains Mono"/>
-              </a:rPr>
-            </a:br>
-            <a:r>
-              <a:rPr kumimoji="0" lang="de-DE" altLang="de-DE" sz="2000" b="0" i="0" u="none" strike="noStrike" cap="none" normalizeH="0" baseline="0" dirty="0" smtClean="0">
-                <a:ln>
-                  <a:noFill/>
-                </a:ln>
-                <a:solidFill>
-                  <a:srgbClr val="BBBBBB"/>
-                </a:solidFill>
-                <a:effectLst/>
-                <a:latin typeface="JetBrains Mono"/>
-              </a:rPr>
-              <a:t>  }</a:t>
-            </a:r>
-            <a:br>
-              <a:rPr kumimoji="0" lang="de-DE" altLang="de-DE" sz="2000" b="0" i="0" u="none" strike="noStrike" cap="none" normalizeH="0" baseline="0" dirty="0" smtClean="0">
-                <a:ln>
-                  <a:noFill/>
-                </a:ln>
-                <a:solidFill>
-                  <a:srgbClr val="BBBBBB"/>
-                </a:solidFill>
-                <a:effectLst/>
-                <a:latin typeface="JetBrains Mono"/>
-              </a:rPr>
-            </a:br>
-            <a:r>
-              <a:rPr kumimoji="0" lang="de-DE" altLang="de-DE" sz="2000" b="0" i="0" u="none" strike="noStrike" cap="none" normalizeH="0" baseline="0" dirty="0" smtClean="0">
-                <a:ln>
-                  <a:noFill/>
-                </a:ln>
-                <a:solidFill>
-                  <a:srgbClr val="BBBBBB"/>
-                </a:solidFill>
-                <a:effectLst/>
-                <a:latin typeface="JetBrains Mono"/>
-              </a:rPr>
-              <a:t>  </a:t>
-            </a:r>
-            <a:r>
-              <a:rPr kumimoji="0" lang="de-DE" altLang="de-DE" sz="2000" b="0" i="0" u="none" strike="noStrike" cap="none" normalizeH="0" baseline="0" dirty="0" err="1" smtClean="0">
-                <a:ln>
-                  <a:noFill/>
-                </a:ln>
-                <a:solidFill>
-                  <a:srgbClr val="EF596F"/>
-                </a:solidFill>
-                <a:effectLst/>
-                <a:latin typeface="JetBrains Mono"/>
-              </a:rPr>
-              <a:t>private_subnets</a:t>
-            </a:r>
-            <a:r>
-              <a:rPr kumimoji="0" lang="de-DE" altLang="de-DE" sz="2000" b="0" i="0" u="none" strike="noStrike" cap="none" normalizeH="0" baseline="0" dirty="0" smtClean="0">
-                <a:ln>
-                  <a:noFill/>
-                </a:ln>
-                <a:solidFill>
-                  <a:srgbClr val="EF596F"/>
-                </a:solidFill>
-                <a:effectLst/>
-                <a:latin typeface="JetBrains Mono"/>
-              </a:rPr>
-              <a:t> </a:t>
-            </a:r>
-            <a:r>
-              <a:rPr kumimoji="0" lang="de-DE" altLang="de-DE" sz="2000" b="0" i="0" u="none" strike="noStrike" cap="none" normalizeH="0" baseline="0" dirty="0" smtClean="0">
-                <a:ln>
-                  <a:noFill/>
-                </a:ln>
-                <a:solidFill>
-                  <a:srgbClr val="BBBBBB"/>
-                </a:solidFill>
-                <a:effectLst/>
-                <a:latin typeface="JetBrains Mono"/>
-              </a:rPr>
-              <a:t>= module.</a:t>
-            </a:r>
-            <a:r>
-              <a:rPr kumimoji="0" lang="de-DE" altLang="de-DE" sz="2000" b="0" i="0" u="none" strike="noStrike" cap="none" normalizeH="0" baseline="0" dirty="0" smtClean="0">
-                <a:ln>
-                  <a:noFill/>
-                </a:ln>
-                <a:solidFill>
-                  <a:srgbClr val="EF596F"/>
-                </a:solidFill>
-                <a:effectLst/>
-                <a:latin typeface="JetBrains Mono"/>
-              </a:rPr>
-              <a:t>subnets4docdb</a:t>
-            </a:r>
-            <a:r>
-              <a:rPr kumimoji="0" lang="de-DE" altLang="de-DE" sz="2000" b="0" i="0" u="none" strike="noStrike" cap="none" normalizeH="0" baseline="0" dirty="0" smtClean="0">
-                <a:ln>
-                  <a:noFill/>
-                </a:ln>
-                <a:solidFill>
-                  <a:srgbClr val="BBBBBB"/>
-                </a:solidFill>
-                <a:effectLst/>
-                <a:latin typeface="JetBrains Mono"/>
-              </a:rPr>
-              <a:t>.</a:t>
-            </a:r>
-            <a:r>
-              <a:rPr kumimoji="0" lang="de-DE" altLang="de-DE" sz="2000" b="0" i="0" u="none" strike="noStrike" cap="none" normalizeH="0" baseline="0" dirty="0" smtClean="0">
-                <a:ln>
-                  <a:noFill/>
-                </a:ln>
-                <a:solidFill>
-                  <a:srgbClr val="EF596F"/>
-                </a:solidFill>
-                <a:effectLst/>
-                <a:latin typeface="JetBrains Mono"/>
-              </a:rPr>
-              <a:t>private_subnet_ids</a:t>
-            </a:r>
-            <a:br>
-              <a:rPr kumimoji="0" lang="de-DE" altLang="de-DE" sz="2000" b="0" i="0" u="none" strike="noStrike" cap="none" normalizeH="0" baseline="0" dirty="0" smtClean="0">
-                <a:ln>
-                  <a:noFill/>
-                </a:ln>
-                <a:solidFill>
-                  <a:srgbClr val="EF596F"/>
-                </a:solidFill>
-                <a:effectLst/>
-                <a:latin typeface="JetBrains Mono"/>
-              </a:rPr>
-            </a:br>
-            <a:r>
-              <a:rPr kumimoji="0" lang="de-DE" altLang="de-DE" sz="2000" b="0" i="0" u="none" strike="noStrike" cap="none" normalizeH="0" baseline="0" dirty="0" smtClean="0">
-                <a:ln>
-                  <a:noFill/>
-                </a:ln>
-                <a:solidFill>
-                  <a:srgbClr val="EF596F"/>
-                </a:solidFill>
-                <a:effectLst/>
-                <a:latin typeface="JetBrains Mono"/>
-              </a:rPr>
-              <a:t>  </a:t>
-            </a:r>
-            <a:r>
-              <a:rPr kumimoji="0" lang="de-DE" altLang="de-DE" sz="2000" b="0" i="0" u="none" strike="noStrike" cap="none" normalizeH="0" baseline="0" dirty="0" err="1" smtClean="0">
-                <a:ln>
-                  <a:noFill/>
-                </a:ln>
-                <a:solidFill>
-                  <a:srgbClr val="EF596F"/>
-                </a:solidFill>
-                <a:effectLst/>
-                <a:latin typeface="JetBrains Mono"/>
-              </a:rPr>
-              <a:t>vpc_id</a:t>
-            </a:r>
-            <a:r>
-              <a:rPr kumimoji="0" lang="de-DE" altLang="de-DE" sz="2000" b="0" i="0" u="none" strike="noStrike" cap="none" normalizeH="0" baseline="0" dirty="0" smtClean="0">
-                <a:ln>
-                  <a:noFill/>
-                </a:ln>
-                <a:solidFill>
-                  <a:srgbClr val="EF596F"/>
-                </a:solidFill>
-                <a:effectLst/>
-                <a:latin typeface="JetBrains Mono"/>
-              </a:rPr>
-              <a:t> </a:t>
-            </a:r>
-            <a:r>
-              <a:rPr kumimoji="0" lang="de-DE" altLang="de-DE" sz="2000" b="0" i="0" u="none" strike="noStrike" cap="none" normalizeH="0" baseline="0" dirty="0" smtClean="0">
-                <a:ln>
-                  <a:noFill/>
-                </a:ln>
-                <a:solidFill>
-                  <a:srgbClr val="BBBBBB"/>
-                </a:solidFill>
-                <a:effectLst/>
-                <a:latin typeface="JetBrains Mono"/>
-              </a:rPr>
-              <a:t>= </a:t>
-            </a:r>
-            <a:r>
-              <a:rPr kumimoji="0" lang="de-DE" altLang="de-DE" sz="2000" b="0" i="0" u="none" strike="noStrike" cap="none" normalizeH="0" baseline="0" dirty="0" err="1" smtClean="0">
-                <a:ln>
-                  <a:noFill/>
-                </a:ln>
-                <a:solidFill>
-                  <a:srgbClr val="BBBBBB"/>
-                </a:solidFill>
-                <a:effectLst/>
-                <a:latin typeface="JetBrains Mono"/>
-              </a:rPr>
-              <a:t>module.</a:t>
-            </a:r>
-            <a:r>
-              <a:rPr kumimoji="0" lang="de-DE" altLang="de-DE" sz="2000" b="0" i="0" u="none" strike="noStrike" cap="none" normalizeH="0" baseline="0" dirty="0" err="1" smtClean="0">
-                <a:ln>
-                  <a:noFill/>
-                </a:ln>
-                <a:solidFill>
-                  <a:srgbClr val="EF596F"/>
-                </a:solidFill>
-                <a:effectLst/>
-                <a:latin typeface="JetBrains Mono"/>
-              </a:rPr>
-              <a:t>commonVpc</a:t>
-            </a:r>
-            <a:r>
-              <a:rPr kumimoji="0" lang="de-DE" altLang="de-DE" sz="2000" b="0" i="0" u="none" strike="noStrike" cap="none" normalizeH="0" baseline="0" dirty="0" err="1" smtClean="0">
-                <a:ln>
-                  <a:noFill/>
-                </a:ln>
-                <a:solidFill>
-                  <a:srgbClr val="BBBBBB"/>
-                </a:solidFill>
-                <a:effectLst/>
-                <a:latin typeface="JetBrains Mono"/>
-              </a:rPr>
-              <a:t>.</a:t>
-            </a:r>
-            <a:r>
-              <a:rPr kumimoji="0" lang="de-DE" altLang="de-DE" sz="2000" b="0" i="0" u="none" strike="noStrike" cap="none" normalizeH="0" baseline="0" dirty="0" err="1" smtClean="0">
-                <a:ln>
-                  <a:noFill/>
-                </a:ln>
-                <a:solidFill>
-                  <a:srgbClr val="EF596F"/>
-                </a:solidFill>
-                <a:effectLst/>
-                <a:latin typeface="JetBrains Mono"/>
-              </a:rPr>
-              <a:t>vpc_id</a:t>
-            </a:r>
-            <a:r>
-              <a:rPr kumimoji="0" lang="de-DE" altLang="de-DE" sz="2000" b="0" i="0" u="none" strike="noStrike" cap="none" normalizeH="0" baseline="0" dirty="0" smtClean="0">
-                <a:ln>
-                  <a:noFill/>
-                </a:ln>
-                <a:solidFill>
-                  <a:srgbClr val="EF596F"/>
-                </a:solidFill>
-                <a:effectLst/>
-                <a:latin typeface="JetBrains Mono"/>
-              </a:rPr>
-              <a:t/>
-            </a:r>
-            <a:br>
-              <a:rPr kumimoji="0" lang="de-DE" altLang="de-DE" sz="2000" b="0" i="0" u="none" strike="noStrike" cap="none" normalizeH="0" baseline="0" dirty="0" smtClean="0">
-                <a:ln>
-                  <a:noFill/>
-                </a:ln>
-                <a:solidFill>
-                  <a:srgbClr val="EF596F"/>
-                </a:solidFill>
-                <a:effectLst/>
-                <a:latin typeface="JetBrains Mono"/>
-              </a:rPr>
-            </a:br>
-            <a:r>
-              <a:rPr kumimoji="0" lang="de-DE" altLang="de-DE" sz="2000" b="0" i="0" u="none" strike="noStrike" cap="none" normalizeH="0" baseline="0" dirty="0" smtClean="0">
-                <a:ln>
-                  <a:noFill/>
-                </a:ln>
-                <a:solidFill>
-                  <a:srgbClr val="EF596F"/>
-                </a:solidFill>
-                <a:effectLst/>
-                <a:latin typeface="JetBrains Mono"/>
-              </a:rPr>
-              <a:t>  </a:t>
-            </a:r>
-            <a:r>
-              <a:rPr kumimoji="0" lang="de-DE" altLang="de-DE" sz="2000" b="0" i="0" u="none" strike="noStrike" cap="none" normalizeH="0" baseline="0" dirty="0" err="1" smtClean="0">
-                <a:ln>
-                  <a:noFill/>
-                </a:ln>
-                <a:solidFill>
-                  <a:srgbClr val="EF596F"/>
-                </a:solidFill>
-                <a:effectLst/>
-                <a:latin typeface="JetBrains Mono"/>
-              </a:rPr>
-              <a:t>ipNet</a:t>
-            </a:r>
-            <a:r>
-              <a:rPr kumimoji="0" lang="de-DE" altLang="de-DE" sz="2000" b="0" i="0" u="none" strike="noStrike" cap="none" normalizeH="0" baseline="0" dirty="0" smtClean="0">
-                <a:ln>
-                  <a:noFill/>
-                </a:ln>
-                <a:solidFill>
-                  <a:srgbClr val="EF596F"/>
-                </a:solidFill>
-                <a:effectLst/>
-                <a:latin typeface="JetBrains Mono"/>
-              </a:rPr>
-              <a:t> </a:t>
-            </a:r>
-            <a:r>
-              <a:rPr kumimoji="0" lang="de-DE" altLang="de-DE" sz="2000" b="0" i="0" u="none" strike="noStrike" cap="none" normalizeH="0" baseline="0" dirty="0" smtClean="0">
-                <a:ln>
-                  <a:noFill/>
-                </a:ln>
-                <a:solidFill>
-                  <a:srgbClr val="BBBBBB"/>
-                </a:solidFill>
-                <a:effectLst/>
-                <a:latin typeface="JetBrains Mono"/>
-              </a:rPr>
-              <a:t>= </a:t>
-            </a:r>
-            <a:r>
-              <a:rPr kumimoji="0" lang="de-DE" altLang="de-DE" sz="2000" b="0" i="0" u="none" strike="noStrike" cap="none" normalizeH="0" baseline="0" dirty="0" err="1" smtClean="0">
-                <a:ln>
-                  <a:noFill/>
-                </a:ln>
-                <a:solidFill>
-                  <a:srgbClr val="BBBBBB"/>
-                </a:solidFill>
-                <a:effectLst/>
-                <a:latin typeface="JetBrains Mono"/>
-              </a:rPr>
-              <a:t>var.</a:t>
-            </a:r>
-            <a:r>
-              <a:rPr kumimoji="0" lang="de-DE" altLang="de-DE" sz="2000" b="0" i="0" u="none" strike="noStrike" cap="none" normalizeH="0" baseline="0" dirty="0" err="1" smtClean="0">
-                <a:ln>
-                  <a:noFill/>
-                </a:ln>
-                <a:solidFill>
-                  <a:srgbClr val="EF596F"/>
-                </a:solidFill>
-                <a:effectLst/>
-                <a:latin typeface="JetBrains Mono"/>
-              </a:rPr>
-              <a:t>ipNet</a:t>
-            </a:r>
-            <a:r>
-              <a:rPr kumimoji="0" lang="de-DE" altLang="de-DE" sz="2000" b="0" i="0" u="none" strike="noStrike" cap="none" normalizeH="0" baseline="0" dirty="0" smtClean="0">
-                <a:ln>
-                  <a:noFill/>
-                </a:ln>
-                <a:solidFill>
-                  <a:srgbClr val="EF596F"/>
-                </a:solidFill>
-                <a:effectLst/>
-                <a:latin typeface="JetBrains Mono"/>
-              </a:rPr>
-              <a:t/>
-            </a:r>
-            <a:br>
-              <a:rPr kumimoji="0" lang="de-DE" altLang="de-DE" sz="2000" b="0" i="0" u="none" strike="noStrike" cap="none" normalizeH="0" baseline="0" dirty="0" smtClean="0">
-                <a:ln>
-                  <a:noFill/>
-                </a:ln>
-                <a:solidFill>
-                  <a:srgbClr val="EF596F"/>
                 </a:solidFill>
                 <a:effectLst/>
                 <a:latin typeface="JetBrains Mono"/>
@@ -5161,10 +4914,39 @@
           </a:p>
         </p:txBody>
       </p:sp>
+      <p:pic>
+        <p:nvPicPr>
+          <p:cNvPr id="6" name="Grafik 5"/>
+          <p:cNvPicPr>
+            <a:picLocks noChangeAspect="1"/>
+          </p:cNvPicPr>
+          <p:nvPr/>
+        </p:nvPicPr>
+        <p:blipFill>
+          <a:blip r:embed="rId4"/>
+          <a:stretch>
+            <a:fillRect/>
+          </a:stretch>
+        </p:blipFill>
+        <p:spPr>
+          <a:xfrm>
+            <a:off x="6629222" y="2873512"/>
+            <a:ext cx="5364339" cy="3170099"/>
+          </a:xfrm>
+          <a:prstGeom prst="rect">
+            <a:avLst/>
+          </a:prstGeom>
+          <a:ln>
+            <a:solidFill>
+              <a:schemeClr val="tx1"/>
+            </a:solidFill>
+          </a:ln>
+        </p:spPr>
+      </p:pic>
     </p:spTree>
     <p:extLst>
       <p:ext uri="{BB962C8B-B14F-4D97-AF65-F5344CB8AC3E}">
-        <p14:creationId xmlns:p14="http://schemas.microsoft.com/office/powerpoint/2010/main" val="3569864209"/>
+        <p14:creationId xmlns:p14="http://schemas.microsoft.com/office/powerpoint/2010/main" val="3900226877"/>
       </p:ext>
     </p:extLst>
   </p:cSld>
@@ -5215,58 +4997,9 @@
           <a:p>
             <a:r>
               <a:rPr lang="de-DE" dirty="0" smtClean="0"/>
-              <a:t>Module Registry</a:t>
+              <a:t>Einbinden lokaler Module</a:t>
             </a:r>
             <a:endParaRPr lang="de-DE" dirty="0"/>
-          </a:p>
-        </p:txBody>
-      </p:sp>
-      <p:sp>
-        <p:nvSpPr>
-          <p:cNvPr id="3" name="Inhaltsplatzhalter 2"/>
-          <p:cNvSpPr>
-            <a:spLocks noGrp="1"/>
-          </p:cNvSpPr>
-          <p:nvPr>
-            <p:ph idx="1"/>
-          </p:nvPr>
-        </p:nvSpPr>
-        <p:spPr>
-          <a:xfrm>
-            <a:off x="838200" y="1825625"/>
-            <a:ext cx="10515600" cy="4351338"/>
-          </a:xfrm>
-        </p:spPr>
-        <p:txBody>
-          <a:bodyPr/>
-          <a:lstStyle/>
-          <a:p>
-            <a:r>
-              <a:rPr lang="de-DE" dirty="0" smtClean="0"/>
-              <a:t>Aktuell &gt;7300 Module</a:t>
-            </a:r>
-          </a:p>
-          <a:p>
-            <a:pPr lvl="1"/>
-            <a:r>
-              <a:rPr lang="de-DE" dirty="0" smtClean="0">
-                <a:hlinkClick r:id="rId3"/>
-              </a:rPr>
-              <a:t>https</a:t>
-            </a:r>
-            <a:r>
-              <a:rPr lang="de-DE" dirty="0">
-                <a:hlinkClick r:id="rId3"/>
-              </a:rPr>
-              <a:t>://</a:t>
-            </a:r>
-            <a:r>
-              <a:rPr lang="de-DE" dirty="0" smtClean="0">
-                <a:hlinkClick r:id="rId3"/>
-              </a:rPr>
-              <a:t>registry.terraform.io/browse/modules</a:t>
-            </a:r>
-            <a:endParaRPr lang="de-DE" dirty="0" smtClean="0"/>
           </a:p>
         </p:txBody>
       </p:sp>
@@ -5280,8 +5013,8 @@
         </p:nvSpPr>
         <p:spPr bwMode="auto">
           <a:xfrm>
-            <a:off x="198439" y="2873512"/>
-            <a:ext cx="5910592" cy="3170099"/>
+            <a:off x="4508500" y="2635416"/>
+            <a:ext cx="7272866" cy="1938992"/>
           </a:xfrm>
           <a:prstGeom prst="rect">
             <a:avLst/>
@@ -5316,7 +5049,7 @@
           </a:extLst>
         </p:spPr>
         <p:txBody>
-          <a:bodyPr vert="horz" wrap="none" lIns="91440" tIns="45720" rIns="91440" bIns="45720" numCol="1" anchor="ctr" anchorCtr="0" compatLnSpc="1">
+          <a:bodyPr vert="horz" wrap="square" lIns="91440" tIns="45720" rIns="91440" bIns="45720" numCol="1" anchor="ctr" anchorCtr="0" compatLnSpc="1">
             <a:prstTxWarp prst="textNoShape">
               <a:avLst/>
             </a:prstTxWarp>
@@ -5377,7 +5110,33 @@
                 <a:effectLst/>
                 <a:latin typeface="JetBrains Mono"/>
               </a:rPr>
-              <a:t>"s3_bucket" </a:t>
+              <a:t>"</a:t>
+            </a:r>
+            <a:r>
+              <a:rPr kumimoji="0" lang="de-DE" altLang="de-DE" sz="2000" b="0" i="0" u="none" strike="noStrike" cap="none" normalizeH="0" baseline="0" dirty="0" err="1" smtClean="0">
+                <a:ln>
+                  <a:noFill/>
+                </a:ln>
+                <a:solidFill>
+                  <a:srgbClr val="E5C07B"/>
+                </a:solidFill>
+                <a:effectLst/>
+                <a:latin typeface="JetBrains Mono"/>
+              </a:rPr>
+              <a:t>monitoring</a:t>
+            </a:r>
+            <a:r>
+              <a:rPr kumimoji="0" lang="de-DE" altLang="de-DE" sz="2000" b="0" i="0" u="none" strike="noStrike" cap="none" normalizeH="0" baseline="0" dirty="0" smtClean="0">
+                <a:ln>
+                  <a:noFill/>
+                </a:ln>
+                <a:solidFill>
+                  <a:srgbClr val="E5C07B"/>
+                </a:solidFill>
+                <a:effectLst/>
+                <a:latin typeface="JetBrains Mono"/>
+              </a:rPr>
+              <a:t>" </a:t>
             </a:r>
             <a:r>
               <a:rPr kumimoji="0" lang="de-DE" altLang="de-DE" sz="2000" b="0" i="0" u="none" strike="noStrike" cap="none" normalizeH="0" baseline="0" dirty="0" smtClean="0">
@@ -5467,33 +5226,110 @@
                 <a:effectLst/>
                 <a:latin typeface="JetBrains Mono"/>
               </a:rPr>
+              <a:t>"./</a:t>
+            </a:r>
+            <a:r>
+              <a:rPr kumimoji="0" lang="de-DE" altLang="de-DE" sz="2000" b="0" i="0" u="none" strike="noStrike" cap="none" normalizeH="0" baseline="0" dirty="0" err="1" smtClean="0">
+                <a:ln>
+                  <a:noFill/>
+                </a:ln>
+                <a:solidFill>
+                  <a:srgbClr val="89CA78"/>
+                </a:solidFill>
+                <a:effectLst/>
+                <a:latin typeface="JetBrains Mono"/>
+              </a:rPr>
+              <a:t>monitoring</a:t>
+            </a:r>
+            <a:r>
+              <a:rPr kumimoji="0" lang="de-DE" altLang="de-DE" sz="2000" b="0" i="0" u="none" strike="noStrike" cap="none" normalizeH="0" baseline="0" dirty="0" smtClean="0">
+                <a:ln>
+                  <a:noFill/>
+                </a:ln>
+                <a:solidFill>
+                  <a:srgbClr val="89CA78"/>
+                </a:solidFill>
+                <a:effectLst/>
+                <a:latin typeface="JetBrains Mono"/>
+              </a:rPr>
               <a:t>"</a:t>
             </a:r>
             <a:r>
+              <a:rPr kumimoji="0" lang="de-DE" altLang="de-DE" sz="2000" b="0" i="0" u="none" strike="noStrike" cap="none" normalizeH="0" baseline="0" dirty="0" smtClean="0">
+                <a:ln>
+                  <a:noFill/>
+                </a:ln>
+                <a:solidFill>
+                  <a:srgbClr val="EF596F"/>
+                </a:solidFill>
+                <a:effectLst/>
+                <a:latin typeface="JetBrains Mono"/>
+              </a:rPr>
+              <a:t/>
+            </a:r>
+            <a:br>
+              <a:rPr kumimoji="0" lang="de-DE" altLang="de-DE" sz="2000" b="0" i="0" u="none" strike="noStrike" cap="none" normalizeH="0" baseline="0" dirty="0" smtClean="0">
+                <a:ln>
+                  <a:noFill/>
+                </a:ln>
+                <a:solidFill>
+                  <a:srgbClr val="EF596F"/>
+                </a:solidFill>
+                <a:effectLst/>
+                <a:latin typeface="JetBrains Mono"/>
+              </a:rPr>
+            </a:br>
+            <a:r>
+              <a:rPr kumimoji="0" lang="de-DE" altLang="de-DE" sz="2000" b="0" i="0" u="none" strike="noStrike" cap="none" normalizeH="0" baseline="0" dirty="0" smtClean="0">
+                <a:ln>
+                  <a:noFill/>
+                </a:ln>
+                <a:solidFill>
+                  <a:srgbClr val="EF596F"/>
+                </a:solidFill>
+                <a:effectLst/>
+                <a:latin typeface="JetBrains Mono"/>
+              </a:rPr>
+              <a:t>  </a:t>
+            </a:r>
+            <a:r>
               <a:rPr kumimoji="0" lang="de-DE" altLang="de-DE" sz="2000" b="0" i="0" u="none" strike="noStrike" cap="none" normalizeH="0" baseline="0" dirty="0" err="1" smtClean="0">
                 <a:ln>
                   <a:noFill/>
                 </a:ln>
                 <a:solidFill>
-                  <a:srgbClr val="89CA78"/>
-                </a:solidFill>
-                <a:effectLst/>
-                <a:latin typeface="JetBrains Mono"/>
-              </a:rPr>
-              <a:t>terraform</a:t>
-            </a:r>
-            <a:r>
-              <a:rPr kumimoji="0" lang="de-DE" altLang="de-DE" sz="2000" b="0" i="0" u="none" strike="noStrike" cap="none" normalizeH="0" baseline="0" dirty="0" smtClean="0">
-                <a:ln>
-                  <a:noFill/>
-                </a:ln>
-                <a:solidFill>
-                  <a:srgbClr val="89CA78"/>
-                </a:solidFill>
-                <a:effectLst/>
-                <a:latin typeface="JetBrains Mono"/>
-              </a:rPr>
-              <a:t>-</a:t>
+                  <a:srgbClr val="EF596F"/>
+                </a:solidFill>
+                <a:effectLst/>
+                <a:latin typeface="JetBrains Mono"/>
+              </a:rPr>
+              <a:t>env</a:t>
+            </a:r>
+            <a:r>
+              <a:rPr kumimoji="0" lang="de-DE" altLang="de-DE" sz="2000" b="0" i="0" u="none" strike="noStrike" cap="none" normalizeH="0" baseline="0" dirty="0" smtClean="0">
+                <a:ln>
+                  <a:noFill/>
+                </a:ln>
+                <a:solidFill>
+                  <a:srgbClr val="EF596F"/>
+                </a:solidFill>
+                <a:effectLst/>
+                <a:latin typeface="JetBrains Mono"/>
+              </a:rPr>
+              <a:t>     </a:t>
+            </a:r>
+            <a:r>
+              <a:rPr kumimoji="0" lang="de-DE" altLang="de-DE" sz="2000" b="0" i="0" u="none" strike="noStrike" cap="none" normalizeH="0" baseline="0" dirty="0" smtClean="0">
+                <a:ln>
+                  <a:noFill/>
+                </a:ln>
+                <a:solidFill>
+                  <a:srgbClr val="BBBBBB"/>
+                </a:solidFill>
+                <a:effectLst/>
+                <a:latin typeface="JetBrains Mono"/>
+              </a:rPr>
+              <a:t>= </a:t>
             </a:r>
             <a:r>
               <a:rPr kumimoji="0" lang="de-DE" altLang="de-DE" sz="2000" b="0" i="0" u="none" strike="noStrike" cap="none" normalizeH="0" baseline="0" dirty="0" err="1" smtClean="0">
@@ -5501,25 +5337,12 @@
                   <a:noFill/>
                 </a:ln>
                 <a:solidFill>
-                  <a:srgbClr val="89CA78"/>
-                </a:solidFill>
-                <a:effectLst/>
-                <a:latin typeface="JetBrains Mono"/>
-              </a:rPr>
-              <a:t>aws</a:t>
-            </a:r>
-            <a:r>
-              <a:rPr kumimoji="0" lang="de-DE" altLang="de-DE" sz="2000" b="0" i="0" u="none" strike="noStrike" cap="none" normalizeH="0" baseline="0" dirty="0" smtClean="0">
-                <a:ln>
-                  <a:noFill/>
-                </a:ln>
-                <a:solidFill>
-                  <a:srgbClr val="89CA78"/>
-                </a:solidFill>
-                <a:effectLst/>
-                <a:latin typeface="JetBrains Mono"/>
-              </a:rPr>
-              <a:t>-modules/s3-bucket/</a:t>
+                  <a:srgbClr val="BBBBBB"/>
+                </a:solidFill>
+                <a:effectLst/>
+                <a:latin typeface="JetBrains Mono"/>
+              </a:rPr>
+              <a:t>local.</a:t>
             </a:r>
             <a:r>
               <a:rPr kumimoji="0" lang="de-DE" altLang="de-DE" sz="2000" b="0" i="0" u="none" strike="noStrike" cap="none" normalizeH="0" baseline="0" dirty="0" err="1" smtClean="0">
@@ -5527,25 +5350,25 @@
                   <a:noFill/>
                 </a:ln>
                 <a:solidFill>
-                  <a:srgbClr val="89CA78"/>
-                </a:solidFill>
-                <a:effectLst/>
-                <a:latin typeface="JetBrains Mono"/>
-              </a:rPr>
-              <a:t>aws</a:t>
-            </a:r>
-            <a:r>
-              <a:rPr kumimoji="0" lang="de-DE" altLang="de-DE" sz="2000" b="0" i="0" u="none" strike="noStrike" cap="none" normalizeH="0" baseline="0" dirty="0" smtClean="0">
-                <a:ln>
-                  <a:noFill/>
-                </a:ln>
-                <a:solidFill>
-                  <a:srgbClr val="89CA78"/>
-                </a:solidFill>
-                <a:effectLst/>
-                <a:latin typeface="JetBrains Mono"/>
-              </a:rPr>
-              <a:t>"</a:t>
+                  <a:srgbClr val="EF596F"/>
+                </a:solidFill>
+                <a:effectLst/>
+                <a:latin typeface="JetBrains Mono"/>
+              </a:rPr>
+              <a:t>env</a:t>
+            </a:r>
+            <a:r>
+              <a:rPr kumimoji="0" lang="de-DE" altLang="de-DE" sz="2000" b="0" i="0" u="none" strike="noStrike" cap="none" normalizeH="0" baseline="0" dirty="0" smtClean="0">
+                <a:ln>
+                  <a:noFill/>
+                </a:ln>
+                <a:solidFill>
+                  <a:srgbClr val="EF596F"/>
+                </a:solidFill>
+                <a:effectLst/>
+                <a:latin typeface="JetBrains Mono"/>
+              </a:rPr>
+              <a:t/>
             </a:r>
             <a:br>
               <a:rPr kumimoji="0" lang="de-DE" altLang="de-DE" sz="2000" b="0" i="0" u="none" strike="noStrike" cap="none" normalizeH="0" baseline="0" dirty="0" smtClean="0">
@@ -5553,7 +5376,7 @@
                   <a:noFill/>
                 </a:ln>
                 <a:solidFill>
-                  <a:srgbClr val="89CA78"/>
+                  <a:srgbClr val="EF596F"/>
                 </a:solidFill>
                 <a:effectLst/>
                 <a:latin typeface="JetBrains Mono"/>
@@ -5565,7 +5388,84 @@
                   <a:noFill/>
                 </a:ln>
                 <a:solidFill>
-                  <a:srgbClr val="89CA78"/>
+                  <a:srgbClr val="EF596F"/>
+                </a:solidFill>
+                <a:effectLst/>
+                <a:latin typeface="JetBrains Mono"/>
+              </a:rPr>
+              <a:t>  tags    </a:t>
+            </a:r>
+            <a:r>
+              <a:rPr kumimoji="0" lang="de-DE" altLang="de-DE" sz="2000" b="0" i="0" u="none" strike="noStrike" cap="none" normalizeH="0" baseline="0" dirty="0" smtClean="0">
+                <a:ln>
+                  <a:noFill/>
+                </a:ln>
+                <a:solidFill>
+                  <a:srgbClr val="BBBBBB"/>
+                </a:solidFill>
+                <a:effectLst/>
+                <a:latin typeface="JetBrains Mono"/>
+              </a:rPr>
+              <a:t>= </a:t>
+            </a:r>
+            <a:r>
+              <a:rPr kumimoji="0" lang="de-DE" altLang="de-DE" sz="2000" b="0" i="0" u="none" strike="noStrike" cap="none" normalizeH="0" baseline="0" dirty="0" err="1" smtClean="0">
+                <a:ln>
+                  <a:noFill/>
+                </a:ln>
+                <a:solidFill>
+                  <a:srgbClr val="BBBBBB"/>
+                </a:solidFill>
+                <a:effectLst/>
+                <a:latin typeface="JetBrains Mono"/>
+              </a:rPr>
+              <a:t>local.</a:t>
+            </a:r>
+            <a:r>
+              <a:rPr kumimoji="0" lang="de-DE" altLang="de-DE" sz="2000" b="0" i="0" u="none" strike="noStrike" cap="none" normalizeH="0" baseline="0" dirty="0" err="1" smtClean="0">
+                <a:ln>
+                  <a:noFill/>
+                </a:ln>
+                <a:solidFill>
+                  <a:srgbClr val="EF596F"/>
+                </a:solidFill>
+                <a:effectLst/>
+                <a:latin typeface="JetBrains Mono"/>
+              </a:rPr>
+              <a:t>tags</a:t>
+            </a:r>
+            <a:r>
+              <a:rPr kumimoji="0" lang="de-DE" altLang="de-DE" sz="2000" b="0" i="0" u="none" strike="noStrike" cap="none" normalizeH="0" baseline="0" dirty="0" smtClean="0">
+                <a:ln>
+                  <a:noFill/>
+                </a:ln>
+                <a:solidFill>
+                  <a:srgbClr val="EF596F"/>
+                </a:solidFill>
+                <a:effectLst/>
+                <a:latin typeface="JetBrains Mono"/>
+              </a:rPr>
+              <a:t/>
+            </a:r>
+            <a:br>
+              <a:rPr kumimoji="0" lang="de-DE" altLang="de-DE" sz="2000" b="0" i="0" u="none" strike="noStrike" cap="none" normalizeH="0" baseline="0" dirty="0" smtClean="0">
+                <a:ln>
+                  <a:noFill/>
+                </a:ln>
+                <a:solidFill>
+                  <a:srgbClr val="EF596F"/>
+                </a:solidFill>
+                <a:effectLst/>
+                <a:latin typeface="JetBrains Mono"/>
+              </a:rPr>
+            </a:br>
+            <a:r>
+              <a:rPr kumimoji="0" lang="de-DE" altLang="de-DE" sz="2000" b="0" i="0" u="none" strike="noStrike" cap="none" normalizeH="0" baseline="0" dirty="0" smtClean="0">
+                <a:ln>
+                  <a:noFill/>
+                </a:ln>
+                <a:solidFill>
+                  <a:srgbClr val="EF596F"/>
                 </a:solidFill>
                 <a:effectLst/>
                 <a:latin typeface="JetBrains Mono"/>
@@ -5583,7 +5483,7 @@
                 <a:effectLst/>
                 <a:latin typeface="JetBrains Mono"/>
               </a:rPr>
-              <a:t>version</a:t>
+              <a:t>region</a:t>
             </a:r>
             <a:r>
               <a:rPr kumimoji="0" lang="de-DE" altLang="de-DE" sz="2000" b="0" i="0" u="none" strike="noStrike" cap="none" normalizeH="0" baseline="0" dirty="0" smtClean="0">
@@ -5612,17 +5512,43 @@
               <a:t>= </a:t>
             </a:r>
             <a:r>
-              <a:rPr kumimoji="0" lang="de-DE" altLang="de-DE" sz="2000" b="0" i="0" u="none" strike="noStrike" cap="none" normalizeH="0" baseline="0" dirty="0" smtClean="0">
-                <a:ln>
-                  <a:noFill/>
-                </a:ln>
-                <a:solidFill>
-                  <a:srgbClr val="89CA78"/>
-                </a:solidFill>
-                <a:effectLst/>
-                <a:latin typeface="JetBrains Mono"/>
-              </a:rPr>
-              <a:t>"~&gt; 2.11.1"</a:t>
+              <a:rPr kumimoji="0" lang="de-DE" altLang="de-DE" sz="2000" b="0" i="0" u="none" strike="noStrike" cap="none" normalizeH="0" baseline="0" dirty="0" err="1" smtClean="0">
+                <a:ln>
+                  <a:noFill/>
+                </a:ln>
+                <a:solidFill>
+                  <a:srgbClr val="BBBBBB"/>
+                </a:solidFill>
+                <a:effectLst/>
+                <a:latin typeface="JetBrains Mono"/>
+              </a:rPr>
+              <a:t>local.</a:t>
+            </a:r>
+            <a:r>
+              <a:rPr kumimoji="0" lang="de-DE" altLang="de-DE" sz="2000" b="0" i="0" u="none" strike="noStrike" cap="none" normalizeH="0" baseline="0" dirty="0" err="1" smtClean="0">
+                <a:ln>
+                  <a:noFill/>
+                </a:ln>
+                <a:solidFill>
+                  <a:srgbClr val="EF596F"/>
+                </a:solidFill>
+                <a:effectLst/>
+                <a:latin typeface="JetBrains Mono"/>
+              </a:rPr>
+              <a:t>region</a:t>
+            </a:r>
+            <a:r>
+              <a:rPr kumimoji="0" lang="de-DE" altLang="de-DE" sz="2000" b="0" i="0" u="none" strike="noStrike" cap="none" normalizeH="0" baseline="0" dirty="0" smtClean="0">
+                <a:ln>
+                  <a:noFill/>
+                </a:ln>
+                <a:solidFill>
+                  <a:srgbClr val="EF596F"/>
+                </a:solidFill>
+                <a:effectLst/>
+                <a:latin typeface="JetBrains Mono"/>
+              </a:rPr>
+              <a:t/>
             </a:r>
             <a:br>
               <a:rPr kumimoji="0" lang="de-DE" altLang="de-DE" sz="2000" b="0" i="0" u="none" strike="noStrike" cap="none" normalizeH="0" baseline="0" dirty="0" smtClean="0">
@@ -5630,404 +5556,7 @@
                   <a:noFill/>
                 </a:ln>
                 <a:solidFill>
-                  <a:srgbClr val="89CA78"/>
-                </a:solidFill>
-                <a:effectLst/>
-                <a:latin typeface="JetBrains Mono"/>
-              </a:rPr>
-            </a:br>
-            <a:r>
-              <a:rPr kumimoji="0" lang="de-DE" altLang="de-DE" sz="2000" b="0" i="0" u="none" strike="noStrike" cap="none" normalizeH="0" baseline="0" dirty="0" smtClean="0">
-                <a:ln>
-                  <a:noFill/>
-                </a:ln>
-                <a:solidFill>
-                  <a:srgbClr val="89CA78"/>
-                </a:solidFill>
-                <a:effectLst/>
-                <a:latin typeface="JetBrains Mono"/>
-              </a:rPr>
-              <a:t/>
-            </a:r>
-            <a:br>
-              <a:rPr kumimoji="0" lang="de-DE" altLang="de-DE" sz="2000" b="0" i="0" u="none" strike="noStrike" cap="none" normalizeH="0" baseline="0" dirty="0" smtClean="0">
-                <a:ln>
-                  <a:noFill/>
-                </a:ln>
-                <a:solidFill>
-                  <a:srgbClr val="89CA78"/>
-                </a:solidFill>
-                <a:effectLst/>
-                <a:latin typeface="JetBrains Mono"/>
-              </a:rPr>
-            </a:br>
-            <a:r>
-              <a:rPr kumimoji="0" lang="de-DE" altLang="de-DE" sz="2000" b="0" i="0" u="none" strike="noStrike" cap="none" normalizeH="0" baseline="0" dirty="0" smtClean="0">
-                <a:ln>
-                  <a:noFill/>
-                </a:ln>
-                <a:solidFill>
-                  <a:srgbClr val="89CA78"/>
-                </a:solidFill>
-                <a:effectLst/>
-                <a:latin typeface="JetBrains Mono"/>
-              </a:rPr>
-              <a:t>  </a:t>
-            </a:r>
-            <a:r>
-              <a:rPr kumimoji="0" lang="de-DE" altLang="de-DE" sz="2000" b="0" i="0" u="none" strike="noStrike" cap="none" normalizeH="0" baseline="0" dirty="0" err="1" smtClean="0">
-                <a:ln>
-                  <a:noFill/>
-                </a:ln>
-                <a:solidFill>
                   <a:srgbClr val="EF596F"/>
-                </a:solidFill>
-                <a:effectLst/>
-                <a:latin typeface="JetBrains Mono"/>
-              </a:rPr>
-              <a:t>bucket</a:t>
-            </a:r>
-            <a:r>
-              <a:rPr kumimoji="0" lang="de-DE" altLang="de-DE" sz="2000" b="0" i="0" u="none" strike="noStrike" cap="none" normalizeH="0" baseline="0" dirty="0" smtClean="0">
-                <a:ln>
-                  <a:noFill/>
-                </a:ln>
-                <a:solidFill>
-                  <a:srgbClr val="EF596F"/>
-                </a:solidFill>
-                <a:effectLst/>
-                <a:latin typeface="JetBrains Mono"/>
-              </a:rPr>
-              <a:t> </a:t>
-            </a:r>
-            <a:r>
-              <a:rPr kumimoji="0" lang="de-DE" altLang="de-DE" sz="2000" b="0" i="0" u="none" strike="noStrike" cap="none" normalizeH="0" baseline="0" dirty="0" smtClean="0">
-                <a:ln>
-                  <a:noFill/>
-                </a:ln>
-                <a:solidFill>
-                  <a:srgbClr val="BBBBBB"/>
-                </a:solidFill>
-                <a:effectLst/>
-                <a:latin typeface="JetBrains Mono"/>
-              </a:rPr>
-              <a:t>= </a:t>
-            </a:r>
-            <a:r>
-              <a:rPr kumimoji="0" lang="de-DE" altLang="de-DE" sz="2000" b="0" i="0" u="none" strike="noStrike" cap="none" normalizeH="0" baseline="0" dirty="0" err="1" smtClean="0">
-                <a:ln>
-                  <a:noFill/>
-                </a:ln>
-                <a:solidFill>
-                  <a:srgbClr val="BBBBBB"/>
-                </a:solidFill>
-                <a:effectLst/>
-                <a:latin typeface="JetBrains Mono"/>
-              </a:rPr>
-              <a:t>var.</a:t>
-            </a:r>
-            <a:r>
-              <a:rPr kumimoji="0" lang="de-DE" altLang="de-DE" sz="2000" b="0" i="0" u="none" strike="noStrike" cap="none" normalizeH="0" baseline="0" dirty="0" err="1" smtClean="0">
-                <a:ln>
-                  <a:noFill/>
-                </a:ln>
-                <a:solidFill>
-                  <a:srgbClr val="EF596F"/>
-                </a:solidFill>
-                <a:effectLst/>
-                <a:latin typeface="JetBrains Mono"/>
-              </a:rPr>
-              <a:t>demo_bucket</a:t>
-            </a:r>
-            <a:r>
-              <a:rPr kumimoji="0" lang="de-DE" altLang="de-DE" sz="2000" b="0" i="0" u="none" strike="noStrike" cap="none" normalizeH="0" baseline="0" dirty="0" smtClean="0">
-                <a:ln>
-                  <a:noFill/>
-                </a:ln>
-                <a:solidFill>
-                  <a:srgbClr val="EF596F"/>
-                </a:solidFill>
-                <a:effectLst/>
-                <a:latin typeface="JetBrains Mono"/>
-              </a:rPr>
-              <a:t/>
-            </a:r>
-            <a:br>
-              <a:rPr kumimoji="0" lang="de-DE" altLang="de-DE" sz="2000" b="0" i="0" u="none" strike="noStrike" cap="none" normalizeH="0" baseline="0" dirty="0" smtClean="0">
-                <a:ln>
-                  <a:noFill/>
-                </a:ln>
-                <a:solidFill>
-                  <a:srgbClr val="EF596F"/>
-                </a:solidFill>
-                <a:effectLst/>
-                <a:latin typeface="JetBrains Mono"/>
-              </a:rPr>
-            </a:br>
-            <a:r>
-              <a:rPr kumimoji="0" lang="de-DE" altLang="de-DE" sz="2000" b="0" i="0" u="none" strike="noStrike" cap="none" normalizeH="0" baseline="0" dirty="0" smtClean="0">
-                <a:ln>
-                  <a:noFill/>
-                </a:ln>
-                <a:solidFill>
-                  <a:srgbClr val="EF596F"/>
-                </a:solidFill>
-                <a:effectLst/>
-                <a:latin typeface="JetBrains Mono"/>
-              </a:rPr>
-              <a:t>  </a:t>
-            </a:r>
-            <a:r>
-              <a:rPr kumimoji="0" lang="de-DE" altLang="de-DE" sz="2000" b="0" i="0" u="none" strike="noStrike" cap="none" normalizeH="0" baseline="0" dirty="0" err="1" smtClean="0">
-                <a:ln>
-                  <a:noFill/>
-                </a:ln>
-                <a:solidFill>
-                  <a:srgbClr val="EF596F"/>
-                </a:solidFill>
-                <a:effectLst/>
-                <a:latin typeface="JetBrains Mono"/>
-              </a:rPr>
-              <a:t>acl</a:t>
-            </a:r>
-            <a:r>
-              <a:rPr kumimoji="0" lang="de-DE" altLang="de-DE" sz="2000" b="0" i="0" u="none" strike="noStrike" cap="none" normalizeH="0" baseline="0" dirty="0" smtClean="0">
-                <a:ln>
-                  <a:noFill/>
-                </a:ln>
-                <a:solidFill>
-                  <a:srgbClr val="EF596F"/>
-                </a:solidFill>
-                <a:effectLst/>
-                <a:latin typeface="JetBrains Mono"/>
-              </a:rPr>
-              <a:t>    </a:t>
-            </a:r>
-            <a:r>
-              <a:rPr kumimoji="0" lang="de-DE" altLang="de-DE" sz="2000" b="0" i="0" u="none" strike="noStrike" cap="none" normalizeH="0" baseline="0" dirty="0" smtClean="0">
-                <a:ln>
-                  <a:noFill/>
-                </a:ln>
-                <a:solidFill>
-                  <a:srgbClr val="BBBBBB"/>
-                </a:solidFill>
-                <a:effectLst/>
-                <a:latin typeface="JetBrains Mono"/>
-              </a:rPr>
-              <a:t>= </a:t>
-            </a:r>
-            <a:r>
-              <a:rPr kumimoji="0" lang="de-DE" altLang="de-DE" sz="2000" b="0" i="0" u="none" strike="noStrike" cap="none" normalizeH="0" baseline="0" dirty="0" smtClean="0">
-                <a:ln>
-                  <a:noFill/>
-                </a:ln>
-                <a:solidFill>
-                  <a:srgbClr val="89CA78"/>
-                </a:solidFill>
-                <a:effectLst/>
-                <a:latin typeface="JetBrains Mono"/>
-              </a:rPr>
-              <a:t>"private"</a:t>
-            </a:r>
-            <a:br>
-              <a:rPr kumimoji="0" lang="de-DE" altLang="de-DE" sz="2000" b="0" i="0" u="none" strike="noStrike" cap="none" normalizeH="0" baseline="0" dirty="0" smtClean="0">
-                <a:ln>
-                  <a:noFill/>
-                </a:ln>
-                <a:solidFill>
-                  <a:srgbClr val="89CA78"/>
-                </a:solidFill>
-                <a:effectLst/>
-                <a:latin typeface="JetBrains Mono"/>
-              </a:rPr>
-            </a:br>
-            <a:r>
-              <a:rPr kumimoji="0" lang="de-DE" altLang="de-DE" sz="2000" b="0" i="0" u="none" strike="noStrike" cap="none" normalizeH="0" baseline="0" dirty="0" smtClean="0">
-                <a:ln>
-                  <a:noFill/>
-                </a:ln>
-                <a:solidFill>
-                  <a:srgbClr val="89CA78"/>
-                </a:solidFill>
-                <a:effectLst/>
-                <a:latin typeface="JetBrains Mono"/>
-              </a:rPr>
-              <a:t>  </a:t>
-            </a:r>
-            <a:r>
-              <a:rPr kumimoji="0" lang="de-DE" altLang="de-DE" sz="2000" b="0" i="0" u="none" strike="noStrike" cap="none" normalizeH="0" baseline="0" dirty="0" smtClean="0">
-                <a:ln>
-                  <a:noFill/>
-                </a:ln>
-                <a:solidFill>
-                  <a:srgbClr val="EF596F"/>
-                </a:solidFill>
-                <a:effectLst/>
-                <a:latin typeface="JetBrains Mono"/>
-              </a:rPr>
-              <a:t>tags   </a:t>
-            </a:r>
-            <a:r>
-              <a:rPr kumimoji="0" lang="de-DE" altLang="de-DE" sz="2000" b="0" i="0" u="none" strike="noStrike" cap="none" normalizeH="0" baseline="0" dirty="0" smtClean="0">
-                <a:ln>
-                  <a:noFill/>
-                </a:ln>
-                <a:solidFill>
-                  <a:srgbClr val="BBBBBB"/>
-                </a:solidFill>
-                <a:effectLst/>
-                <a:latin typeface="JetBrains Mono"/>
-              </a:rPr>
-              <a:t>= {</a:t>
-            </a:r>
-            <a:br>
-              <a:rPr kumimoji="0" lang="de-DE" altLang="de-DE" sz="2000" b="0" i="0" u="none" strike="noStrike" cap="none" normalizeH="0" baseline="0" dirty="0" smtClean="0">
-                <a:ln>
-                  <a:noFill/>
-                </a:ln>
-                <a:solidFill>
-                  <a:srgbClr val="BBBBBB"/>
-                </a:solidFill>
-                <a:effectLst/>
-                <a:latin typeface="JetBrains Mono"/>
-              </a:rPr>
-            </a:br>
-            <a:r>
-              <a:rPr kumimoji="0" lang="de-DE" altLang="de-DE" sz="2000" b="0" i="0" u="none" strike="noStrike" cap="none" normalizeH="0" baseline="0" dirty="0" smtClean="0">
-                <a:ln>
-                  <a:noFill/>
-                </a:ln>
-                <a:solidFill>
-                  <a:srgbClr val="BBBBBB"/>
-                </a:solidFill>
-                <a:effectLst/>
-                <a:latin typeface="JetBrains Mono"/>
-              </a:rPr>
-              <a:t>    </a:t>
-            </a:r>
-            <a:r>
-              <a:rPr kumimoji="0" lang="de-DE" altLang="de-DE" sz="2000" b="0" i="0" u="none" strike="noStrike" cap="none" normalizeH="0" baseline="0" dirty="0" err="1" smtClean="0">
-                <a:ln>
-                  <a:noFill/>
-                </a:ln>
-                <a:solidFill>
-                  <a:srgbClr val="EF596F"/>
-                </a:solidFill>
-                <a:effectLst/>
-                <a:latin typeface="JetBrains Mono"/>
-              </a:rPr>
-              <a:t>name</a:t>
-            </a:r>
-            <a:r>
-              <a:rPr kumimoji="0" lang="de-DE" altLang="de-DE" sz="2000" b="0" i="0" u="none" strike="noStrike" cap="none" normalizeH="0" baseline="0" dirty="0" smtClean="0">
-                <a:ln>
-                  <a:noFill/>
-                </a:ln>
-                <a:solidFill>
-                  <a:srgbClr val="EF596F"/>
-                </a:solidFill>
-                <a:effectLst/>
-                <a:latin typeface="JetBrains Mono"/>
-              </a:rPr>
-              <a:t> </a:t>
-            </a:r>
-            <a:r>
-              <a:rPr kumimoji="0" lang="de-DE" altLang="de-DE" sz="2000" b="0" i="0" u="none" strike="noStrike" cap="none" normalizeH="0" baseline="0" dirty="0" smtClean="0">
-                <a:ln>
-                  <a:noFill/>
-                </a:ln>
-                <a:solidFill>
-                  <a:srgbClr val="BBBBBB"/>
-                </a:solidFill>
-                <a:effectLst/>
-                <a:latin typeface="JetBrains Mono"/>
-              </a:rPr>
-              <a:t>= </a:t>
-            </a:r>
-            <a:r>
-              <a:rPr kumimoji="0" lang="de-DE" altLang="de-DE" sz="2000" b="0" i="0" u="none" strike="noStrike" cap="none" normalizeH="0" baseline="0" dirty="0" err="1" smtClean="0">
-                <a:ln>
-                  <a:noFill/>
-                </a:ln>
-                <a:solidFill>
-                  <a:srgbClr val="BBBBBB"/>
-                </a:solidFill>
-                <a:effectLst/>
-                <a:latin typeface="JetBrains Mono"/>
-              </a:rPr>
-              <a:t>var.</a:t>
-            </a:r>
-            <a:r>
-              <a:rPr kumimoji="0" lang="de-DE" altLang="de-DE" sz="2000" b="0" i="0" u="none" strike="noStrike" cap="none" normalizeH="0" baseline="0" dirty="0" err="1" smtClean="0">
-                <a:ln>
-                  <a:noFill/>
-                </a:ln>
-                <a:solidFill>
-                  <a:srgbClr val="EF596F"/>
-                </a:solidFill>
-                <a:effectLst/>
-                <a:latin typeface="JetBrains Mono"/>
-              </a:rPr>
-              <a:t>demo_bucket</a:t>
-            </a:r>
-            <a:r>
-              <a:rPr kumimoji="0" lang="de-DE" altLang="de-DE" sz="2000" b="0" i="0" u="none" strike="noStrike" cap="none" normalizeH="0" baseline="0" dirty="0" smtClean="0">
-                <a:ln>
-                  <a:noFill/>
-                </a:ln>
-                <a:solidFill>
-                  <a:srgbClr val="EF596F"/>
-                </a:solidFill>
-                <a:effectLst/>
-                <a:latin typeface="JetBrains Mono"/>
-              </a:rPr>
-              <a:t/>
-            </a:r>
-            <a:br>
-              <a:rPr kumimoji="0" lang="de-DE" altLang="de-DE" sz="2000" b="0" i="0" u="none" strike="noStrike" cap="none" normalizeH="0" baseline="0" dirty="0" smtClean="0">
-                <a:ln>
-                  <a:noFill/>
-                </a:ln>
-                <a:solidFill>
-                  <a:srgbClr val="EF596F"/>
-                </a:solidFill>
-                <a:effectLst/>
-                <a:latin typeface="JetBrains Mono"/>
-              </a:rPr>
-            </a:br>
-            <a:r>
-              <a:rPr kumimoji="0" lang="de-DE" altLang="de-DE" sz="2000" b="0" i="0" u="none" strike="noStrike" cap="none" normalizeH="0" baseline="0" dirty="0" smtClean="0">
-                <a:ln>
-                  <a:noFill/>
-                </a:ln>
-                <a:solidFill>
-                  <a:srgbClr val="EF596F"/>
-                </a:solidFill>
-                <a:effectLst/>
-                <a:latin typeface="JetBrains Mono"/>
-              </a:rPr>
-              <a:t>  </a:t>
-            </a:r>
-            <a:r>
-              <a:rPr kumimoji="0" lang="de-DE" altLang="de-DE" sz="2000" b="0" i="0" u="none" strike="noStrike" cap="none" normalizeH="0" baseline="0" dirty="0" smtClean="0">
-                <a:ln>
-                  <a:noFill/>
-                </a:ln>
-                <a:solidFill>
-                  <a:srgbClr val="BBBBBB"/>
-                </a:solidFill>
-                <a:effectLst/>
-                <a:latin typeface="JetBrains Mono"/>
-              </a:rPr>
-              <a:t>}</a:t>
-            </a:r>
-            <a:br>
-              <a:rPr kumimoji="0" lang="de-DE" altLang="de-DE" sz="2000" b="0" i="0" u="none" strike="noStrike" cap="none" normalizeH="0" baseline="0" dirty="0" smtClean="0">
-                <a:ln>
-                  <a:noFill/>
-                </a:ln>
-                <a:solidFill>
-                  <a:srgbClr val="BBBBBB"/>
                 </a:solidFill>
                 <a:effectLst/>
                 <a:latin typeface="JetBrains Mono"/>
@@ -6059,39 +5588,1799 @@
           </a:p>
         </p:txBody>
       </p:sp>
+      <p:sp>
+        <p:nvSpPr>
+          <p:cNvPr id="5" name="Textfeld 4"/>
+          <p:cNvSpPr txBox="1"/>
+          <p:nvPr/>
+        </p:nvSpPr>
+        <p:spPr>
+          <a:xfrm>
+            <a:off x="4508500" y="2266084"/>
+            <a:ext cx="2791020" cy="369332"/>
+          </a:xfrm>
+          <a:prstGeom prst="rect">
+            <a:avLst/>
+          </a:prstGeom>
+          <a:noFill/>
+        </p:spPr>
+        <p:txBody>
+          <a:bodyPr wrap="none" rtlCol="0">
+            <a:spAutoFit/>
+          </a:bodyPr>
+          <a:lstStyle/>
+          <a:p>
+            <a:r>
+              <a:rPr lang="de-DE" dirty="0" smtClean="0"/>
+              <a:t>Module Block in der main.tf</a:t>
+            </a:r>
+            <a:endParaRPr lang="de-DE" dirty="0"/>
+          </a:p>
+        </p:txBody>
+      </p:sp>
+      <p:sp>
+        <p:nvSpPr>
+          <p:cNvPr id="6" name="Textfeld 5"/>
+          <p:cNvSpPr txBox="1"/>
+          <p:nvPr/>
+        </p:nvSpPr>
+        <p:spPr>
+          <a:xfrm>
+            <a:off x="461434" y="1506022"/>
+            <a:ext cx="3035254" cy="369332"/>
+          </a:xfrm>
+          <a:prstGeom prst="rect">
+            <a:avLst/>
+          </a:prstGeom>
+          <a:noFill/>
+        </p:spPr>
+        <p:txBody>
+          <a:bodyPr wrap="none" rtlCol="0">
+            <a:spAutoFit/>
+          </a:bodyPr>
+          <a:lstStyle/>
+          <a:p>
+            <a:r>
+              <a:rPr lang="de-DE" dirty="0" smtClean="0"/>
+              <a:t>Verzeichnisstruktur des Modul</a:t>
+            </a:r>
+            <a:endParaRPr lang="de-DE" dirty="0"/>
+          </a:p>
+        </p:txBody>
+      </p:sp>
       <p:pic>
         <p:nvPicPr>
-          <p:cNvPr id="6" name="Grafik 5"/>
+          <p:cNvPr id="7" name="Grafik 6"/>
           <p:cNvPicPr>
             <a:picLocks noChangeAspect="1"/>
           </p:cNvPicPr>
           <p:nvPr/>
         </p:nvPicPr>
         <p:blipFill>
-          <a:blip r:embed="rId4"/>
+          <a:blip r:embed="rId3"/>
           <a:stretch>
             <a:fillRect/>
           </a:stretch>
         </p:blipFill>
         <p:spPr>
           <a:xfrm>
-            <a:off x="6629222" y="2873512"/>
-            <a:ext cx="5364339" cy="3170099"/>
+            <a:off x="461434" y="1875354"/>
+            <a:ext cx="3836708" cy="4405649"/>
           </a:xfrm>
           <a:prstGeom prst="rect">
             <a:avLst/>
           </a:prstGeom>
-          <a:ln>
-            <a:solidFill>
-              <a:schemeClr val="tx1"/>
-            </a:solidFill>
-          </a:ln>
         </p:spPr>
       </p:pic>
     </p:spTree>
     <p:extLst>
       <p:ext uri="{BB962C8B-B14F-4D97-AF65-F5344CB8AC3E}">
-        <p14:creationId xmlns:p14="http://schemas.microsoft.com/office/powerpoint/2010/main" val="3900226877"/>
+        <p14:creationId xmlns:p14="http://schemas.microsoft.com/office/powerpoint/2010/main" val="3569864209"/>
+      </p:ext>
+    </p:extLst>
+  </p:cSld>
+  <p:clrMapOvr>
+    <a:masterClrMapping/>
+  </p:clrMapOvr>
+  <p:timing>
+    <p:tnLst>
+      <p:par>
+        <p:cTn id="1" dur="indefinite" restart="never" nodeType="tmRoot"/>
+      </p:par>
+    </p:tnLst>
+  </p:timing>
+</p:sld>
+</file>
+
+<file path=ppt/slides/slide4.xml><?xml version="1.0" encoding="utf-8"?>
+<p:sld xmlns:a="http://schemas.openxmlformats.org/drawingml/2006/main" xmlns:r="http://schemas.openxmlformats.org/officeDocument/2006/relationships" xmlns:p="http://schemas.openxmlformats.org/presentationml/2006/main">
+  <p:cSld>
+    <p:spTree>
+      <p:nvGrpSpPr>
+        <p:cNvPr id="1" name=""/>
+        <p:cNvGrpSpPr/>
+        <p:nvPr/>
+      </p:nvGrpSpPr>
+      <p:grpSpPr>
+        <a:xfrm>
+          <a:off x="0" y="0"/>
+          <a:ext cx="0" cy="0"/>
+          <a:chOff x="0" y="0"/>
+          <a:chExt cx="0" cy="0"/>
+        </a:xfrm>
+      </p:grpSpPr>
+      <p:sp>
+        <p:nvSpPr>
+          <p:cNvPr id="2" name="Titel 1"/>
+          <p:cNvSpPr>
+            <a:spLocks noGrp="1"/>
+          </p:cNvSpPr>
+          <p:nvPr>
+            <p:ph type="title"/>
+          </p:nvPr>
+        </p:nvSpPr>
+        <p:spPr/>
+        <p:txBody>
+          <a:bodyPr/>
+          <a:lstStyle/>
+          <a:p>
+            <a:r>
+              <a:rPr lang="de-DE" dirty="0" smtClean="0"/>
+              <a:t>Module – Meta-arguments</a:t>
+            </a:r>
+            <a:endParaRPr lang="de-DE" dirty="0"/>
+          </a:p>
+        </p:txBody>
+      </p:sp>
+      <p:sp>
+        <p:nvSpPr>
+          <p:cNvPr id="3" name="Inhaltsplatzhalter 2"/>
+          <p:cNvSpPr>
+            <a:spLocks noGrp="1"/>
+          </p:cNvSpPr>
+          <p:nvPr>
+            <p:ph idx="1"/>
+          </p:nvPr>
+        </p:nvSpPr>
+        <p:spPr>
+          <a:xfrm>
+            <a:off x="838200" y="1825625"/>
+            <a:ext cx="10515600" cy="4351338"/>
+          </a:xfrm>
+        </p:spPr>
+        <p:txBody>
+          <a:bodyPr/>
+          <a:lstStyle/>
+          <a:p>
+            <a:r>
+              <a:rPr lang="de-DE" dirty="0" err="1" smtClean="0"/>
+              <a:t>count</a:t>
+            </a:r>
+            <a:endParaRPr lang="de-DE" dirty="0" smtClean="0"/>
+          </a:p>
+          <a:p>
+            <a:pPr lvl="1"/>
+            <a:r>
+              <a:rPr lang="de-DE" dirty="0" smtClean="0"/>
+              <a:t>Erzeugt n Instanzen eines Modul-Blocks</a:t>
+            </a:r>
+            <a:endParaRPr lang="de-DE" dirty="0" smtClean="0"/>
+          </a:p>
+          <a:p>
+            <a:r>
+              <a:rPr lang="de-DE" dirty="0" err="1" smtClean="0"/>
+              <a:t>for_each</a:t>
+            </a:r>
+            <a:endParaRPr lang="de-DE" dirty="0" smtClean="0"/>
+          </a:p>
+          <a:p>
+            <a:pPr lvl="1"/>
+            <a:r>
+              <a:rPr lang="de-DE" dirty="0" smtClean="0"/>
+              <a:t>Erzeugt 1 Instanz eines Modul-Blocks pro Eintrag einer </a:t>
+            </a:r>
+            <a:r>
+              <a:rPr lang="de-DE" dirty="0" err="1" smtClean="0"/>
+              <a:t>Map</a:t>
+            </a:r>
+            <a:r>
+              <a:rPr lang="de-DE" dirty="0" smtClean="0"/>
+              <a:t>/eines Set</a:t>
+            </a:r>
+          </a:p>
+          <a:p>
+            <a:r>
+              <a:rPr lang="de-DE" dirty="0" err="1"/>
+              <a:t>p</a:t>
+            </a:r>
+            <a:r>
+              <a:rPr lang="de-DE" dirty="0" err="1" smtClean="0"/>
+              <a:t>roviders</a:t>
+            </a:r>
+            <a:endParaRPr lang="de-DE" dirty="0" smtClean="0"/>
+          </a:p>
+          <a:p>
+            <a:pPr lvl="1"/>
+            <a:r>
+              <a:rPr lang="de-DE" dirty="0" smtClean="0"/>
+              <a:t>Übergeben der Provider-Konfiguration aus dem Parent in das Child-Module</a:t>
+            </a:r>
+          </a:p>
+          <a:p>
+            <a:r>
+              <a:rPr lang="de-DE" dirty="0" err="1" smtClean="0"/>
+              <a:t>depends_on</a:t>
+            </a:r>
+            <a:endParaRPr lang="de-DE" dirty="0" smtClean="0"/>
+          </a:p>
+          <a:p>
+            <a:pPr lvl="1"/>
+            <a:r>
+              <a:rPr lang="de-DE" dirty="0" smtClean="0"/>
+              <a:t>Explizite Angabe von Abhängigkeiten</a:t>
+            </a:r>
+            <a:endParaRPr lang="de-DE" dirty="0"/>
+          </a:p>
+        </p:txBody>
+      </p:sp>
+    </p:spTree>
+    <p:extLst>
+      <p:ext uri="{BB962C8B-B14F-4D97-AF65-F5344CB8AC3E}">
+        <p14:creationId xmlns:p14="http://schemas.microsoft.com/office/powerpoint/2010/main" val="3265198097"/>
+      </p:ext>
+    </p:extLst>
+  </p:cSld>
+  <p:clrMapOvr>
+    <a:masterClrMapping/>
+  </p:clrMapOvr>
+  <p:timing>
+    <p:tnLst>
+      <p:par>
+        <p:cTn id="1" dur="indefinite" restart="never" nodeType="tmRoot"/>
+      </p:par>
+    </p:tnLst>
+  </p:timing>
+</p:sld>
+</file>
+
+<file path=ppt/slides/slide5.xml><?xml version="1.0" encoding="utf-8"?>
+<p:sld xmlns:a="http://schemas.openxmlformats.org/drawingml/2006/main" xmlns:r="http://schemas.openxmlformats.org/officeDocument/2006/relationships" xmlns:p="http://schemas.openxmlformats.org/presentationml/2006/main">
+  <p:cSld>
+    <p:spTree>
+      <p:nvGrpSpPr>
+        <p:cNvPr id="1" name=""/>
+        <p:cNvGrpSpPr/>
+        <p:nvPr/>
+      </p:nvGrpSpPr>
+      <p:grpSpPr>
+        <a:xfrm>
+          <a:off x="0" y="0"/>
+          <a:ext cx="0" cy="0"/>
+          <a:chOff x="0" y="0"/>
+          <a:chExt cx="0" cy="0"/>
+        </a:xfrm>
+      </p:grpSpPr>
+      <p:sp>
+        <p:nvSpPr>
+          <p:cNvPr id="2" name="Titel 1"/>
+          <p:cNvSpPr>
+            <a:spLocks noGrp="1"/>
+          </p:cNvSpPr>
+          <p:nvPr>
+            <p:ph type="title"/>
+          </p:nvPr>
+        </p:nvSpPr>
+        <p:spPr/>
+        <p:txBody>
+          <a:bodyPr/>
+          <a:lstStyle/>
+          <a:p>
+            <a:r>
+              <a:rPr lang="de-DE" dirty="0" smtClean="0"/>
+              <a:t>Best Practice: Module </a:t>
+            </a:r>
+            <a:r>
+              <a:rPr lang="de-DE" dirty="0" err="1" smtClean="0"/>
+              <a:t>Composition</a:t>
+            </a:r>
+            <a:endParaRPr lang="de-DE" dirty="0"/>
+          </a:p>
+        </p:txBody>
+      </p:sp>
+      <p:sp>
+        <p:nvSpPr>
+          <p:cNvPr id="3" name="Inhaltsplatzhalter 2"/>
+          <p:cNvSpPr>
+            <a:spLocks noGrp="1"/>
+          </p:cNvSpPr>
+          <p:nvPr>
+            <p:ph idx="1"/>
+          </p:nvPr>
+        </p:nvSpPr>
+        <p:spPr>
+          <a:xfrm>
+            <a:off x="838200" y="1825625"/>
+            <a:ext cx="10515600" cy="4351338"/>
+          </a:xfrm>
+        </p:spPr>
+        <p:txBody>
+          <a:bodyPr/>
+          <a:lstStyle/>
+          <a:p>
+            <a:r>
+              <a:rPr lang="de-DE" dirty="0" smtClean="0"/>
+              <a:t>Flache Hierarchie – Child-Module sollten selbst keine weiteren </a:t>
+            </a:r>
+            <a:r>
+              <a:rPr lang="de-DE" dirty="0" err="1" smtClean="0"/>
+              <a:t>Children</a:t>
+            </a:r>
+            <a:r>
+              <a:rPr lang="de-DE" dirty="0" smtClean="0"/>
+              <a:t> haben</a:t>
+            </a:r>
+          </a:p>
+          <a:p>
+            <a:r>
+              <a:rPr lang="de-DE" dirty="0" smtClean="0"/>
+              <a:t>Abhängigkeiten zwischen Child-Modulen über Input/Output</a:t>
+            </a:r>
+          </a:p>
+          <a:p>
+            <a:endParaRPr lang="de-DE" dirty="0"/>
+          </a:p>
+          <a:p>
+            <a:endParaRPr lang="de-DE" dirty="0" smtClean="0"/>
+          </a:p>
+          <a:p>
+            <a:endParaRPr lang="de-DE" dirty="0" smtClean="0"/>
+          </a:p>
+        </p:txBody>
+      </p:sp>
+      <p:sp>
+        <p:nvSpPr>
+          <p:cNvPr id="6" name="Rectangle 2"/>
+          <p:cNvSpPr>
+            <a:spLocks noChangeArrowheads="1"/>
+          </p:cNvSpPr>
+          <p:nvPr/>
+        </p:nvSpPr>
+        <p:spPr bwMode="auto">
+          <a:xfrm>
+            <a:off x="1902178" y="3608879"/>
+            <a:ext cx="8387644" cy="3170099"/>
+          </a:xfrm>
+          <a:prstGeom prst="rect">
+            <a:avLst/>
+          </a:prstGeom>
+          <a:solidFill>
+            <a:srgbClr val="282C34"/>
+          </a:solidFill>
+          <a:ln>
+            <a:noFill/>
+          </a:ln>
+          <a:effectLst/>
+          <a:extLst>
+            <a:ext uri="{91240B29-F687-4F45-9708-019B960494DF}">
+              <a14:hiddenLine xmlns:a14="http://schemas.microsoft.com/office/drawing/2010/main" w="9525">
+                <a:solidFill>
+                  <a:schemeClr val="tx1"/>
+                </a:solidFill>
+                <a:miter lim="800000"/>
+                <a:headEnd/>
+                <a:tailEnd/>
+              </a14:hiddenLine>
+            </a:ext>
+            <a:ext uri="{AF507438-7753-43E0-B8FC-AC1667EBCBE1}">
+              <a14:hiddenEffects xmlns:a14="http://schemas.microsoft.com/office/drawing/2010/main">
+                <a:effectLst>
+                  <a:outerShdw dist="35921" dir="2700000" algn="ctr" rotWithShape="0">
+                    <a:schemeClr val="bg2"/>
+                  </a:outerShdw>
+                </a:effectLst>
+              </a14:hiddenEffects>
+            </a:ext>
+          </a:extLst>
+        </p:spPr>
+        <p:txBody>
+          <a:bodyPr vert="horz" wrap="square" lIns="91440" tIns="45720" rIns="91440" bIns="45720" numCol="1" anchor="ctr" anchorCtr="0" compatLnSpc="1">
+            <a:prstTxWarp prst="textNoShape">
+              <a:avLst/>
+            </a:prstTxWarp>
+            <a:spAutoFit/>
+          </a:bodyPr>
+          <a:lstStyle/>
+          <a:p>
+            <a:pPr marL="0" marR="0" lvl="0" indent="0" algn="l" defTabSz="914400" rtl="0" eaLnBrk="0" fontAlgn="base" latinLnBrk="0" hangingPunct="0">
+              <a:lnSpc>
+                <a:spcPct val="100000"/>
+              </a:lnSpc>
+              <a:spcBef>
+                <a:spcPct val="0"/>
+              </a:spcBef>
+              <a:spcAft>
+                <a:spcPct val="0"/>
+              </a:spcAft>
+              <a:buClrTx/>
+              <a:buSzTx/>
+              <a:buFontTx/>
+              <a:buNone/>
+              <a:tabLst/>
+            </a:pPr>
+            <a:r>
+              <a:rPr kumimoji="0" lang="de-DE" altLang="de-DE" sz="2000" b="0" i="1" u="none" strike="noStrike" cap="none" normalizeH="0" baseline="0" dirty="0" err="1" smtClean="0">
+                <a:ln>
+                  <a:noFill/>
+                </a:ln>
+                <a:solidFill>
+                  <a:srgbClr val="D55FDE"/>
+                </a:solidFill>
+                <a:effectLst/>
+                <a:latin typeface="JetBrains Mono"/>
+              </a:rPr>
+              <a:t>module</a:t>
+            </a:r>
+            <a:r>
+              <a:rPr kumimoji="0" lang="de-DE" altLang="de-DE" sz="2000" b="0" i="1" u="none" strike="noStrike" cap="none" normalizeH="0" baseline="0" dirty="0" smtClean="0">
+                <a:ln>
+                  <a:noFill/>
+                </a:ln>
+                <a:solidFill>
+                  <a:srgbClr val="D55FDE"/>
+                </a:solidFill>
+                <a:effectLst/>
+                <a:latin typeface="JetBrains Mono"/>
+              </a:rPr>
+              <a:t> </a:t>
+            </a:r>
+            <a:r>
+              <a:rPr kumimoji="0" lang="de-DE" altLang="de-DE" sz="2000" b="0" i="0" u="none" strike="noStrike" cap="none" normalizeH="0" baseline="0" dirty="0" smtClean="0">
+                <a:ln>
+                  <a:noFill/>
+                </a:ln>
+                <a:solidFill>
+                  <a:srgbClr val="E5C07B"/>
+                </a:solidFill>
+                <a:effectLst/>
+                <a:latin typeface="JetBrains Mono"/>
+              </a:rPr>
+              <a:t>"</a:t>
+            </a:r>
+            <a:r>
+              <a:rPr kumimoji="0" lang="de-DE" altLang="de-DE" sz="2000" b="0" i="0" u="none" strike="noStrike" cap="none" normalizeH="0" baseline="0" dirty="0" err="1" smtClean="0">
+                <a:ln>
+                  <a:noFill/>
+                </a:ln>
+                <a:solidFill>
+                  <a:srgbClr val="E5C07B"/>
+                </a:solidFill>
+                <a:effectLst/>
+                <a:latin typeface="JetBrains Mono"/>
+              </a:rPr>
+              <a:t>network</a:t>
+            </a:r>
+            <a:r>
+              <a:rPr kumimoji="0" lang="de-DE" altLang="de-DE" sz="2000" b="0" i="0" u="none" strike="noStrike" cap="none" normalizeH="0" baseline="0" dirty="0" smtClean="0">
+                <a:ln>
+                  <a:noFill/>
+                </a:ln>
+                <a:solidFill>
+                  <a:srgbClr val="E5C07B"/>
+                </a:solidFill>
+                <a:effectLst/>
+                <a:latin typeface="JetBrains Mono"/>
+              </a:rPr>
+              <a:t>" </a:t>
+            </a:r>
+            <a:r>
+              <a:rPr kumimoji="0" lang="de-DE" altLang="de-DE" sz="2000" b="0" i="0" u="none" strike="noStrike" cap="none" normalizeH="0" baseline="0" dirty="0" smtClean="0">
+                <a:ln>
+                  <a:noFill/>
+                </a:ln>
+                <a:solidFill>
+                  <a:srgbClr val="BBBBBB"/>
+                </a:solidFill>
+                <a:effectLst/>
+                <a:latin typeface="JetBrains Mono"/>
+              </a:rPr>
+              <a:t>{</a:t>
+            </a:r>
+            <a:br>
+              <a:rPr kumimoji="0" lang="de-DE" altLang="de-DE" sz="2000" b="0" i="0" u="none" strike="noStrike" cap="none" normalizeH="0" baseline="0" dirty="0" smtClean="0">
+                <a:ln>
+                  <a:noFill/>
+                </a:ln>
+                <a:solidFill>
+                  <a:srgbClr val="BBBBBB"/>
+                </a:solidFill>
+                <a:effectLst/>
+                <a:latin typeface="JetBrains Mono"/>
+              </a:rPr>
+            </a:br>
+            <a:r>
+              <a:rPr kumimoji="0" lang="de-DE" altLang="de-DE" sz="2000" b="0" i="0" u="none" strike="noStrike" cap="none" normalizeH="0" baseline="0" dirty="0" smtClean="0">
+                <a:ln>
+                  <a:noFill/>
+                </a:ln>
+                <a:solidFill>
+                  <a:srgbClr val="BBBBBB"/>
+                </a:solidFill>
+                <a:effectLst/>
+                <a:latin typeface="JetBrains Mono"/>
+              </a:rPr>
+              <a:t>  </a:t>
+            </a:r>
+            <a:r>
+              <a:rPr kumimoji="0" lang="de-DE" altLang="de-DE" sz="2000" b="0" i="0" u="none" strike="noStrike" cap="none" normalizeH="0" baseline="0" dirty="0" err="1" smtClean="0">
+                <a:ln>
+                  <a:noFill/>
+                </a:ln>
+                <a:solidFill>
+                  <a:srgbClr val="EF596F"/>
+                </a:solidFill>
+                <a:effectLst/>
+                <a:latin typeface="JetBrains Mono"/>
+              </a:rPr>
+              <a:t>source</a:t>
+            </a:r>
+            <a:r>
+              <a:rPr kumimoji="0" lang="de-DE" altLang="de-DE" sz="2000" b="0" i="0" u="none" strike="noStrike" cap="none" normalizeH="0" baseline="0" dirty="0" smtClean="0">
+                <a:ln>
+                  <a:noFill/>
+                </a:ln>
+                <a:solidFill>
+                  <a:srgbClr val="EF596F"/>
+                </a:solidFill>
+                <a:effectLst/>
+                <a:latin typeface="JetBrains Mono"/>
+              </a:rPr>
+              <a:t> </a:t>
+            </a:r>
+            <a:r>
+              <a:rPr kumimoji="0" lang="de-DE" altLang="de-DE" sz="2000" b="0" i="0" u="none" strike="noStrike" cap="none" normalizeH="0" baseline="0" dirty="0" smtClean="0">
+                <a:ln>
+                  <a:noFill/>
+                </a:ln>
+                <a:solidFill>
+                  <a:srgbClr val="BBBBBB"/>
+                </a:solidFill>
+                <a:effectLst/>
+                <a:latin typeface="JetBrains Mono"/>
+              </a:rPr>
+              <a:t>= </a:t>
+            </a:r>
+            <a:r>
+              <a:rPr kumimoji="0" lang="de-DE" altLang="de-DE" sz="2000" b="0" i="0" u="none" strike="noStrike" cap="none" normalizeH="0" baseline="0" dirty="0" smtClean="0">
+                <a:ln>
+                  <a:noFill/>
+                </a:ln>
+                <a:solidFill>
+                  <a:srgbClr val="89CA78"/>
+                </a:solidFill>
+                <a:effectLst/>
+                <a:latin typeface="JetBrains Mono"/>
+              </a:rPr>
+              <a:t>"./</a:t>
+            </a:r>
+            <a:r>
+              <a:rPr kumimoji="0" lang="de-DE" altLang="de-DE" sz="2000" b="0" i="0" u="none" strike="noStrike" cap="none" normalizeH="0" baseline="0" dirty="0" err="1" smtClean="0">
+                <a:ln>
+                  <a:noFill/>
+                </a:ln>
+                <a:solidFill>
+                  <a:srgbClr val="89CA78"/>
+                </a:solidFill>
+                <a:effectLst/>
+                <a:latin typeface="JetBrains Mono"/>
+              </a:rPr>
+              <a:t>modules</a:t>
+            </a:r>
+            <a:r>
+              <a:rPr kumimoji="0" lang="de-DE" altLang="de-DE" sz="2000" b="0" i="0" u="none" strike="noStrike" cap="none" normalizeH="0" baseline="0" dirty="0" smtClean="0">
+                <a:ln>
+                  <a:noFill/>
+                </a:ln>
+                <a:solidFill>
+                  <a:srgbClr val="89CA78"/>
+                </a:solidFill>
+                <a:effectLst/>
+                <a:latin typeface="JetBrains Mono"/>
+              </a:rPr>
+              <a:t>/</a:t>
+            </a:r>
+            <a:r>
+              <a:rPr kumimoji="0" lang="de-DE" altLang="de-DE" sz="2000" b="0" i="0" u="none" strike="noStrike" cap="none" normalizeH="0" baseline="0" dirty="0" err="1" smtClean="0">
+                <a:ln>
+                  <a:noFill/>
+                </a:ln>
+                <a:solidFill>
+                  <a:srgbClr val="89CA78"/>
+                </a:solidFill>
+                <a:effectLst/>
+                <a:latin typeface="JetBrains Mono"/>
+              </a:rPr>
+              <a:t>aws</a:t>
+            </a:r>
+            <a:r>
+              <a:rPr kumimoji="0" lang="de-DE" altLang="de-DE" sz="2000" b="0" i="0" u="none" strike="noStrike" cap="none" normalizeH="0" baseline="0" dirty="0" smtClean="0">
+                <a:ln>
+                  <a:noFill/>
+                </a:ln>
+                <a:solidFill>
+                  <a:srgbClr val="89CA78"/>
+                </a:solidFill>
+                <a:effectLst/>
+                <a:latin typeface="JetBrains Mono"/>
+              </a:rPr>
+              <a:t>-network"</a:t>
+            </a:r>
+            <a:br>
+              <a:rPr kumimoji="0" lang="de-DE" altLang="de-DE" sz="2000" b="0" i="0" u="none" strike="noStrike" cap="none" normalizeH="0" baseline="0" dirty="0" smtClean="0">
+                <a:ln>
+                  <a:noFill/>
+                </a:ln>
+                <a:solidFill>
+                  <a:srgbClr val="89CA78"/>
+                </a:solidFill>
+                <a:effectLst/>
+                <a:latin typeface="JetBrains Mono"/>
+              </a:rPr>
+            </a:br>
+            <a:r>
+              <a:rPr kumimoji="0" lang="de-DE" altLang="de-DE" sz="2000" b="0" i="0" u="none" strike="noStrike" cap="none" normalizeH="0" baseline="0" dirty="0" smtClean="0">
+                <a:ln>
+                  <a:noFill/>
+                </a:ln>
+                <a:solidFill>
+                  <a:srgbClr val="89CA78"/>
+                </a:solidFill>
+                <a:effectLst/>
+                <a:latin typeface="JetBrains Mono"/>
+              </a:rPr>
+              <a:t>  </a:t>
+            </a:r>
+            <a:r>
+              <a:rPr kumimoji="0" lang="de-DE" altLang="de-DE" sz="2000" b="0" i="0" u="none" strike="noStrike" cap="none" normalizeH="0" baseline="0" dirty="0" err="1" smtClean="0">
+                <a:ln>
+                  <a:noFill/>
+                </a:ln>
+                <a:solidFill>
+                  <a:srgbClr val="EF596F"/>
+                </a:solidFill>
+                <a:effectLst/>
+                <a:latin typeface="JetBrains Mono"/>
+              </a:rPr>
+              <a:t>base_cidr_block</a:t>
+            </a:r>
+            <a:r>
+              <a:rPr kumimoji="0" lang="de-DE" altLang="de-DE" sz="2000" b="0" i="0" u="none" strike="noStrike" cap="none" normalizeH="0" baseline="0" dirty="0" smtClean="0">
+                <a:ln>
+                  <a:noFill/>
+                </a:ln>
+                <a:solidFill>
+                  <a:srgbClr val="EF596F"/>
+                </a:solidFill>
+                <a:effectLst/>
+                <a:latin typeface="JetBrains Mono"/>
+              </a:rPr>
+              <a:t> </a:t>
+            </a:r>
+            <a:r>
+              <a:rPr kumimoji="0" lang="de-DE" altLang="de-DE" sz="2000" b="0" i="0" u="none" strike="noStrike" cap="none" normalizeH="0" baseline="0" dirty="0" smtClean="0">
+                <a:ln>
+                  <a:noFill/>
+                </a:ln>
+                <a:solidFill>
+                  <a:srgbClr val="BBBBBB"/>
+                </a:solidFill>
+                <a:effectLst/>
+                <a:latin typeface="JetBrains Mono"/>
+              </a:rPr>
+              <a:t>= </a:t>
+            </a:r>
+            <a:r>
+              <a:rPr kumimoji="0" lang="de-DE" altLang="de-DE" sz="2000" b="0" i="0" u="none" strike="noStrike" cap="none" normalizeH="0" baseline="0" dirty="0" smtClean="0">
+                <a:ln>
+                  <a:noFill/>
+                </a:ln>
+                <a:solidFill>
+                  <a:srgbClr val="89CA78"/>
+                </a:solidFill>
+                <a:effectLst/>
+                <a:latin typeface="JetBrains Mono"/>
+              </a:rPr>
+              <a:t>"10.0.0.0/8"</a:t>
+            </a:r>
+            <a:br>
+              <a:rPr kumimoji="0" lang="de-DE" altLang="de-DE" sz="2000" b="0" i="0" u="none" strike="noStrike" cap="none" normalizeH="0" baseline="0" dirty="0" smtClean="0">
+                <a:ln>
+                  <a:noFill/>
+                </a:ln>
+                <a:solidFill>
+                  <a:srgbClr val="89CA78"/>
+                </a:solidFill>
+                <a:effectLst/>
+                <a:latin typeface="JetBrains Mono"/>
+              </a:rPr>
+            </a:br>
+            <a:r>
+              <a:rPr kumimoji="0" lang="de-DE" altLang="de-DE" sz="2000" b="0" i="0" u="none" strike="noStrike" cap="none" normalizeH="0" baseline="0" dirty="0" smtClean="0">
+                <a:ln>
+                  <a:noFill/>
+                </a:ln>
+                <a:solidFill>
+                  <a:srgbClr val="BBBBBB"/>
+                </a:solidFill>
+                <a:effectLst/>
+                <a:latin typeface="JetBrains Mono"/>
+              </a:rPr>
+              <a:t>}</a:t>
+            </a:r>
+            <a:br>
+              <a:rPr kumimoji="0" lang="de-DE" altLang="de-DE" sz="2000" b="0" i="0" u="none" strike="noStrike" cap="none" normalizeH="0" baseline="0" dirty="0" smtClean="0">
+                <a:ln>
+                  <a:noFill/>
+                </a:ln>
+                <a:solidFill>
+                  <a:srgbClr val="BBBBBB"/>
+                </a:solidFill>
+                <a:effectLst/>
+                <a:latin typeface="JetBrains Mono"/>
+              </a:rPr>
+            </a:br>
+            <a:r>
+              <a:rPr kumimoji="0" lang="de-DE" altLang="de-DE" sz="2000" b="0" i="0" u="none" strike="noStrike" cap="none" normalizeH="0" baseline="0" dirty="0" smtClean="0">
+                <a:ln>
+                  <a:noFill/>
+                </a:ln>
+                <a:solidFill>
+                  <a:srgbClr val="BBBBBB"/>
+                </a:solidFill>
+                <a:effectLst/>
+                <a:latin typeface="JetBrains Mono"/>
+              </a:rPr>
+              <a:t/>
+            </a:r>
+            <a:br>
+              <a:rPr kumimoji="0" lang="de-DE" altLang="de-DE" sz="2000" b="0" i="0" u="none" strike="noStrike" cap="none" normalizeH="0" baseline="0" dirty="0" smtClean="0">
+                <a:ln>
+                  <a:noFill/>
+                </a:ln>
+                <a:solidFill>
+                  <a:srgbClr val="BBBBBB"/>
+                </a:solidFill>
+                <a:effectLst/>
+                <a:latin typeface="JetBrains Mono"/>
+              </a:rPr>
+            </a:br>
+            <a:r>
+              <a:rPr kumimoji="0" lang="de-DE" altLang="de-DE" sz="2000" b="0" i="1" u="none" strike="noStrike" cap="none" normalizeH="0" baseline="0" dirty="0" err="1" smtClean="0">
+                <a:ln>
+                  <a:noFill/>
+                </a:ln>
+                <a:solidFill>
+                  <a:srgbClr val="D55FDE"/>
+                </a:solidFill>
+                <a:effectLst/>
+                <a:latin typeface="JetBrains Mono"/>
+              </a:rPr>
+              <a:t>module</a:t>
+            </a:r>
+            <a:r>
+              <a:rPr kumimoji="0" lang="de-DE" altLang="de-DE" sz="2000" b="0" i="1" u="none" strike="noStrike" cap="none" normalizeH="0" baseline="0" dirty="0" smtClean="0">
+                <a:ln>
+                  <a:noFill/>
+                </a:ln>
+                <a:solidFill>
+                  <a:srgbClr val="D55FDE"/>
+                </a:solidFill>
+                <a:effectLst/>
+                <a:latin typeface="JetBrains Mono"/>
+              </a:rPr>
+              <a:t> </a:t>
+            </a:r>
+            <a:r>
+              <a:rPr kumimoji="0" lang="de-DE" altLang="de-DE" sz="2000" b="0" i="0" u="none" strike="noStrike" cap="none" normalizeH="0" baseline="0" dirty="0" smtClean="0">
+                <a:ln>
+                  <a:noFill/>
+                </a:ln>
+                <a:solidFill>
+                  <a:srgbClr val="E5C07B"/>
+                </a:solidFill>
+                <a:effectLst/>
+                <a:latin typeface="JetBrains Mono"/>
+              </a:rPr>
+              <a:t>"</a:t>
+            </a:r>
+            <a:r>
+              <a:rPr kumimoji="0" lang="de-DE" altLang="de-DE" sz="2000" b="0" i="0" u="none" strike="noStrike" cap="none" normalizeH="0" baseline="0" dirty="0" err="1" smtClean="0">
+                <a:ln>
+                  <a:noFill/>
+                </a:ln>
+                <a:solidFill>
+                  <a:srgbClr val="E5C07B"/>
+                </a:solidFill>
+                <a:effectLst/>
+                <a:latin typeface="JetBrains Mono"/>
+              </a:rPr>
+              <a:t>consul_cluster</a:t>
+            </a:r>
+            <a:r>
+              <a:rPr kumimoji="0" lang="de-DE" altLang="de-DE" sz="2000" b="0" i="0" u="none" strike="noStrike" cap="none" normalizeH="0" baseline="0" dirty="0" smtClean="0">
+                <a:ln>
+                  <a:noFill/>
+                </a:ln>
+                <a:solidFill>
+                  <a:srgbClr val="E5C07B"/>
+                </a:solidFill>
+                <a:effectLst/>
+                <a:latin typeface="JetBrains Mono"/>
+              </a:rPr>
+              <a:t>" </a:t>
+            </a:r>
+            <a:r>
+              <a:rPr kumimoji="0" lang="de-DE" altLang="de-DE" sz="2000" b="0" i="0" u="none" strike="noStrike" cap="none" normalizeH="0" baseline="0" dirty="0" smtClean="0">
+                <a:ln>
+                  <a:noFill/>
+                </a:ln>
+                <a:solidFill>
+                  <a:srgbClr val="BBBBBB"/>
+                </a:solidFill>
+                <a:effectLst/>
+                <a:latin typeface="JetBrains Mono"/>
+              </a:rPr>
+              <a:t>{</a:t>
+            </a:r>
+            <a:br>
+              <a:rPr kumimoji="0" lang="de-DE" altLang="de-DE" sz="2000" b="0" i="0" u="none" strike="noStrike" cap="none" normalizeH="0" baseline="0" dirty="0" smtClean="0">
+                <a:ln>
+                  <a:noFill/>
+                </a:ln>
+                <a:solidFill>
+                  <a:srgbClr val="BBBBBB"/>
+                </a:solidFill>
+                <a:effectLst/>
+                <a:latin typeface="JetBrains Mono"/>
+              </a:rPr>
+            </a:br>
+            <a:r>
+              <a:rPr kumimoji="0" lang="de-DE" altLang="de-DE" sz="2000" b="0" i="0" u="none" strike="noStrike" cap="none" normalizeH="0" baseline="0" dirty="0" smtClean="0">
+                <a:ln>
+                  <a:noFill/>
+                </a:ln>
+                <a:solidFill>
+                  <a:srgbClr val="BBBBBB"/>
+                </a:solidFill>
+                <a:effectLst/>
+                <a:latin typeface="JetBrains Mono"/>
+              </a:rPr>
+              <a:t>  </a:t>
+            </a:r>
+            <a:r>
+              <a:rPr kumimoji="0" lang="de-DE" altLang="de-DE" sz="2000" b="0" i="0" u="none" strike="noStrike" cap="none" normalizeH="0" baseline="0" dirty="0" err="1" smtClean="0">
+                <a:ln>
+                  <a:noFill/>
+                </a:ln>
+                <a:solidFill>
+                  <a:srgbClr val="EF596F"/>
+                </a:solidFill>
+                <a:effectLst/>
+                <a:latin typeface="JetBrains Mono"/>
+              </a:rPr>
+              <a:t>source</a:t>
+            </a:r>
+            <a:r>
+              <a:rPr kumimoji="0" lang="de-DE" altLang="de-DE" sz="2000" b="0" i="0" u="none" strike="noStrike" cap="none" normalizeH="0" baseline="0" dirty="0" smtClean="0">
+                <a:ln>
+                  <a:noFill/>
+                </a:ln>
+                <a:solidFill>
+                  <a:srgbClr val="EF596F"/>
+                </a:solidFill>
+                <a:effectLst/>
+                <a:latin typeface="JetBrains Mono"/>
+              </a:rPr>
+              <a:t> </a:t>
+            </a:r>
+            <a:r>
+              <a:rPr kumimoji="0" lang="de-DE" altLang="de-DE" sz="2000" b="0" i="0" u="none" strike="noStrike" cap="none" normalizeH="0" baseline="0" dirty="0" smtClean="0">
+                <a:ln>
+                  <a:noFill/>
+                </a:ln>
+                <a:solidFill>
+                  <a:srgbClr val="BBBBBB"/>
+                </a:solidFill>
+                <a:effectLst/>
+                <a:latin typeface="JetBrains Mono"/>
+              </a:rPr>
+              <a:t>= </a:t>
+            </a:r>
+            <a:r>
+              <a:rPr kumimoji="0" lang="de-DE" altLang="de-DE" sz="2000" b="0" i="0" u="none" strike="noStrike" cap="none" normalizeH="0" baseline="0" dirty="0" smtClean="0">
+                <a:ln>
+                  <a:noFill/>
+                </a:ln>
+                <a:solidFill>
+                  <a:srgbClr val="89CA78"/>
+                </a:solidFill>
+                <a:effectLst/>
+                <a:latin typeface="JetBrains Mono"/>
+              </a:rPr>
+              <a:t>"./</a:t>
+            </a:r>
+            <a:r>
+              <a:rPr kumimoji="0" lang="de-DE" altLang="de-DE" sz="2000" b="0" i="0" u="none" strike="noStrike" cap="none" normalizeH="0" baseline="0" dirty="0" err="1" smtClean="0">
+                <a:ln>
+                  <a:noFill/>
+                </a:ln>
+                <a:solidFill>
+                  <a:srgbClr val="89CA78"/>
+                </a:solidFill>
+                <a:effectLst/>
+                <a:latin typeface="JetBrains Mono"/>
+              </a:rPr>
+              <a:t>modules</a:t>
+            </a:r>
+            <a:r>
+              <a:rPr kumimoji="0" lang="de-DE" altLang="de-DE" sz="2000" b="0" i="0" u="none" strike="noStrike" cap="none" normalizeH="0" baseline="0" dirty="0" smtClean="0">
+                <a:ln>
+                  <a:noFill/>
+                </a:ln>
+                <a:solidFill>
+                  <a:srgbClr val="89CA78"/>
+                </a:solidFill>
+                <a:effectLst/>
+                <a:latin typeface="JetBrains Mono"/>
+              </a:rPr>
+              <a:t>/</a:t>
+            </a:r>
+            <a:r>
+              <a:rPr kumimoji="0" lang="de-DE" altLang="de-DE" sz="2000" b="0" i="0" u="none" strike="noStrike" cap="none" normalizeH="0" baseline="0" dirty="0" err="1" smtClean="0">
+                <a:ln>
+                  <a:noFill/>
+                </a:ln>
+                <a:solidFill>
+                  <a:srgbClr val="89CA78"/>
+                </a:solidFill>
+                <a:effectLst/>
+                <a:latin typeface="JetBrains Mono"/>
+              </a:rPr>
+              <a:t>aws</a:t>
+            </a:r>
+            <a:r>
+              <a:rPr kumimoji="0" lang="de-DE" altLang="de-DE" sz="2000" b="0" i="0" u="none" strike="noStrike" cap="none" normalizeH="0" baseline="0" dirty="0" smtClean="0">
+                <a:ln>
+                  <a:noFill/>
+                </a:ln>
+                <a:solidFill>
+                  <a:srgbClr val="89CA78"/>
+                </a:solidFill>
+                <a:effectLst/>
+                <a:latin typeface="JetBrains Mono"/>
+              </a:rPr>
+              <a:t>-</a:t>
+            </a:r>
+            <a:r>
+              <a:rPr kumimoji="0" lang="de-DE" altLang="de-DE" sz="2000" b="0" i="0" u="none" strike="noStrike" cap="none" normalizeH="0" baseline="0" dirty="0" err="1" smtClean="0">
+                <a:ln>
+                  <a:noFill/>
+                </a:ln>
+                <a:solidFill>
+                  <a:srgbClr val="89CA78"/>
+                </a:solidFill>
+                <a:effectLst/>
+                <a:latin typeface="JetBrains Mono"/>
+              </a:rPr>
+              <a:t>consul</a:t>
+            </a:r>
+            <a:r>
+              <a:rPr kumimoji="0" lang="de-DE" altLang="de-DE" sz="2000" b="0" i="0" u="none" strike="noStrike" cap="none" normalizeH="0" baseline="0" dirty="0" smtClean="0">
+                <a:ln>
+                  <a:noFill/>
+                </a:ln>
+                <a:solidFill>
+                  <a:srgbClr val="89CA78"/>
+                </a:solidFill>
+                <a:effectLst/>
+                <a:latin typeface="JetBrains Mono"/>
+              </a:rPr>
+              <a:t>-cluster"</a:t>
+            </a:r>
+            <a:br>
+              <a:rPr kumimoji="0" lang="de-DE" altLang="de-DE" sz="2000" b="0" i="0" u="none" strike="noStrike" cap="none" normalizeH="0" baseline="0" dirty="0" smtClean="0">
+                <a:ln>
+                  <a:noFill/>
+                </a:ln>
+                <a:solidFill>
+                  <a:srgbClr val="89CA78"/>
+                </a:solidFill>
+                <a:effectLst/>
+                <a:latin typeface="JetBrains Mono"/>
+              </a:rPr>
+            </a:br>
+            <a:r>
+              <a:rPr kumimoji="0" lang="de-DE" altLang="de-DE" sz="2000" b="0" i="0" u="none" strike="noStrike" cap="none" normalizeH="0" baseline="0" dirty="0" smtClean="0">
+                <a:ln>
+                  <a:noFill/>
+                </a:ln>
+                <a:solidFill>
+                  <a:srgbClr val="89CA78"/>
+                </a:solidFill>
+                <a:effectLst/>
+                <a:latin typeface="JetBrains Mono"/>
+              </a:rPr>
+              <a:t>  </a:t>
+            </a:r>
+            <a:r>
+              <a:rPr kumimoji="0" lang="de-DE" altLang="de-DE" sz="2000" b="0" i="0" u="none" strike="noStrike" cap="none" normalizeH="0" baseline="0" dirty="0" err="1" smtClean="0">
+                <a:ln>
+                  <a:noFill/>
+                </a:ln>
+                <a:solidFill>
+                  <a:srgbClr val="EF596F"/>
+                </a:solidFill>
+                <a:effectLst/>
+                <a:latin typeface="JetBrains Mono"/>
+              </a:rPr>
+              <a:t>vpc_id</a:t>
+            </a:r>
+            <a:r>
+              <a:rPr kumimoji="0" lang="de-DE" altLang="de-DE" sz="2000" b="0" i="0" u="none" strike="noStrike" cap="none" normalizeH="0" baseline="0" dirty="0" smtClean="0">
+                <a:ln>
+                  <a:noFill/>
+                </a:ln>
+                <a:solidFill>
+                  <a:srgbClr val="EF596F"/>
+                </a:solidFill>
+                <a:effectLst/>
+                <a:latin typeface="JetBrains Mono"/>
+              </a:rPr>
+              <a:t>     </a:t>
+            </a:r>
+            <a:r>
+              <a:rPr kumimoji="0" lang="de-DE" altLang="de-DE" sz="2000" b="0" i="0" u="none" strike="noStrike" cap="none" normalizeH="0" baseline="0" dirty="0" smtClean="0">
+                <a:ln>
+                  <a:noFill/>
+                </a:ln>
+                <a:solidFill>
+                  <a:srgbClr val="BBBBBB"/>
+                </a:solidFill>
+                <a:effectLst/>
+                <a:latin typeface="JetBrains Mono"/>
+              </a:rPr>
+              <a:t>= </a:t>
+            </a:r>
+            <a:r>
+              <a:rPr kumimoji="0" lang="de-DE" altLang="de-DE" sz="2000" b="0" i="0" u="none" strike="noStrike" cap="none" normalizeH="0" baseline="0" dirty="0" err="1" smtClean="0">
+                <a:ln>
+                  <a:noFill/>
+                </a:ln>
+                <a:solidFill>
+                  <a:srgbClr val="BBBBBB"/>
+                </a:solidFill>
+                <a:effectLst/>
+                <a:latin typeface="JetBrains Mono"/>
+              </a:rPr>
+              <a:t>module.</a:t>
+            </a:r>
+            <a:r>
+              <a:rPr kumimoji="0" lang="de-DE" altLang="de-DE" sz="2000" b="0" i="0" u="none" strike="noStrike" cap="none" normalizeH="0" baseline="0" dirty="0" err="1" smtClean="0">
+                <a:ln>
+                  <a:noFill/>
+                </a:ln>
+                <a:solidFill>
+                  <a:srgbClr val="EF596F"/>
+                </a:solidFill>
+                <a:effectLst/>
+                <a:latin typeface="JetBrains Mono"/>
+              </a:rPr>
+              <a:t>network</a:t>
+            </a:r>
+            <a:r>
+              <a:rPr kumimoji="0" lang="de-DE" altLang="de-DE" sz="2000" b="0" i="0" u="none" strike="noStrike" cap="none" normalizeH="0" baseline="0" dirty="0" err="1" smtClean="0">
+                <a:ln>
+                  <a:noFill/>
+                </a:ln>
+                <a:solidFill>
+                  <a:srgbClr val="BBBBBB"/>
+                </a:solidFill>
+                <a:effectLst/>
+                <a:latin typeface="JetBrains Mono"/>
+              </a:rPr>
+              <a:t>.</a:t>
+            </a:r>
+            <a:r>
+              <a:rPr kumimoji="0" lang="de-DE" altLang="de-DE" sz="2000" b="0" i="0" u="none" strike="noStrike" cap="none" normalizeH="0" baseline="0" dirty="0" err="1" smtClean="0">
+                <a:ln>
+                  <a:noFill/>
+                </a:ln>
+                <a:solidFill>
+                  <a:srgbClr val="EF596F"/>
+                </a:solidFill>
+                <a:effectLst/>
+                <a:latin typeface="JetBrains Mono"/>
+              </a:rPr>
+              <a:t>vpc_id</a:t>
+            </a:r>
+            <a:r>
+              <a:rPr kumimoji="0" lang="de-DE" altLang="de-DE" sz="2000" b="0" i="0" u="none" strike="noStrike" cap="none" normalizeH="0" baseline="0" dirty="0" smtClean="0">
+                <a:ln>
+                  <a:noFill/>
+                </a:ln>
+                <a:solidFill>
+                  <a:srgbClr val="EF596F"/>
+                </a:solidFill>
+                <a:effectLst/>
+                <a:latin typeface="JetBrains Mono"/>
+              </a:rPr>
+              <a:t/>
+            </a:r>
+            <a:br>
+              <a:rPr kumimoji="0" lang="de-DE" altLang="de-DE" sz="2000" b="0" i="0" u="none" strike="noStrike" cap="none" normalizeH="0" baseline="0" dirty="0" smtClean="0">
+                <a:ln>
+                  <a:noFill/>
+                </a:ln>
+                <a:solidFill>
+                  <a:srgbClr val="EF596F"/>
+                </a:solidFill>
+                <a:effectLst/>
+                <a:latin typeface="JetBrains Mono"/>
+              </a:rPr>
+            </a:br>
+            <a:r>
+              <a:rPr kumimoji="0" lang="de-DE" altLang="de-DE" sz="2000" b="0" i="0" u="none" strike="noStrike" cap="none" normalizeH="0" baseline="0" dirty="0" smtClean="0">
+                <a:ln>
+                  <a:noFill/>
+                </a:ln>
+                <a:solidFill>
+                  <a:srgbClr val="EF596F"/>
+                </a:solidFill>
+                <a:effectLst/>
+                <a:latin typeface="JetBrains Mono"/>
+              </a:rPr>
+              <a:t>  </a:t>
+            </a:r>
+            <a:r>
+              <a:rPr kumimoji="0" lang="de-DE" altLang="de-DE" sz="2000" b="0" i="0" u="none" strike="noStrike" cap="none" normalizeH="0" baseline="0" dirty="0" err="1" smtClean="0">
+                <a:ln>
+                  <a:noFill/>
+                </a:ln>
+                <a:solidFill>
+                  <a:srgbClr val="EF596F"/>
+                </a:solidFill>
+                <a:effectLst/>
+                <a:latin typeface="JetBrains Mono"/>
+              </a:rPr>
+              <a:t>subnet_ids</a:t>
+            </a:r>
+            <a:r>
+              <a:rPr kumimoji="0" lang="de-DE" altLang="de-DE" sz="2000" b="0" i="0" u="none" strike="noStrike" cap="none" normalizeH="0" baseline="0" dirty="0" smtClean="0">
+                <a:ln>
+                  <a:noFill/>
+                </a:ln>
+                <a:solidFill>
+                  <a:srgbClr val="EF596F"/>
+                </a:solidFill>
+                <a:effectLst/>
+                <a:latin typeface="JetBrains Mono"/>
+              </a:rPr>
+              <a:t> </a:t>
+            </a:r>
+            <a:r>
+              <a:rPr kumimoji="0" lang="de-DE" altLang="de-DE" sz="2000" b="0" i="0" u="none" strike="noStrike" cap="none" normalizeH="0" baseline="0" dirty="0" smtClean="0">
+                <a:ln>
+                  <a:noFill/>
+                </a:ln>
+                <a:solidFill>
+                  <a:srgbClr val="BBBBBB"/>
+                </a:solidFill>
+                <a:effectLst/>
+                <a:latin typeface="JetBrains Mono"/>
+              </a:rPr>
+              <a:t>= </a:t>
+            </a:r>
+            <a:r>
+              <a:rPr kumimoji="0" lang="de-DE" altLang="de-DE" sz="2000" b="0" i="0" u="none" strike="noStrike" cap="none" normalizeH="0" baseline="0" dirty="0" err="1" smtClean="0">
+                <a:ln>
+                  <a:noFill/>
+                </a:ln>
+                <a:solidFill>
+                  <a:srgbClr val="BBBBBB"/>
+                </a:solidFill>
+                <a:effectLst/>
+                <a:latin typeface="JetBrains Mono"/>
+              </a:rPr>
+              <a:t>module.</a:t>
+            </a:r>
+            <a:r>
+              <a:rPr kumimoji="0" lang="de-DE" altLang="de-DE" sz="2000" b="0" i="0" u="none" strike="noStrike" cap="none" normalizeH="0" baseline="0" dirty="0" err="1" smtClean="0">
+                <a:ln>
+                  <a:noFill/>
+                </a:ln>
+                <a:solidFill>
+                  <a:srgbClr val="EF596F"/>
+                </a:solidFill>
+                <a:effectLst/>
+                <a:latin typeface="JetBrains Mono"/>
+              </a:rPr>
+              <a:t>network</a:t>
+            </a:r>
+            <a:r>
+              <a:rPr kumimoji="0" lang="de-DE" altLang="de-DE" sz="2000" b="0" i="0" u="none" strike="noStrike" cap="none" normalizeH="0" baseline="0" dirty="0" err="1" smtClean="0">
+                <a:ln>
+                  <a:noFill/>
+                </a:ln>
+                <a:solidFill>
+                  <a:srgbClr val="BBBBBB"/>
+                </a:solidFill>
+                <a:effectLst/>
+                <a:latin typeface="JetBrains Mono"/>
+              </a:rPr>
+              <a:t>.</a:t>
+            </a:r>
+            <a:r>
+              <a:rPr kumimoji="0" lang="de-DE" altLang="de-DE" sz="2000" b="0" i="0" u="none" strike="noStrike" cap="none" normalizeH="0" baseline="0" dirty="0" err="1" smtClean="0">
+                <a:ln>
+                  <a:noFill/>
+                </a:ln>
+                <a:solidFill>
+                  <a:srgbClr val="EF596F"/>
+                </a:solidFill>
+                <a:effectLst/>
+                <a:latin typeface="JetBrains Mono"/>
+              </a:rPr>
+              <a:t>subnet_ids</a:t>
+            </a:r>
+            <a:r>
+              <a:rPr kumimoji="0" lang="de-DE" altLang="de-DE" sz="2000" b="0" i="0" u="none" strike="noStrike" cap="none" normalizeH="0" baseline="0" dirty="0" smtClean="0">
+                <a:ln>
+                  <a:noFill/>
+                </a:ln>
+                <a:solidFill>
+                  <a:srgbClr val="EF596F"/>
+                </a:solidFill>
+                <a:effectLst/>
+                <a:latin typeface="JetBrains Mono"/>
+              </a:rPr>
+              <a:t/>
+            </a:r>
+            <a:br>
+              <a:rPr kumimoji="0" lang="de-DE" altLang="de-DE" sz="2000" b="0" i="0" u="none" strike="noStrike" cap="none" normalizeH="0" baseline="0" dirty="0" smtClean="0">
+                <a:ln>
+                  <a:noFill/>
+                </a:ln>
+                <a:solidFill>
+                  <a:srgbClr val="EF596F"/>
+                </a:solidFill>
+                <a:effectLst/>
+                <a:latin typeface="JetBrains Mono"/>
+              </a:rPr>
+            </a:br>
+            <a:r>
+              <a:rPr kumimoji="0" lang="de-DE" altLang="de-DE" sz="2000" b="0" i="0" u="none" strike="noStrike" cap="none" normalizeH="0" baseline="0" dirty="0" smtClean="0">
+                <a:ln>
+                  <a:noFill/>
+                </a:ln>
+                <a:solidFill>
+                  <a:srgbClr val="BBBBBB"/>
+                </a:solidFill>
+                <a:effectLst/>
+                <a:latin typeface="JetBrains Mono"/>
+              </a:rPr>
+              <a:t>}</a:t>
+            </a:r>
+            <a:endParaRPr kumimoji="0" lang="de-DE" altLang="de-DE" sz="4400" b="0" i="0" u="none" strike="noStrike" cap="none" normalizeH="0" baseline="0" dirty="0" smtClean="0">
+              <a:ln>
+                <a:noFill/>
+              </a:ln>
+              <a:solidFill>
+                <a:schemeClr val="tx1"/>
+              </a:solidFill>
+              <a:effectLst/>
+              <a:latin typeface="Arial" panose="020B0604020202020204" pitchFamily="34" charset="0"/>
+            </a:endParaRPr>
+          </a:p>
+        </p:txBody>
+      </p:sp>
+    </p:spTree>
+    <p:extLst>
+      <p:ext uri="{BB962C8B-B14F-4D97-AF65-F5344CB8AC3E}">
+        <p14:creationId xmlns:p14="http://schemas.microsoft.com/office/powerpoint/2010/main" val="3470962049"/>
+      </p:ext>
+    </p:extLst>
+  </p:cSld>
+  <p:clrMapOvr>
+    <a:masterClrMapping/>
+  </p:clrMapOvr>
+  <p:timing>
+    <p:tnLst>
+      <p:par>
+        <p:cTn id="1" dur="indefinite" restart="never" nodeType="tmRoot"/>
+      </p:par>
+    </p:tnLst>
+  </p:timing>
+</p:sld>
+</file>
+
+<file path=ppt/slides/slide6.xml><?xml version="1.0" encoding="utf-8"?>
+<p:sld xmlns:a="http://schemas.openxmlformats.org/drawingml/2006/main" xmlns:r="http://schemas.openxmlformats.org/officeDocument/2006/relationships" xmlns:p="http://schemas.openxmlformats.org/presentationml/2006/main">
+  <p:cSld>
+    <p:spTree>
+      <p:nvGrpSpPr>
+        <p:cNvPr id="1" name=""/>
+        <p:cNvGrpSpPr/>
+        <p:nvPr/>
+      </p:nvGrpSpPr>
+      <p:grpSpPr>
+        <a:xfrm>
+          <a:off x="0" y="0"/>
+          <a:ext cx="0" cy="0"/>
+          <a:chOff x="0" y="0"/>
+          <a:chExt cx="0" cy="0"/>
+        </a:xfrm>
+      </p:grpSpPr>
+      <p:sp>
+        <p:nvSpPr>
+          <p:cNvPr id="2" name="Titel 1"/>
+          <p:cNvSpPr>
+            <a:spLocks noGrp="1"/>
+          </p:cNvSpPr>
+          <p:nvPr>
+            <p:ph type="title"/>
+          </p:nvPr>
+        </p:nvSpPr>
+        <p:spPr/>
+        <p:txBody>
+          <a:bodyPr/>
+          <a:lstStyle/>
+          <a:p>
+            <a:r>
+              <a:rPr lang="de-DE" dirty="0" err="1" smtClean="0"/>
+              <a:t>Versionierung</a:t>
+            </a:r>
+            <a:r>
+              <a:rPr lang="de-DE" dirty="0" smtClean="0"/>
+              <a:t> von Modulen</a:t>
+            </a:r>
+            <a:endParaRPr lang="de-DE" dirty="0"/>
+          </a:p>
+        </p:txBody>
+      </p:sp>
+      <p:sp>
+        <p:nvSpPr>
+          <p:cNvPr id="3" name="Inhaltsplatzhalter 2"/>
+          <p:cNvSpPr>
+            <a:spLocks noGrp="1"/>
+          </p:cNvSpPr>
+          <p:nvPr>
+            <p:ph idx="1"/>
+          </p:nvPr>
+        </p:nvSpPr>
+        <p:spPr>
+          <a:xfrm>
+            <a:off x="838200" y="1825625"/>
+            <a:ext cx="10515600" cy="4351338"/>
+          </a:xfrm>
+        </p:spPr>
+        <p:txBody>
+          <a:bodyPr>
+            <a:normAutofit lnSpcReduction="10000"/>
+          </a:bodyPr>
+          <a:lstStyle/>
+          <a:p>
+            <a:r>
+              <a:rPr lang="de-DE" dirty="0" smtClean="0"/>
+              <a:t>Wiederverwendbare Module werden z.B. in </a:t>
+            </a:r>
+            <a:r>
+              <a:rPr lang="de-DE" dirty="0" err="1" smtClean="0"/>
+              <a:t>GitHub</a:t>
+            </a:r>
+            <a:r>
+              <a:rPr lang="de-DE" dirty="0" smtClean="0"/>
+              <a:t> eingecheckt</a:t>
+            </a:r>
+            <a:r>
+              <a:rPr lang="de-DE" dirty="0"/>
+              <a:t> </a:t>
+            </a:r>
+            <a:endParaRPr lang="de-DE" dirty="0" smtClean="0"/>
+          </a:p>
+          <a:p>
+            <a:r>
+              <a:rPr lang="de-DE" dirty="0" smtClean="0"/>
+              <a:t>Entsprechende Versionen werden </a:t>
+            </a:r>
+            <a:r>
+              <a:rPr lang="de-DE" dirty="0" err="1" smtClean="0"/>
+              <a:t>getagged</a:t>
+            </a:r>
+            <a:endParaRPr lang="de-DE" dirty="0" smtClean="0"/>
+          </a:p>
+          <a:p>
+            <a:r>
+              <a:rPr lang="de-DE" dirty="0" smtClean="0"/>
+              <a:t>Angabe der Quelle und Version im Module Block</a:t>
+            </a:r>
+          </a:p>
+          <a:p>
+            <a:endParaRPr lang="de-DE" dirty="0"/>
+          </a:p>
+          <a:p>
+            <a:endParaRPr lang="de-DE" dirty="0" smtClean="0"/>
+          </a:p>
+          <a:p>
+            <a:endParaRPr lang="de-DE" dirty="0"/>
+          </a:p>
+          <a:p>
+            <a:endParaRPr lang="de-DE" dirty="0" smtClean="0"/>
+          </a:p>
+          <a:p>
+            <a:r>
+              <a:rPr lang="de-DE" dirty="0" smtClean="0"/>
+              <a:t>Support für diverse </a:t>
+            </a:r>
+            <a:r>
+              <a:rPr lang="de-DE" dirty="0" smtClean="0">
+                <a:hlinkClick r:id="rId3"/>
+              </a:rPr>
+              <a:t>Module </a:t>
+            </a:r>
+            <a:r>
+              <a:rPr lang="de-DE" dirty="0" err="1" smtClean="0">
+                <a:hlinkClick r:id="rId3"/>
+              </a:rPr>
+              <a:t>Sources</a:t>
+            </a:r>
+            <a:endParaRPr lang="de-DE" dirty="0" smtClean="0"/>
+          </a:p>
+          <a:p>
+            <a:pPr lvl="1"/>
+            <a:r>
+              <a:rPr lang="de-DE" dirty="0"/>
+              <a:t>u</a:t>
+            </a:r>
+            <a:r>
+              <a:rPr lang="de-DE" dirty="0" smtClean="0"/>
+              <a:t>.a. Terraform Registry, </a:t>
+            </a:r>
+            <a:r>
+              <a:rPr lang="de-DE" dirty="0" err="1" smtClean="0"/>
+              <a:t>GitHub</a:t>
+            </a:r>
+            <a:r>
+              <a:rPr lang="de-DE" dirty="0" smtClean="0"/>
+              <a:t>, </a:t>
+            </a:r>
+            <a:r>
+              <a:rPr lang="de-DE" dirty="0" err="1" smtClean="0"/>
+              <a:t>Bitbucket</a:t>
+            </a:r>
+            <a:r>
+              <a:rPr lang="de-DE" dirty="0" smtClean="0"/>
+              <a:t>, S3 </a:t>
+            </a:r>
+            <a:r>
+              <a:rPr lang="de-DE" dirty="0" err="1" smtClean="0"/>
+              <a:t>Buckets</a:t>
+            </a:r>
+            <a:endParaRPr lang="de-DE" dirty="0" smtClean="0"/>
+          </a:p>
+        </p:txBody>
+      </p:sp>
+      <p:sp>
+        <p:nvSpPr>
+          <p:cNvPr id="5" name="Rectangle 2"/>
+          <p:cNvSpPr>
+            <a:spLocks noChangeArrowheads="1"/>
+          </p:cNvSpPr>
+          <p:nvPr/>
+        </p:nvSpPr>
+        <p:spPr bwMode="auto">
+          <a:xfrm>
+            <a:off x="1933223" y="3705750"/>
+            <a:ext cx="7450667" cy="1015663"/>
+          </a:xfrm>
+          <a:prstGeom prst="rect">
+            <a:avLst/>
+          </a:prstGeom>
+          <a:solidFill>
+            <a:srgbClr val="282C34"/>
+          </a:solidFill>
+          <a:ln>
+            <a:noFill/>
+          </a:ln>
+          <a:effectLst/>
+          <a:extLst>
+            <a:ext uri="{91240B29-F687-4F45-9708-019B960494DF}">
+              <a14:hiddenLine xmlns:a14="http://schemas.microsoft.com/office/drawing/2010/main" w="9525">
+                <a:solidFill>
+                  <a:schemeClr val="tx1"/>
+                </a:solidFill>
+                <a:miter lim="800000"/>
+                <a:headEnd/>
+                <a:tailEnd/>
+              </a14:hiddenLine>
+            </a:ext>
+            <a:ext uri="{AF507438-7753-43E0-B8FC-AC1667EBCBE1}">
+              <a14:hiddenEffects xmlns:a14="http://schemas.microsoft.com/office/drawing/2010/main">
+                <a:effectLst>
+                  <a:outerShdw dist="35921" dir="2700000" algn="ctr" rotWithShape="0">
+                    <a:schemeClr val="bg2"/>
+                  </a:outerShdw>
+                </a:effectLst>
+              </a14:hiddenEffects>
+            </a:ext>
+          </a:extLst>
+        </p:spPr>
+        <p:txBody>
+          <a:bodyPr vert="horz" wrap="square" lIns="91440" tIns="45720" rIns="91440" bIns="45720" numCol="1" anchor="ctr" anchorCtr="0" compatLnSpc="1">
+            <a:prstTxWarp prst="textNoShape">
+              <a:avLst/>
+            </a:prstTxWarp>
+            <a:spAutoFit/>
+          </a:bodyPr>
+          <a:lstStyle/>
+          <a:p>
+            <a:pPr lvl="0" eaLnBrk="0" fontAlgn="base" hangingPunct="0">
+              <a:spcBef>
+                <a:spcPct val="0"/>
+              </a:spcBef>
+              <a:spcAft>
+                <a:spcPct val="0"/>
+              </a:spcAft>
+            </a:pPr>
+            <a:r>
+              <a:rPr kumimoji="0" lang="de-DE" altLang="de-DE" sz="2000" b="0" i="1" u="none" strike="noStrike" cap="none" normalizeH="0" baseline="0" dirty="0" err="1" smtClean="0">
+                <a:ln>
+                  <a:noFill/>
+                </a:ln>
+                <a:solidFill>
+                  <a:srgbClr val="D55FDE"/>
+                </a:solidFill>
+                <a:effectLst/>
+                <a:latin typeface="JetBrains Mono"/>
+              </a:rPr>
+              <a:t>module</a:t>
+            </a:r>
+            <a:r>
+              <a:rPr kumimoji="0" lang="de-DE" altLang="de-DE" sz="2000" b="0" i="1" u="none" strike="noStrike" cap="none" normalizeH="0" baseline="0" dirty="0" smtClean="0">
+                <a:ln>
+                  <a:noFill/>
+                </a:ln>
+                <a:solidFill>
+                  <a:srgbClr val="D55FDE"/>
+                </a:solidFill>
+                <a:effectLst/>
+                <a:latin typeface="JetBrains Mono"/>
+              </a:rPr>
+              <a:t> </a:t>
+            </a:r>
+            <a:r>
+              <a:rPr kumimoji="0" lang="de-DE" altLang="de-DE" sz="2000" b="0" i="0" u="none" strike="noStrike" cap="none" normalizeH="0" baseline="0" dirty="0" smtClean="0">
+                <a:ln>
+                  <a:noFill/>
+                </a:ln>
+                <a:solidFill>
+                  <a:srgbClr val="E5C07B"/>
+                </a:solidFill>
+                <a:effectLst/>
+                <a:latin typeface="JetBrains Mono"/>
+              </a:rPr>
+              <a:t>"</a:t>
+            </a:r>
+            <a:r>
+              <a:rPr kumimoji="0" lang="de-DE" altLang="de-DE" sz="2000" b="0" i="0" u="none" strike="noStrike" cap="none" normalizeH="0" baseline="0" dirty="0" err="1" smtClean="0">
+                <a:ln>
+                  <a:noFill/>
+                </a:ln>
+                <a:solidFill>
+                  <a:srgbClr val="E5C07B"/>
+                </a:solidFill>
+                <a:effectLst/>
+                <a:latin typeface="JetBrains Mono"/>
+              </a:rPr>
+              <a:t>consul</a:t>
+            </a:r>
+            <a:r>
+              <a:rPr kumimoji="0" lang="de-DE" altLang="de-DE" sz="2000" b="0" i="0" u="none" strike="noStrike" cap="none" normalizeH="0" baseline="0" dirty="0" smtClean="0">
+                <a:ln>
+                  <a:noFill/>
+                </a:ln>
+                <a:solidFill>
+                  <a:srgbClr val="E5C07B"/>
+                </a:solidFill>
+                <a:effectLst/>
+                <a:latin typeface="JetBrains Mono"/>
+              </a:rPr>
+              <a:t>" </a:t>
+            </a:r>
+            <a:r>
+              <a:rPr kumimoji="0" lang="de-DE" altLang="de-DE" sz="2000" b="0" i="0" u="none" strike="noStrike" cap="none" normalizeH="0" baseline="0" dirty="0" smtClean="0">
+                <a:ln>
+                  <a:noFill/>
+                </a:ln>
+                <a:solidFill>
+                  <a:srgbClr val="BBBBBB"/>
+                </a:solidFill>
+                <a:effectLst/>
+                <a:latin typeface="JetBrains Mono"/>
+              </a:rPr>
+              <a:t>{</a:t>
+            </a:r>
+            <a:br>
+              <a:rPr kumimoji="0" lang="de-DE" altLang="de-DE" sz="2000" b="0" i="0" u="none" strike="noStrike" cap="none" normalizeH="0" baseline="0" dirty="0" smtClean="0">
+                <a:ln>
+                  <a:noFill/>
+                </a:ln>
+                <a:solidFill>
+                  <a:srgbClr val="BBBBBB"/>
+                </a:solidFill>
+                <a:effectLst/>
+                <a:latin typeface="JetBrains Mono"/>
+              </a:rPr>
+            </a:br>
+            <a:r>
+              <a:rPr kumimoji="0" lang="de-DE" altLang="de-DE" sz="2000" b="0" i="0" u="none" strike="noStrike" cap="none" normalizeH="0" baseline="0" dirty="0" smtClean="0">
+                <a:ln>
+                  <a:noFill/>
+                </a:ln>
+                <a:solidFill>
+                  <a:srgbClr val="BBBBBB"/>
+                </a:solidFill>
+                <a:effectLst/>
+                <a:latin typeface="JetBrains Mono"/>
+              </a:rPr>
+              <a:t>  </a:t>
+            </a:r>
+            <a:r>
+              <a:rPr kumimoji="0" lang="de-DE" altLang="de-DE" sz="2000" b="0" i="0" u="none" strike="noStrike" cap="none" normalizeH="0" baseline="0" dirty="0" err="1" smtClean="0">
+                <a:ln>
+                  <a:noFill/>
+                </a:ln>
+                <a:solidFill>
+                  <a:srgbClr val="EF596F"/>
+                </a:solidFill>
+                <a:effectLst/>
+                <a:latin typeface="JetBrains Mono"/>
+              </a:rPr>
+              <a:t>source</a:t>
+            </a:r>
+            <a:r>
+              <a:rPr kumimoji="0" lang="de-DE" altLang="de-DE" sz="2000" b="0" i="0" u="none" strike="noStrike" cap="none" normalizeH="0" baseline="0" dirty="0" smtClean="0">
+                <a:ln>
+                  <a:noFill/>
+                </a:ln>
+                <a:solidFill>
+                  <a:srgbClr val="EF596F"/>
+                </a:solidFill>
+                <a:effectLst/>
+                <a:latin typeface="JetBrains Mono"/>
+              </a:rPr>
+              <a:t> </a:t>
+            </a:r>
+            <a:r>
+              <a:rPr kumimoji="0" lang="de-DE" altLang="de-DE" sz="2000" b="0" i="0" u="none" strike="noStrike" cap="none" normalizeH="0" baseline="0" dirty="0" smtClean="0">
+                <a:ln>
+                  <a:noFill/>
+                </a:ln>
+                <a:solidFill>
+                  <a:srgbClr val="BBBBBB"/>
+                </a:solidFill>
+                <a:effectLst/>
+                <a:latin typeface="JetBrains Mono"/>
+              </a:rPr>
+              <a:t>= </a:t>
+            </a:r>
+            <a:r>
+              <a:rPr lang="de-DE" altLang="de-DE" sz="2000" dirty="0">
+                <a:solidFill>
+                  <a:srgbClr val="89CA78"/>
+                </a:solidFill>
+                <a:latin typeface="JetBrains Mono"/>
+              </a:rPr>
+              <a:t>"</a:t>
+            </a:r>
+            <a:r>
+              <a:rPr lang="de-DE" altLang="de-DE" sz="2000" dirty="0" err="1" smtClean="0">
+                <a:solidFill>
+                  <a:srgbClr val="89CA78"/>
+                </a:solidFill>
+                <a:latin typeface="JetBrains Mono"/>
+              </a:rPr>
+              <a:t>git@github.com:hashicorp</a:t>
+            </a:r>
+            <a:r>
+              <a:rPr lang="de-DE" altLang="de-DE" sz="2000" dirty="0" smtClean="0">
+                <a:solidFill>
+                  <a:srgbClr val="89CA78"/>
+                </a:solidFill>
+                <a:latin typeface="JetBrains Mono"/>
+              </a:rPr>
+              <a:t>/</a:t>
+            </a:r>
+            <a:r>
+              <a:rPr lang="de-DE" altLang="de-DE" sz="2000" dirty="0" err="1" smtClean="0">
+                <a:solidFill>
+                  <a:srgbClr val="89CA78"/>
+                </a:solidFill>
+                <a:latin typeface="JetBrains Mono"/>
+              </a:rPr>
+              <a:t>example.git?ref</a:t>
+            </a:r>
+            <a:r>
+              <a:rPr lang="de-DE" altLang="de-DE" sz="2000" dirty="0" smtClean="0">
+                <a:solidFill>
+                  <a:srgbClr val="89CA78"/>
+                </a:solidFill>
+                <a:latin typeface="JetBrains Mono"/>
+              </a:rPr>
+              <a:t>=v2.0.12</a:t>
+            </a:r>
+            <a:r>
+              <a:rPr lang="de-DE" altLang="de-DE" sz="2000" dirty="0">
+                <a:solidFill>
+                  <a:srgbClr val="89CA78"/>
+                </a:solidFill>
+                <a:latin typeface="JetBrains Mono"/>
+              </a:rPr>
+              <a:t>"</a:t>
+            </a:r>
+            <a:r>
+              <a:rPr kumimoji="0" lang="de-DE" altLang="de-DE" sz="2000" b="0" i="0" u="none" strike="noStrike" cap="none" normalizeH="0" baseline="0" dirty="0" smtClean="0">
+                <a:ln>
+                  <a:noFill/>
+                </a:ln>
+                <a:solidFill>
+                  <a:srgbClr val="89CA78"/>
+                </a:solidFill>
+                <a:effectLst/>
+                <a:latin typeface="JetBrains Mono"/>
+              </a:rPr>
+              <a:t/>
+            </a:r>
+            <a:br>
+              <a:rPr kumimoji="0" lang="de-DE" altLang="de-DE" sz="2000" b="0" i="0" u="none" strike="noStrike" cap="none" normalizeH="0" baseline="0" dirty="0" smtClean="0">
+                <a:ln>
+                  <a:noFill/>
+                </a:ln>
+                <a:solidFill>
+                  <a:srgbClr val="89CA78"/>
+                </a:solidFill>
+                <a:effectLst/>
+                <a:latin typeface="JetBrains Mono"/>
+              </a:rPr>
+            </a:br>
+            <a:r>
+              <a:rPr kumimoji="0" lang="de-DE" altLang="de-DE" sz="2000" b="0" i="0" u="none" strike="noStrike" cap="none" normalizeH="0" baseline="0" dirty="0" smtClean="0">
+                <a:ln>
+                  <a:noFill/>
+                </a:ln>
+                <a:solidFill>
+                  <a:srgbClr val="BBBBBB"/>
+                </a:solidFill>
+                <a:effectLst/>
+                <a:latin typeface="JetBrains Mono"/>
+              </a:rPr>
+              <a:t>}</a:t>
+            </a:r>
+            <a:endParaRPr kumimoji="0" lang="de-DE" altLang="de-DE" sz="4400" b="0" i="0" u="none" strike="noStrike" cap="none" normalizeH="0" baseline="0" dirty="0" smtClean="0">
+              <a:ln>
+                <a:noFill/>
+              </a:ln>
+              <a:solidFill>
+                <a:schemeClr val="tx1"/>
+              </a:solidFill>
+              <a:effectLst/>
+              <a:latin typeface="Arial" panose="020B0604020202020204" pitchFamily="34" charset="0"/>
+            </a:endParaRPr>
+          </a:p>
+        </p:txBody>
+      </p:sp>
+    </p:spTree>
+    <p:extLst>
+      <p:ext uri="{BB962C8B-B14F-4D97-AF65-F5344CB8AC3E}">
+        <p14:creationId xmlns:p14="http://schemas.microsoft.com/office/powerpoint/2010/main" val="516457286"/>
       </p:ext>
     </p:extLst>
   </p:cSld>

--- a/Modul_08_Modules/Modules.pptx
+++ b/Modul_08_Modules/Modules.pptx
@@ -5,7 +5,7 @@
     <p:sldMasterId id="2147483648" r:id="rId1"/>
   </p:sldMasterIdLst>
   <p:notesMasterIdLst>
-    <p:notesMasterId r:id="rId8"/>
+    <p:notesMasterId r:id="rId9"/>
   </p:notesMasterIdLst>
   <p:sldIdLst>
     <p:sldId id="257" r:id="rId2"/>
@@ -14,6 +14,7 @@
     <p:sldId id="263" r:id="rId5"/>
     <p:sldId id="260" r:id="rId6"/>
     <p:sldId id="262" r:id="rId7"/>
+    <p:sldId id="264" r:id="rId8"/>
   </p:sldIdLst>
   <p:sldSz cx="12192000" cy="6858000"/>
   <p:notesSz cx="6858000" cy="9144000"/>
@@ -202,7 +203,7 @@
           <a:p>
             <a:fld id="{E9DAB8B5-B9A3-426D-91D9-D7966B0F2B79}" type="datetimeFigureOut">
               <a:rPr lang="de-DE" smtClean="0"/>
-              <a:t>20.11.2021</a:t>
+              <a:t>24.11.2021</a:t>
             </a:fld>
             <a:endParaRPr lang="de-DE"/>
           </a:p>
@@ -1046,6 +1047,90 @@
 </p:notes>
 </file>
 
+<file path=ppt/notesSlides/notesSlide7.xml><?xml version="1.0" encoding="utf-8"?>
+<p:notes xmlns:a="http://schemas.openxmlformats.org/drawingml/2006/main" xmlns:r="http://schemas.openxmlformats.org/officeDocument/2006/relationships" xmlns:p="http://schemas.openxmlformats.org/presentationml/2006/main">
+  <p:cSld>
+    <p:spTree>
+      <p:nvGrpSpPr>
+        <p:cNvPr id="1" name=""/>
+        <p:cNvGrpSpPr/>
+        <p:nvPr/>
+      </p:nvGrpSpPr>
+      <p:grpSpPr>
+        <a:xfrm>
+          <a:off x="0" y="0"/>
+          <a:ext cx="0" cy="0"/>
+          <a:chOff x="0" y="0"/>
+          <a:chExt cx="0" cy="0"/>
+        </a:xfrm>
+      </p:grpSpPr>
+      <p:sp>
+        <p:nvSpPr>
+          <p:cNvPr id="2" name="Folienbildplatzhalter 1"/>
+          <p:cNvSpPr>
+            <a:spLocks noGrp="1" noRot="1" noChangeAspect="1"/>
+          </p:cNvSpPr>
+          <p:nvPr>
+            <p:ph type="sldImg"/>
+          </p:nvPr>
+        </p:nvSpPr>
+        <p:spPr/>
+      </p:sp>
+      <p:sp>
+        <p:nvSpPr>
+          <p:cNvPr id="3" name="Notizenplatzhalter 2"/>
+          <p:cNvSpPr>
+            <a:spLocks noGrp="1"/>
+          </p:cNvSpPr>
+          <p:nvPr>
+            <p:ph type="body" idx="1"/>
+          </p:nvPr>
+        </p:nvSpPr>
+        <p:spPr/>
+        <p:txBody>
+          <a:bodyPr/>
+          <a:lstStyle/>
+          <a:p>
+            <a:endParaRPr lang="de-DE" dirty="0"/>
+          </a:p>
+        </p:txBody>
+      </p:sp>
+      <p:sp>
+        <p:nvSpPr>
+          <p:cNvPr id="4" name="Foliennummernplatzhalter 3"/>
+          <p:cNvSpPr>
+            <a:spLocks noGrp="1"/>
+          </p:cNvSpPr>
+          <p:nvPr>
+            <p:ph type="sldNum" sz="quarter" idx="10"/>
+          </p:nvPr>
+        </p:nvSpPr>
+        <p:spPr/>
+        <p:txBody>
+          <a:bodyPr/>
+          <a:lstStyle/>
+          <a:p>
+            <a:fld id="{E58C7EAB-645A-4FBB-B6AF-831236EEB6FB}" type="slidenum">
+              <a:rPr lang="de-DE" smtClean="0"/>
+              <a:t>7</a:t>
+            </a:fld>
+            <a:endParaRPr lang="de-DE"/>
+          </a:p>
+        </p:txBody>
+      </p:sp>
+    </p:spTree>
+    <p:extLst>
+      <p:ext uri="{BB962C8B-B14F-4D97-AF65-F5344CB8AC3E}">
+        <p14:creationId xmlns:p14="http://schemas.microsoft.com/office/powerpoint/2010/main" val="3742588506"/>
+      </p:ext>
+    </p:extLst>
+  </p:cSld>
+  <p:clrMapOvr>
+    <a:masterClrMapping/>
+  </p:clrMapOvr>
+</p:notes>
+</file>
+
 <file path=ppt/slideLayouts/slideLayout1.xml><?xml version="1.0" encoding="utf-8"?>
 <p:sldLayout xmlns:a="http://schemas.openxmlformats.org/drawingml/2006/main" xmlns:r="http://schemas.openxmlformats.org/officeDocument/2006/relationships" xmlns:p="http://schemas.openxmlformats.org/presentationml/2006/main" type="title" preserve="1">
   <p:cSld name="Titelfolie">
@@ -1177,7 +1262,7 @@
           <a:p>
             <a:fld id="{6CBA03CC-73C5-46A8-8DFB-B5DC4577D8E2}" type="datetimeFigureOut">
               <a:rPr lang="de-DE" smtClean="0"/>
-              <a:t>20.11.2021</a:t>
+              <a:t>24.11.2021</a:t>
             </a:fld>
             <a:endParaRPr lang="de-DE"/>
           </a:p>
@@ -1347,7 +1432,7 @@
           <a:p>
             <a:fld id="{6CBA03CC-73C5-46A8-8DFB-B5DC4577D8E2}" type="datetimeFigureOut">
               <a:rPr lang="de-DE" smtClean="0"/>
-              <a:t>20.11.2021</a:t>
+              <a:t>24.11.2021</a:t>
             </a:fld>
             <a:endParaRPr lang="de-DE"/>
           </a:p>
@@ -1527,7 +1612,7 @@
           <a:p>
             <a:fld id="{6CBA03CC-73C5-46A8-8DFB-B5DC4577D8E2}" type="datetimeFigureOut">
               <a:rPr lang="de-DE" smtClean="0"/>
-              <a:t>20.11.2021</a:t>
+              <a:t>24.11.2021</a:t>
             </a:fld>
             <a:endParaRPr lang="de-DE"/>
           </a:p>
@@ -1697,7 +1782,7 @@
           <a:p>
             <a:fld id="{6CBA03CC-73C5-46A8-8DFB-B5DC4577D8E2}" type="datetimeFigureOut">
               <a:rPr lang="de-DE" smtClean="0"/>
-              <a:t>20.11.2021</a:t>
+              <a:t>24.11.2021</a:t>
             </a:fld>
             <a:endParaRPr lang="de-DE"/>
           </a:p>
@@ -1943,7 +2028,7 @@
           <a:p>
             <a:fld id="{6CBA03CC-73C5-46A8-8DFB-B5DC4577D8E2}" type="datetimeFigureOut">
               <a:rPr lang="de-DE" smtClean="0"/>
-              <a:t>20.11.2021</a:t>
+              <a:t>24.11.2021</a:t>
             </a:fld>
             <a:endParaRPr lang="de-DE"/>
           </a:p>
@@ -2175,7 +2260,7 @@
           <a:p>
             <a:fld id="{6CBA03CC-73C5-46A8-8DFB-B5DC4577D8E2}" type="datetimeFigureOut">
               <a:rPr lang="de-DE" smtClean="0"/>
-              <a:t>20.11.2021</a:t>
+              <a:t>24.11.2021</a:t>
             </a:fld>
             <a:endParaRPr lang="de-DE"/>
           </a:p>
@@ -2542,7 +2627,7 @@
           <a:p>
             <a:fld id="{6CBA03CC-73C5-46A8-8DFB-B5DC4577D8E2}" type="datetimeFigureOut">
               <a:rPr lang="de-DE" smtClean="0"/>
-              <a:t>20.11.2021</a:t>
+              <a:t>24.11.2021</a:t>
             </a:fld>
             <a:endParaRPr lang="de-DE"/>
           </a:p>
@@ -2660,7 +2745,7 @@
           <a:p>
             <a:fld id="{6CBA03CC-73C5-46A8-8DFB-B5DC4577D8E2}" type="datetimeFigureOut">
               <a:rPr lang="de-DE" smtClean="0"/>
-              <a:t>20.11.2021</a:t>
+              <a:t>24.11.2021</a:t>
             </a:fld>
             <a:endParaRPr lang="de-DE"/>
           </a:p>
@@ -2755,7 +2840,7 @@
           <a:p>
             <a:fld id="{6CBA03CC-73C5-46A8-8DFB-B5DC4577D8E2}" type="datetimeFigureOut">
               <a:rPr lang="de-DE" smtClean="0"/>
-              <a:t>20.11.2021</a:t>
+              <a:t>24.11.2021</a:t>
             </a:fld>
             <a:endParaRPr lang="de-DE"/>
           </a:p>
@@ -3032,7 +3117,7 @@
           <a:p>
             <a:fld id="{6CBA03CC-73C5-46A8-8DFB-B5DC4577D8E2}" type="datetimeFigureOut">
               <a:rPr lang="de-DE" smtClean="0"/>
-              <a:t>20.11.2021</a:t>
+              <a:t>24.11.2021</a:t>
             </a:fld>
             <a:endParaRPr lang="de-DE"/>
           </a:p>
@@ -3285,7 +3370,7 @@
           <a:p>
             <a:fld id="{6CBA03CC-73C5-46A8-8DFB-B5DC4577D8E2}" type="datetimeFigureOut">
               <a:rPr lang="de-DE" smtClean="0"/>
-              <a:t>20.11.2021</a:t>
+              <a:t>24.11.2021</a:t>
             </a:fld>
             <a:endParaRPr lang="de-DE"/>
           </a:p>
@@ -3498,7 +3583,7 @@
           <a:p>
             <a:fld id="{6CBA03CC-73C5-46A8-8DFB-B5DC4577D8E2}" type="datetimeFigureOut">
               <a:rPr lang="de-DE" smtClean="0"/>
-              <a:t>20.11.2021</a:t>
+              <a:t>24.11.2021</a:t>
             </a:fld>
             <a:endParaRPr lang="de-DE"/>
           </a:p>
@@ -5764,7 +5849,6 @@
               <a:rPr lang="de-DE" dirty="0" smtClean="0"/>
               <a:t>Erzeugt n Instanzen eines Modul-Blocks</a:t>
             </a:r>
-            <a:endParaRPr lang="de-DE" dirty="0" smtClean="0"/>
           </a:p>
           <a:p>
             <a:r>
@@ -7381,6 +7465,167 @@
     <p:extLst>
       <p:ext uri="{BB962C8B-B14F-4D97-AF65-F5344CB8AC3E}">
         <p14:creationId xmlns:p14="http://schemas.microsoft.com/office/powerpoint/2010/main" val="516457286"/>
+      </p:ext>
+    </p:extLst>
+  </p:cSld>
+  <p:clrMapOvr>
+    <a:masterClrMapping/>
+  </p:clrMapOvr>
+  <p:timing>
+    <p:tnLst>
+      <p:par>
+        <p:cTn id="1" dur="indefinite" restart="never" nodeType="tmRoot"/>
+      </p:par>
+    </p:tnLst>
+  </p:timing>
+</p:sld>
+</file>
+
+<file path=ppt/slides/slide7.xml><?xml version="1.0" encoding="utf-8"?>
+<p:sld xmlns:a="http://schemas.openxmlformats.org/drawingml/2006/main" xmlns:r="http://schemas.openxmlformats.org/officeDocument/2006/relationships" xmlns:p="http://schemas.openxmlformats.org/presentationml/2006/main">
+  <p:cSld>
+    <p:spTree>
+      <p:nvGrpSpPr>
+        <p:cNvPr id="1" name=""/>
+        <p:cNvGrpSpPr/>
+        <p:nvPr/>
+      </p:nvGrpSpPr>
+      <p:grpSpPr>
+        <a:xfrm>
+          <a:off x="0" y="0"/>
+          <a:ext cx="0" cy="0"/>
+          <a:chOff x="0" y="0"/>
+          <a:chExt cx="0" cy="0"/>
+        </a:xfrm>
+      </p:grpSpPr>
+      <p:sp>
+        <p:nvSpPr>
+          <p:cNvPr id="2" name="Titel 1"/>
+          <p:cNvSpPr>
+            <a:spLocks noGrp="1"/>
+          </p:cNvSpPr>
+          <p:nvPr>
+            <p:ph type="title"/>
+          </p:nvPr>
+        </p:nvSpPr>
+        <p:spPr/>
+        <p:txBody>
+          <a:bodyPr/>
+          <a:lstStyle/>
+          <a:p>
+            <a:r>
+              <a:rPr lang="de-DE" dirty="0" smtClean="0"/>
+              <a:t>Dokumentation von Modulen</a:t>
+            </a:r>
+            <a:endParaRPr lang="de-DE" dirty="0"/>
+          </a:p>
+        </p:txBody>
+      </p:sp>
+      <p:sp>
+        <p:nvSpPr>
+          <p:cNvPr id="3" name="Inhaltsplatzhalter 2"/>
+          <p:cNvSpPr>
+            <a:spLocks noGrp="1"/>
+          </p:cNvSpPr>
+          <p:nvPr>
+            <p:ph idx="1"/>
+          </p:nvPr>
+        </p:nvSpPr>
+        <p:spPr>
+          <a:xfrm>
+            <a:off x="838200" y="1825625"/>
+            <a:ext cx="10515600" cy="4351338"/>
+          </a:xfrm>
+        </p:spPr>
+        <p:txBody>
+          <a:bodyPr>
+            <a:normAutofit/>
+          </a:bodyPr>
+          <a:lstStyle/>
+          <a:p>
+            <a:r>
+              <a:rPr lang="de-DE" dirty="0" smtClean="0"/>
+              <a:t>Best Practice - README.md im Root-Verzeichnis des Moduls</a:t>
+            </a:r>
+          </a:p>
+          <a:p>
+            <a:r>
+              <a:rPr lang="de-DE" dirty="0" smtClean="0"/>
+              <a:t>Dokumentation von </a:t>
+            </a:r>
+            <a:r>
+              <a:rPr lang="de-DE" dirty="0"/>
+              <a:t>Providers, Outputs, Inputs und </a:t>
+            </a:r>
+            <a:r>
+              <a:rPr lang="de-DE" dirty="0" smtClean="0"/>
+              <a:t>Resources</a:t>
+            </a:r>
+          </a:p>
+          <a:p>
+            <a:r>
+              <a:rPr lang="de-DE" dirty="0" smtClean="0"/>
+              <a:t>Tools zur Unterstützung der Dokumentation</a:t>
+            </a:r>
+          </a:p>
+          <a:p>
+            <a:pPr lvl="1"/>
+            <a:r>
+              <a:rPr lang="de-DE" dirty="0" smtClean="0">
+                <a:hlinkClick r:id="rId3"/>
+              </a:rPr>
+              <a:t>https</a:t>
+            </a:r>
+            <a:r>
+              <a:rPr lang="de-DE" dirty="0">
+                <a:hlinkClick r:id="rId3"/>
+              </a:rPr>
+              <a:t>://</a:t>
+            </a:r>
+            <a:r>
+              <a:rPr lang="de-DE" dirty="0" smtClean="0">
+                <a:hlinkClick r:id="rId3"/>
+              </a:rPr>
+              <a:t>github.com/terraform-docs/terraform-docs</a:t>
+            </a:r>
+            <a:endParaRPr lang="de-DE" dirty="0" smtClean="0"/>
+          </a:p>
+          <a:p>
+            <a:pPr lvl="1"/>
+            <a:endParaRPr lang="de-DE" dirty="0"/>
+          </a:p>
+          <a:p>
+            <a:r>
+              <a:rPr lang="de-DE" dirty="0" smtClean="0"/>
+              <a:t>Empfehlung von </a:t>
+            </a:r>
+            <a:r>
+              <a:rPr lang="de-DE" dirty="0" err="1" smtClean="0"/>
+              <a:t>HashiCorp</a:t>
+            </a:r>
+            <a:endParaRPr lang="de-DE" dirty="0" smtClean="0"/>
+          </a:p>
+          <a:p>
+            <a:pPr lvl="1"/>
+            <a:r>
+              <a:rPr lang="de-DE" dirty="0" smtClean="0"/>
+              <a:t>Verzeichnis ./</a:t>
+            </a:r>
+            <a:r>
+              <a:rPr lang="de-DE" dirty="0" err="1" smtClean="0"/>
+              <a:t>examples</a:t>
+            </a:r>
+            <a:r>
+              <a:rPr lang="de-DE" dirty="0" smtClean="0"/>
+              <a:t> mit realen Beispielen </a:t>
+            </a:r>
+          </a:p>
+        </p:txBody>
+      </p:sp>
+    </p:spTree>
+    <p:extLst>
+      <p:ext uri="{BB962C8B-B14F-4D97-AF65-F5344CB8AC3E}">
+        <p14:creationId xmlns:p14="http://schemas.microsoft.com/office/powerpoint/2010/main" val="179059535"/>
       </p:ext>
     </p:extLst>
   </p:cSld>
